--- a/thesis/ukapp2/wqu_isc/puremaths/ISC_PureMaths0401.pptx
+++ b/thesis/ukapp2/wqu_isc/puremaths/ISC_PureMaths0401.pptx
@@ -5,7 +5,7 @@
     <p:sldMasterId id="2147483659" r:id="rId1"/>
   </p:sldMasterIdLst>
   <p:notesMasterIdLst>
-    <p:notesMasterId r:id="rId15"/>
+    <p:notesMasterId r:id="rId23"/>
   </p:notesMasterIdLst>
   <p:sldIdLst>
     <p:sldId id="256" r:id="rId2"/>
@@ -14,13 +14,21 @@
     <p:sldId id="259" r:id="rId5"/>
     <p:sldId id="270" r:id="rId6"/>
     <p:sldId id="269" r:id="rId7"/>
-    <p:sldId id="260" r:id="rId8"/>
-    <p:sldId id="271" r:id="rId9"/>
-    <p:sldId id="262" r:id="rId10"/>
-    <p:sldId id="263" r:id="rId11"/>
-    <p:sldId id="267" r:id="rId12"/>
-    <p:sldId id="265" r:id="rId13"/>
-    <p:sldId id="268" r:id="rId14"/>
+    <p:sldId id="272" r:id="rId8"/>
+    <p:sldId id="260" r:id="rId9"/>
+    <p:sldId id="271" r:id="rId10"/>
+    <p:sldId id="262" r:id="rId11"/>
+    <p:sldId id="274" r:id="rId12"/>
+    <p:sldId id="275" r:id="rId13"/>
+    <p:sldId id="276" r:id="rId14"/>
+    <p:sldId id="277" r:id="rId15"/>
+    <p:sldId id="278" r:id="rId16"/>
+    <p:sldId id="279" r:id="rId17"/>
+    <p:sldId id="263" r:id="rId18"/>
+    <p:sldId id="267" r:id="rId19"/>
+    <p:sldId id="265" r:id="rId20"/>
+    <p:sldId id="273" r:id="rId21"/>
+    <p:sldId id="268" r:id="rId22"/>
   </p:sldIdLst>
   <p:sldSz cx="9144000" cy="5143500" type="screen16x9"/>
   <p:notesSz cx="6858000" cy="9144000"/>
@@ -822,6 +830,764 @@
   <p:cSld>
     <p:spTree>
       <p:nvGrpSpPr>
+        <p:cNvPr id="1" name="Shape 88"/>
+        <p:cNvGrpSpPr/>
+        <p:nvPr/>
+      </p:nvGrpSpPr>
+      <p:grpSpPr>
+        <a:xfrm>
+          <a:off x="0" y="0"/>
+          <a:ext cx="0" cy="0"/>
+          <a:chOff x="0" y="0"/>
+          <a:chExt cx="0" cy="0"/>
+        </a:xfrm>
+      </p:grpSpPr>
+      <p:sp>
+        <p:nvSpPr>
+          <p:cNvPr id="89" name="Google Shape;89;gb6183d3e7e_0_13:notes"/>
+          <p:cNvSpPr>
+            <a:spLocks noGrp="1" noRot="1" noChangeAspect="1"/>
+          </p:cNvSpPr>
+          <p:nvPr>
+            <p:ph type="sldImg" idx="2"/>
+          </p:nvPr>
+        </p:nvSpPr>
+        <p:spPr>
+          <a:xfrm>
+            <a:off x="381000" y="685800"/>
+            <a:ext cx="6096000" cy="3429000"/>
+          </a:xfrm>
+          <a:custGeom>
+            <a:avLst/>
+            <a:gdLst/>
+            <a:ahLst/>
+            <a:cxnLst/>
+            <a:rect l="l" t="t" r="r" b="b"/>
+            <a:pathLst>
+              <a:path w="120000" h="120000" extrusionOk="0">
+                <a:moveTo>
+                  <a:pt x="0" y="0"/>
+                </a:moveTo>
+                <a:lnTo>
+                  <a:pt x="120000" y="0"/>
+                </a:lnTo>
+                <a:lnTo>
+                  <a:pt x="120000" y="120000"/>
+                </a:lnTo>
+                <a:lnTo>
+                  <a:pt x="0" y="120000"/>
+                </a:lnTo>
+                <a:close/>
+              </a:path>
+            </a:pathLst>
+          </a:custGeom>
+        </p:spPr>
+      </p:sp>
+      <p:sp>
+        <p:nvSpPr>
+          <p:cNvPr id="90" name="Google Shape;90;gb6183d3e7e_0_13:notes"/>
+          <p:cNvSpPr txBox="1">
+            <a:spLocks noGrp="1"/>
+          </p:cNvSpPr>
+          <p:nvPr>
+            <p:ph type="body" idx="1"/>
+          </p:nvPr>
+        </p:nvSpPr>
+        <p:spPr>
+          <a:xfrm>
+            <a:off x="685800" y="4343400"/>
+            <a:ext cx="5486400" cy="4114800"/>
+          </a:xfrm>
+          <a:prstGeom prst="rect">
+            <a:avLst/>
+          </a:prstGeom>
+        </p:spPr>
+        <p:txBody>
+          <a:bodyPr spcFirstLastPara="1" wrap="square" lIns="91425" tIns="91425" rIns="91425" bIns="91425" anchor="t" anchorCtr="0">
+            <a:noAutofit/>
+          </a:bodyPr>
+          <a:lstStyle/>
+          <a:p>
+            <a:pPr marL="0" lvl="0" indent="0" algn="l" rtl="0">
+              <a:spcBef>
+                <a:spcPts val="0"/>
+              </a:spcBef>
+              <a:spcAft>
+                <a:spcPts val="0"/>
+              </a:spcAft>
+              <a:buNone/>
+            </a:pPr>
+            <a:endParaRPr/>
+          </a:p>
+        </p:txBody>
+      </p:sp>
+    </p:spTree>
+  </p:cSld>
+  <p:clrMapOvr>
+    <a:masterClrMapping/>
+  </p:clrMapOvr>
+</p:notes>
+</file>
+
+<file path=ppt/notesSlides/notesSlide11.xml><?xml version="1.0" encoding="utf-8"?>
+<p:notes xmlns:a="http://schemas.openxmlformats.org/drawingml/2006/main" xmlns:r="http://schemas.openxmlformats.org/officeDocument/2006/relationships" xmlns:p="http://schemas.openxmlformats.org/presentationml/2006/main" showMasterSp="0" showMasterPhAnim="0">
+  <p:cSld>
+    <p:spTree>
+      <p:nvGrpSpPr>
+        <p:cNvPr id="1" name="Shape 88"/>
+        <p:cNvGrpSpPr/>
+        <p:nvPr/>
+      </p:nvGrpSpPr>
+      <p:grpSpPr>
+        <a:xfrm>
+          <a:off x="0" y="0"/>
+          <a:ext cx="0" cy="0"/>
+          <a:chOff x="0" y="0"/>
+          <a:chExt cx="0" cy="0"/>
+        </a:xfrm>
+      </p:grpSpPr>
+      <p:sp>
+        <p:nvSpPr>
+          <p:cNvPr id="89" name="Google Shape;89;gb6183d3e7e_0_13:notes"/>
+          <p:cNvSpPr>
+            <a:spLocks noGrp="1" noRot="1" noChangeAspect="1"/>
+          </p:cNvSpPr>
+          <p:nvPr>
+            <p:ph type="sldImg" idx="2"/>
+          </p:nvPr>
+        </p:nvSpPr>
+        <p:spPr>
+          <a:xfrm>
+            <a:off x="381000" y="685800"/>
+            <a:ext cx="6096000" cy="3429000"/>
+          </a:xfrm>
+          <a:custGeom>
+            <a:avLst/>
+            <a:gdLst/>
+            <a:ahLst/>
+            <a:cxnLst/>
+            <a:rect l="l" t="t" r="r" b="b"/>
+            <a:pathLst>
+              <a:path w="120000" h="120000" extrusionOk="0">
+                <a:moveTo>
+                  <a:pt x="0" y="0"/>
+                </a:moveTo>
+                <a:lnTo>
+                  <a:pt x="120000" y="0"/>
+                </a:lnTo>
+                <a:lnTo>
+                  <a:pt x="120000" y="120000"/>
+                </a:lnTo>
+                <a:lnTo>
+                  <a:pt x="0" y="120000"/>
+                </a:lnTo>
+                <a:close/>
+              </a:path>
+            </a:pathLst>
+          </a:custGeom>
+        </p:spPr>
+      </p:sp>
+      <p:sp>
+        <p:nvSpPr>
+          <p:cNvPr id="90" name="Google Shape;90;gb6183d3e7e_0_13:notes"/>
+          <p:cNvSpPr txBox="1">
+            <a:spLocks noGrp="1"/>
+          </p:cNvSpPr>
+          <p:nvPr>
+            <p:ph type="body" idx="1"/>
+          </p:nvPr>
+        </p:nvSpPr>
+        <p:spPr>
+          <a:xfrm>
+            <a:off x="685800" y="4343400"/>
+            <a:ext cx="5486400" cy="4114800"/>
+          </a:xfrm>
+          <a:prstGeom prst="rect">
+            <a:avLst/>
+          </a:prstGeom>
+        </p:spPr>
+        <p:txBody>
+          <a:bodyPr spcFirstLastPara="1" wrap="square" lIns="91425" tIns="91425" rIns="91425" bIns="91425" anchor="t" anchorCtr="0">
+            <a:noAutofit/>
+          </a:bodyPr>
+          <a:lstStyle/>
+          <a:p>
+            <a:pPr marL="0" lvl="0" indent="0" algn="l" rtl="0">
+              <a:spcBef>
+                <a:spcPts val="0"/>
+              </a:spcBef>
+              <a:spcAft>
+                <a:spcPts val="0"/>
+              </a:spcAft>
+              <a:buNone/>
+            </a:pPr>
+            <a:endParaRPr/>
+          </a:p>
+        </p:txBody>
+      </p:sp>
+    </p:spTree>
+    <p:extLst>
+      <p:ext uri="{BB962C8B-B14F-4D97-AF65-F5344CB8AC3E}">
+        <p14:creationId xmlns:p14="http://schemas.microsoft.com/office/powerpoint/2010/main" val="1248928323"/>
+      </p:ext>
+    </p:extLst>
+  </p:cSld>
+  <p:clrMapOvr>
+    <a:masterClrMapping/>
+  </p:clrMapOvr>
+</p:notes>
+</file>
+
+<file path=ppt/notesSlides/notesSlide12.xml><?xml version="1.0" encoding="utf-8"?>
+<p:notes xmlns:a="http://schemas.openxmlformats.org/drawingml/2006/main" xmlns:r="http://schemas.openxmlformats.org/officeDocument/2006/relationships" xmlns:p="http://schemas.openxmlformats.org/presentationml/2006/main" showMasterSp="0" showMasterPhAnim="0">
+  <p:cSld>
+    <p:spTree>
+      <p:nvGrpSpPr>
+        <p:cNvPr id="1" name="Shape 88"/>
+        <p:cNvGrpSpPr/>
+        <p:nvPr/>
+      </p:nvGrpSpPr>
+      <p:grpSpPr>
+        <a:xfrm>
+          <a:off x="0" y="0"/>
+          <a:ext cx="0" cy="0"/>
+          <a:chOff x="0" y="0"/>
+          <a:chExt cx="0" cy="0"/>
+        </a:xfrm>
+      </p:grpSpPr>
+      <p:sp>
+        <p:nvSpPr>
+          <p:cNvPr id="89" name="Google Shape;89;gb6183d3e7e_0_13:notes"/>
+          <p:cNvSpPr>
+            <a:spLocks noGrp="1" noRot="1" noChangeAspect="1"/>
+          </p:cNvSpPr>
+          <p:nvPr>
+            <p:ph type="sldImg" idx="2"/>
+          </p:nvPr>
+        </p:nvSpPr>
+        <p:spPr>
+          <a:xfrm>
+            <a:off x="381000" y="685800"/>
+            <a:ext cx="6096000" cy="3429000"/>
+          </a:xfrm>
+          <a:custGeom>
+            <a:avLst/>
+            <a:gdLst/>
+            <a:ahLst/>
+            <a:cxnLst/>
+            <a:rect l="l" t="t" r="r" b="b"/>
+            <a:pathLst>
+              <a:path w="120000" h="120000" extrusionOk="0">
+                <a:moveTo>
+                  <a:pt x="0" y="0"/>
+                </a:moveTo>
+                <a:lnTo>
+                  <a:pt x="120000" y="0"/>
+                </a:lnTo>
+                <a:lnTo>
+                  <a:pt x="120000" y="120000"/>
+                </a:lnTo>
+                <a:lnTo>
+                  <a:pt x="0" y="120000"/>
+                </a:lnTo>
+                <a:close/>
+              </a:path>
+            </a:pathLst>
+          </a:custGeom>
+        </p:spPr>
+      </p:sp>
+      <p:sp>
+        <p:nvSpPr>
+          <p:cNvPr id="90" name="Google Shape;90;gb6183d3e7e_0_13:notes"/>
+          <p:cNvSpPr txBox="1">
+            <a:spLocks noGrp="1"/>
+          </p:cNvSpPr>
+          <p:nvPr>
+            <p:ph type="body" idx="1"/>
+          </p:nvPr>
+        </p:nvSpPr>
+        <p:spPr>
+          <a:xfrm>
+            <a:off x="685800" y="4343400"/>
+            <a:ext cx="5486400" cy="4114800"/>
+          </a:xfrm>
+          <a:prstGeom prst="rect">
+            <a:avLst/>
+          </a:prstGeom>
+        </p:spPr>
+        <p:txBody>
+          <a:bodyPr spcFirstLastPara="1" wrap="square" lIns="91425" tIns="91425" rIns="91425" bIns="91425" anchor="t" anchorCtr="0">
+            <a:noAutofit/>
+          </a:bodyPr>
+          <a:lstStyle/>
+          <a:p>
+            <a:pPr marL="0" lvl="0" indent="0" algn="l" rtl="0">
+              <a:spcBef>
+                <a:spcPts val="0"/>
+              </a:spcBef>
+              <a:spcAft>
+                <a:spcPts val="0"/>
+              </a:spcAft>
+              <a:buNone/>
+            </a:pPr>
+            <a:endParaRPr/>
+          </a:p>
+        </p:txBody>
+      </p:sp>
+    </p:spTree>
+    <p:extLst>
+      <p:ext uri="{BB962C8B-B14F-4D97-AF65-F5344CB8AC3E}">
+        <p14:creationId xmlns:p14="http://schemas.microsoft.com/office/powerpoint/2010/main" val="3141013946"/>
+      </p:ext>
+    </p:extLst>
+  </p:cSld>
+  <p:clrMapOvr>
+    <a:masterClrMapping/>
+  </p:clrMapOvr>
+</p:notes>
+</file>
+
+<file path=ppt/notesSlides/notesSlide13.xml><?xml version="1.0" encoding="utf-8"?>
+<p:notes xmlns:a="http://schemas.openxmlformats.org/drawingml/2006/main" xmlns:r="http://schemas.openxmlformats.org/officeDocument/2006/relationships" xmlns:p="http://schemas.openxmlformats.org/presentationml/2006/main" showMasterSp="0" showMasterPhAnim="0">
+  <p:cSld>
+    <p:spTree>
+      <p:nvGrpSpPr>
+        <p:cNvPr id="1" name="Shape 88"/>
+        <p:cNvGrpSpPr/>
+        <p:nvPr/>
+      </p:nvGrpSpPr>
+      <p:grpSpPr>
+        <a:xfrm>
+          <a:off x="0" y="0"/>
+          <a:ext cx="0" cy="0"/>
+          <a:chOff x="0" y="0"/>
+          <a:chExt cx="0" cy="0"/>
+        </a:xfrm>
+      </p:grpSpPr>
+      <p:sp>
+        <p:nvSpPr>
+          <p:cNvPr id="89" name="Google Shape;89;gb6183d3e7e_0_13:notes"/>
+          <p:cNvSpPr>
+            <a:spLocks noGrp="1" noRot="1" noChangeAspect="1"/>
+          </p:cNvSpPr>
+          <p:nvPr>
+            <p:ph type="sldImg" idx="2"/>
+          </p:nvPr>
+        </p:nvSpPr>
+        <p:spPr>
+          <a:xfrm>
+            <a:off x="381000" y="685800"/>
+            <a:ext cx="6096000" cy="3429000"/>
+          </a:xfrm>
+          <a:custGeom>
+            <a:avLst/>
+            <a:gdLst/>
+            <a:ahLst/>
+            <a:cxnLst/>
+            <a:rect l="l" t="t" r="r" b="b"/>
+            <a:pathLst>
+              <a:path w="120000" h="120000" extrusionOk="0">
+                <a:moveTo>
+                  <a:pt x="0" y="0"/>
+                </a:moveTo>
+                <a:lnTo>
+                  <a:pt x="120000" y="0"/>
+                </a:lnTo>
+                <a:lnTo>
+                  <a:pt x="120000" y="120000"/>
+                </a:lnTo>
+                <a:lnTo>
+                  <a:pt x="0" y="120000"/>
+                </a:lnTo>
+                <a:close/>
+              </a:path>
+            </a:pathLst>
+          </a:custGeom>
+        </p:spPr>
+      </p:sp>
+      <p:sp>
+        <p:nvSpPr>
+          <p:cNvPr id="90" name="Google Shape;90;gb6183d3e7e_0_13:notes"/>
+          <p:cNvSpPr txBox="1">
+            <a:spLocks noGrp="1"/>
+          </p:cNvSpPr>
+          <p:nvPr>
+            <p:ph type="body" idx="1"/>
+          </p:nvPr>
+        </p:nvSpPr>
+        <p:spPr>
+          <a:xfrm>
+            <a:off x="685800" y="4343400"/>
+            <a:ext cx="5486400" cy="4114800"/>
+          </a:xfrm>
+          <a:prstGeom prst="rect">
+            <a:avLst/>
+          </a:prstGeom>
+        </p:spPr>
+        <p:txBody>
+          <a:bodyPr spcFirstLastPara="1" wrap="square" lIns="91425" tIns="91425" rIns="91425" bIns="91425" anchor="t" anchorCtr="0">
+            <a:noAutofit/>
+          </a:bodyPr>
+          <a:lstStyle/>
+          <a:p>
+            <a:pPr marL="0" lvl="0" indent="0" algn="l" rtl="0">
+              <a:spcBef>
+                <a:spcPts val="0"/>
+              </a:spcBef>
+              <a:spcAft>
+                <a:spcPts val="0"/>
+              </a:spcAft>
+              <a:buNone/>
+            </a:pPr>
+            <a:endParaRPr/>
+          </a:p>
+        </p:txBody>
+      </p:sp>
+    </p:spTree>
+    <p:extLst>
+      <p:ext uri="{BB962C8B-B14F-4D97-AF65-F5344CB8AC3E}">
+        <p14:creationId xmlns:p14="http://schemas.microsoft.com/office/powerpoint/2010/main" val="487532193"/>
+      </p:ext>
+    </p:extLst>
+  </p:cSld>
+  <p:clrMapOvr>
+    <a:masterClrMapping/>
+  </p:clrMapOvr>
+</p:notes>
+</file>
+
+<file path=ppt/notesSlides/notesSlide14.xml><?xml version="1.0" encoding="utf-8"?>
+<p:notes xmlns:a="http://schemas.openxmlformats.org/drawingml/2006/main" xmlns:r="http://schemas.openxmlformats.org/officeDocument/2006/relationships" xmlns:p="http://schemas.openxmlformats.org/presentationml/2006/main" showMasterSp="0" showMasterPhAnim="0">
+  <p:cSld>
+    <p:spTree>
+      <p:nvGrpSpPr>
+        <p:cNvPr id="1" name="Shape 88"/>
+        <p:cNvGrpSpPr/>
+        <p:nvPr/>
+      </p:nvGrpSpPr>
+      <p:grpSpPr>
+        <a:xfrm>
+          <a:off x="0" y="0"/>
+          <a:ext cx="0" cy="0"/>
+          <a:chOff x="0" y="0"/>
+          <a:chExt cx="0" cy="0"/>
+        </a:xfrm>
+      </p:grpSpPr>
+      <p:sp>
+        <p:nvSpPr>
+          <p:cNvPr id="89" name="Google Shape;89;gb6183d3e7e_0_13:notes"/>
+          <p:cNvSpPr>
+            <a:spLocks noGrp="1" noRot="1" noChangeAspect="1"/>
+          </p:cNvSpPr>
+          <p:nvPr>
+            <p:ph type="sldImg" idx="2"/>
+          </p:nvPr>
+        </p:nvSpPr>
+        <p:spPr>
+          <a:xfrm>
+            <a:off x="381000" y="685800"/>
+            <a:ext cx="6096000" cy="3429000"/>
+          </a:xfrm>
+          <a:custGeom>
+            <a:avLst/>
+            <a:gdLst/>
+            <a:ahLst/>
+            <a:cxnLst/>
+            <a:rect l="l" t="t" r="r" b="b"/>
+            <a:pathLst>
+              <a:path w="120000" h="120000" extrusionOk="0">
+                <a:moveTo>
+                  <a:pt x="0" y="0"/>
+                </a:moveTo>
+                <a:lnTo>
+                  <a:pt x="120000" y="0"/>
+                </a:lnTo>
+                <a:lnTo>
+                  <a:pt x="120000" y="120000"/>
+                </a:lnTo>
+                <a:lnTo>
+                  <a:pt x="0" y="120000"/>
+                </a:lnTo>
+                <a:close/>
+              </a:path>
+            </a:pathLst>
+          </a:custGeom>
+        </p:spPr>
+      </p:sp>
+      <p:sp>
+        <p:nvSpPr>
+          <p:cNvPr id="90" name="Google Shape;90;gb6183d3e7e_0_13:notes"/>
+          <p:cNvSpPr txBox="1">
+            <a:spLocks noGrp="1"/>
+          </p:cNvSpPr>
+          <p:nvPr>
+            <p:ph type="body" idx="1"/>
+          </p:nvPr>
+        </p:nvSpPr>
+        <p:spPr>
+          <a:xfrm>
+            <a:off x="685800" y="4343400"/>
+            <a:ext cx="5486400" cy="4114800"/>
+          </a:xfrm>
+          <a:prstGeom prst="rect">
+            <a:avLst/>
+          </a:prstGeom>
+        </p:spPr>
+        <p:txBody>
+          <a:bodyPr spcFirstLastPara="1" wrap="square" lIns="91425" tIns="91425" rIns="91425" bIns="91425" anchor="t" anchorCtr="0">
+            <a:noAutofit/>
+          </a:bodyPr>
+          <a:lstStyle/>
+          <a:p>
+            <a:pPr marL="0" lvl="0" indent="0" algn="l" rtl="0">
+              <a:spcBef>
+                <a:spcPts val="0"/>
+              </a:spcBef>
+              <a:spcAft>
+                <a:spcPts val="0"/>
+              </a:spcAft>
+              <a:buNone/>
+            </a:pPr>
+            <a:endParaRPr/>
+          </a:p>
+        </p:txBody>
+      </p:sp>
+    </p:spTree>
+    <p:extLst>
+      <p:ext uri="{BB962C8B-B14F-4D97-AF65-F5344CB8AC3E}">
+        <p14:creationId xmlns:p14="http://schemas.microsoft.com/office/powerpoint/2010/main" val="4225527395"/>
+      </p:ext>
+    </p:extLst>
+  </p:cSld>
+  <p:clrMapOvr>
+    <a:masterClrMapping/>
+  </p:clrMapOvr>
+</p:notes>
+</file>
+
+<file path=ppt/notesSlides/notesSlide15.xml><?xml version="1.0" encoding="utf-8"?>
+<p:notes xmlns:a="http://schemas.openxmlformats.org/drawingml/2006/main" xmlns:r="http://schemas.openxmlformats.org/officeDocument/2006/relationships" xmlns:p="http://schemas.openxmlformats.org/presentationml/2006/main" showMasterSp="0" showMasterPhAnim="0">
+  <p:cSld>
+    <p:spTree>
+      <p:nvGrpSpPr>
+        <p:cNvPr id="1" name="Shape 88"/>
+        <p:cNvGrpSpPr/>
+        <p:nvPr/>
+      </p:nvGrpSpPr>
+      <p:grpSpPr>
+        <a:xfrm>
+          <a:off x="0" y="0"/>
+          <a:ext cx="0" cy="0"/>
+          <a:chOff x="0" y="0"/>
+          <a:chExt cx="0" cy="0"/>
+        </a:xfrm>
+      </p:grpSpPr>
+      <p:sp>
+        <p:nvSpPr>
+          <p:cNvPr id="89" name="Google Shape;89;gb6183d3e7e_0_13:notes"/>
+          <p:cNvSpPr>
+            <a:spLocks noGrp="1" noRot="1" noChangeAspect="1"/>
+          </p:cNvSpPr>
+          <p:nvPr>
+            <p:ph type="sldImg" idx="2"/>
+          </p:nvPr>
+        </p:nvSpPr>
+        <p:spPr>
+          <a:xfrm>
+            <a:off x="381000" y="685800"/>
+            <a:ext cx="6096000" cy="3429000"/>
+          </a:xfrm>
+          <a:custGeom>
+            <a:avLst/>
+            <a:gdLst/>
+            <a:ahLst/>
+            <a:cxnLst/>
+            <a:rect l="l" t="t" r="r" b="b"/>
+            <a:pathLst>
+              <a:path w="120000" h="120000" extrusionOk="0">
+                <a:moveTo>
+                  <a:pt x="0" y="0"/>
+                </a:moveTo>
+                <a:lnTo>
+                  <a:pt x="120000" y="0"/>
+                </a:lnTo>
+                <a:lnTo>
+                  <a:pt x="120000" y="120000"/>
+                </a:lnTo>
+                <a:lnTo>
+                  <a:pt x="0" y="120000"/>
+                </a:lnTo>
+                <a:close/>
+              </a:path>
+            </a:pathLst>
+          </a:custGeom>
+        </p:spPr>
+      </p:sp>
+      <p:sp>
+        <p:nvSpPr>
+          <p:cNvPr id="90" name="Google Shape;90;gb6183d3e7e_0_13:notes"/>
+          <p:cNvSpPr txBox="1">
+            <a:spLocks noGrp="1"/>
+          </p:cNvSpPr>
+          <p:nvPr>
+            <p:ph type="body" idx="1"/>
+          </p:nvPr>
+        </p:nvSpPr>
+        <p:spPr>
+          <a:xfrm>
+            <a:off x="685800" y="4343400"/>
+            <a:ext cx="5486400" cy="4114800"/>
+          </a:xfrm>
+          <a:prstGeom prst="rect">
+            <a:avLst/>
+          </a:prstGeom>
+        </p:spPr>
+        <p:txBody>
+          <a:bodyPr spcFirstLastPara="1" wrap="square" lIns="91425" tIns="91425" rIns="91425" bIns="91425" anchor="t" anchorCtr="0">
+            <a:noAutofit/>
+          </a:bodyPr>
+          <a:lstStyle/>
+          <a:p>
+            <a:pPr marL="0" lvl="0" indent="0" algn="l" rtl="0">
+              <a:spcBef>
+                <a:spcPts val="0"/>
+              </a:spcBef>
+              <a:spcAft>
+                <a:spcPts val="0"/>
+              </a:spcAft>
+              <a:buNone/>
+            </a:pPr>
+            <a:endParaRPr/>
+          </a:p>
+        </p:txBody>
+      </p:sp>
+    </p:spTree>
+    <p:extLst>
+      <p:ext uri="{BB962C8B-B14F-4D97-AF65-F5344CB8AC3E}">
+        <p14:creationId xmlns:p14="http://schemas.microsoft.com/office/powerpoint/2010/main" val="2594663648"/>
+      </p:ext>
+    </p:extLst>
+  </p:cSld>
+  <p:clrMapOvr>
+    <a:masterClrMapping/>
+  </p:clrMapOvr>
+</p:notes>
+</file>
+
+<file path=ppt/notesSlides/notesSlide16.xml><?xml version="1.0" encoding="utf-8"?>
+<p:notes xmlns:a="http://schemas.openxmlformats.org/drawingml/2006/main" xmlns:r="http://schemas.openxmlformats.org/officeDocument/2006/relationships" xmlns:p="http://schemas.openxmlformats.org/presentationml/2006/main" showMasterSp="0" showMasterPhAnim="0">
+  <p:cSld>
+    <p:spTree>
+      <p:nvGrpSpPr>
+        <p:cNvPr id="1" name="Shape 88"/>
+        <p:cNvGrpSpPr/>
+        <p:nvPr/>
+      </p:nvGrpSpPr>
+      <p:grpSpPr>
+        <a:xfrm>
+          <a:off x="0" y="0"/>
+          <a:ext cx="0" cy="0"/>
+          <a:chOff x="0" y="0"/>
+          <a:chExt cx="0" cy="0"/>
+        </a:xfrm>
+      </p:grpSpPr>
+      <p:sp>
+        <p:nvSpPr>
+          <p:cNvPr id="89" name="Google Shape;89;gb6183d3e7e_0_13:notes"/>
+          <p:cNvSpPr>
+            <a:spLocks noGrp="1" noRot="1" noChangeAspect="1"/>
+          </p:cNvSpPr>
+          <p:nvPr>
+            <p:ph type="sldImg" idx="2"/>
+          </p:nvPr>
+        </p:nvSpPr>
+        <p:spPr>
+          <a:xfrm>
+            <a:off x="381000" y="685800"/>
+            <a:ext cx="6096000" cy="3429000"/>
+          </a:xfrm>
+          <a:custGeom>
+            <a:avLst/>
+            <a:gdLst/>
+            <a:ahLst/>
+            <a:cxnLst/>
+            <a:rect l="l" t="t" r="r" b="b"/>
+            <a:pathLst>
+              <a:path w="120000" h="120000" extrusionOk="0">
+                <a:moveTo>
+                  <a:pt x="0" y="0"/>
+                </a:moveTo>
+                <a:lnTo>
+                  <a:pt x="120000" y="0"/>
+                </a:lnTo>
+                <a:lnTo>
+                  <a:pt x="120000" y="120000"/>
+                </a:lnTo>
+                <a:lnTo>
+                  <a:pt x="0" y="120000"/>
+                </a:lnTo>
+                <a:close/>
+              </a:path>
+            </a:pathLst>
+          </a:custGeom>
+        </p:spPr>
+      </p:sp>
+      <p:sp>
+        <p:nvSpPr>
+          <p:cNvPr id="90" name="Google Shape;90;gb6183d3e7e_0_13:notes"/>
+          <p:cNvSpPr txBox="1">
+            <a:spLocks noGrp="1"/>
+          </p:cNvSpPr>
+          <p:nvPr>
+            <p:ph type="body" idx="1"/>
+          </p:nvPr>
+        </p:nvSpPr>
+        <p:spPr>
+          <a:xfrm>
+            <a:off x="685800" y="4343400"/>
+            <a:ext cx="5486400" cy="4114800"/>
+          </a:xfrm>
+          <a:prstGeom prst="rect">
+            <a:avLst/>
+          </a:prstGeom>
+        </p:spPr>
+        <p:txBody>
+          <a:bodyPr spcFirstLastPara="1" wrap="square" lIns="91425" tIns="91425" rIns="91425" bIns="91425" anchor="t" anchorCtr="0">
+            <a:noAutofit/>
+          </a:bodyPr>
+          <a:lstStyle/>
+          <a:p>
+            <a:pPr marL="0" lvl="0" indent="0" algn="l" rtl="0">
+              <a:spcBef>
+                <a:spcPts val="0"/>
+              </a:spcBef>
+              <a:spcAft>
+                <a:spcPts val="0"/>
+              </a:spcAft>
+              <a:buNone/>
+            </a:pPr>
+            <a:endParaRPr/>
+          </a:p>
+        </p:txBody>
+      </p:sp>
+    </p:spTree>
+    <p:extLst>
+      <p:ext uri="{BB962C8B-B14F-4D97-AF65-F5344CB8AC3E}">
+        <p14:creationId xmlns:p14="http://schemas.microsoft.com/office/powerpoint/2010/main" val="2692913404"/>
+      </p:ext>
+    </p:extLst>
+  </p:cSld>
+  <p:clrMapOvr>
+    <a:masterClrMapping/>
+  </p:clrMapOvr>
+</p:notes>
+</file>
+
+<file path=ppt/notesSlides/notesSlide17.xml><?xml version="1.0" encoding="utf-8"?>
+<p:notes xmlns:a="http://schemas.openxmlformats.org/drawingml/2006/main" xmlns:r="http://schemas.openxmlformats.org/officeDocument/2006/relationships" xmlns:p="http://schemas.openxmlformats.org/presentationml/2006/main" showMasterSp="0" showMasterPhAnim="0">
+  <p:cSld>
+    <p:spTree>
+      <p:nvGrpSpPr>
         <p:cNvPr id="1" name="Shape 95"/>
         <p:cNvGrpSpPr/>
         <p:nvPr/>
@@ -921,7 +1687,7 @@
 </p:notes>
 </file>
 
-<file path=ppt/notesSlides/notesSlide11.xml><?xml version="1.0" encoding="utf-8"?>
+<file path=ppt/notesSlides/notesSlide18.xml><?xml version="1.0" encoding="utf-8"?>
 <p:notes xmlns:a="http://schemas.openxmlformats.org/drawingml/2006/main" xmlns:r="http://schemas.openxmlformats.org/officeDocument/2006/relationships" xmlns:p="http://schemas.openxmlformats.org/presentationml/2006/main" showMasterSp="0" showMasterPhAnim="0">
   <p:cSld>
     <p:spTree>
@@ -1410,7 +2176,7 @@
 </p:notes>
 </file>
 
-<file path=ppt/notesSlides/notesSlide12.xml><?xml version="1.0" encoding="utf-8"?>
+<file path=ppt/notesSlides/notesSlide19.xml><?xml version="1.0" encoding="utf-8"?>
 <p:notes xmlns:a="http://schemas.openxmlformats.org/drawingml/2006/main" xmlns:r="http://schemas.openxmlformats.org/officeDocument/2006/relationships" xmlns:p="http://schemas.openxmlformats.org/presentationml/2006/main" showMasterSp="0" showMasterPhAnim="0">
   <p:cSld>
     <p:spTree>
@@ -1890,115 +2656,6 @@
     <p:extLst>
       <p:ext uri="{BB962C8B-B14F-4D97-AF65-F5344CB8AC3E}">
         <p14:creationId xmlns:p14="http://schemas.microsoft.com/office/powerpoint/2010/main" val="2461516492"/>
-      </p:ext>
-    </p:extLst>
-  </p:cSld>
-  <p:clrMapOvr>
-    <a:masterClrMapping/>
-  </p:clrMapOvr>
-</p:notes>
-</file>
-
-<file path=ppt/notesSlides/notesSlide13.xml><?xml version="1.0" encoding="utf-8"?>
-<p:notes xmlns:a="http://schemas.openxmlformats.org/drawingml/2006/main" xmlns:r="http://schemas.openxmlformats.org/officeDocument/2006/relationships" xmlns:p="http://schemas.openxmlformats.org/presentationml/2006/main" showMasterSp="0" showMasterPhAnim="0">
-  <p:cSld>
-    <p:spTree>
-      <p:nvGrpSpPr>
-        <p:cNvPr id="1" name="Shape 95"/>
-        <p:cNvGrpSpPr/>
-        <p:nvPr/>
-      </p:nvGrpSpPr>
-      <p:grpSpPr>
-        <a:xfrm>
-          <a:off x="0" y="0"/>
-          <a:ext cx="0" cy="0"/>
-          <a:chOff x="0" y="0"/>
-          <a:chExt cx="0" cy="0"/>
-        </a:xfrm>
-      </p:grpSpPr>
-      <p:sp>
-        <p:nvSpPr>
-          <p:cNvPr id="96" name="Google Shape;96;gb7df08da6d_0_126:notes"/>
-          <p:cNvSpPr>
-            <a:spLocks noGrp="1" noRot="1" noChangeAspect="1"/>
-          </p:cNvSpPr>
-          <p:nvPr>
-            <p:ph type="sldImg" idx="2"/>
-          </p:nvPr>
-        </p:nvSpPr>
-        <p:spPr>
-          <a:xfrm>
-            <a:off x="381000" y="685800"/>
-            <a:ext cx="6096000" cy="3429000"/>
-          </a:xfrm>
-          <a:custGeom>
-            <a:avLst/>
-            <a:gdLst/>
-            <a:ahLst/>
-            <a:cxnLst/>
-            <a:rect l="l" t="t" r="r" b="b"/>
-            <a:pathLst>
-              <a:path w="120000" h="120000" extrusionOk="0">
-                <a:moveTo>
-                  <a:pt x="0" y="0"/>
-                </a:moveTo>
-                <a:lnTo>
-                  <a:pt x="120000" y="0"/>
-                </a:lnTo>
-                <a:lnTo>
-                  <a:pt x="120000" y="120000"/>
-                </a:lnTo>
-                <a:lnTo>
-                  <a:pt x="0" y="120000"/>
-                </a:lnTo>
-                <a:close/>
-              </a:path>
-            </a:pathLst>
-          </a:custGeom>
-        </p:spPr>
-      </p:sp>
-      <p:sp>
-        <p:nvSpPr>
-          <p:cNvPr id="97" name="Google Shape;97;gb7df08da6d_0_126:notes"/>
-          <p:cNvSpPr txBox="1">
-            <a:spLocks noGrp="1"/>
-          </p:cNvSpPr>
-          <p:nvPr>
-            <p:ph type="body" idx="1"/>
-          </p:nvPr>
-        </p:nvSpPr>
-        <p:spPr>
-          <a:xfrm>
-            <a:off x="685800" y="4343400"/>
-            <a:ext cx="5486400" cy="4114800"/>
-          </a:xfrm>
-          <a:prstGeom prst="rect">
-            <a:avLst/>
-          </a:prstGeom>
-        </p:spPr>
-        <p:txBody>
-          <a:bodyPr spcFirstLastPara="1" wrap="square" lIns="91425" tIns="91425" rIns="91425" bIns="91425" anchor="t" anchorCtr="0">
-            <a:noAutofit/>
-          </a:bodyPr>
-          <a:lstStyle/>
-          <a:p>
-            <a:pPr marL="0" lvl="0" indent="0" algn="l" rtl="0">
-              <a:spcBef>
-                <a:spcPts val="0"/>
-              </a:spcBef>
-              <a:spcAft>
-                <a:spcPts val="0"/>
-              </a:spcAft>
-              <a:buNone/>
-            </a:pPr>
-            <a:endParaRPr/>
-          </a:p>
-        </p:txBody>
-      </p:sp>
-    </p:spTree>
-    <p:extLst>
-      <p:ext uri="{BB962C8B-B14F-4D97-AF65-F5344CB8AC3E}">
-        <p14:creationId xmlns:p14="http://schemas.microsoft.com/office/powerpoint/2010/main" val="2482755407"/>
       </p:ext>
     </p:extLst>
   </p:cSld>
@@ -2485,6 +3142,604 @@
         </p:txBody>
       </p:sp>
     </p:spTree>
+  </p:cSld>
+  <p:clrMapOvr>
+    <a:masterClrMapping/>
+  </p:clrMapOvr>
+</p:notes>
+</file>
+
+<file path=ppt/notesSlides/notesSlide20.xml><?xml version="1.0" encoding="utf-8"?>
+<p:notes xmlns:a="http://schemas.openxmlformats.org/drawingml/2006/main" xmlns:r="http://schemas.openxmlformats.org/officeDocument/2006/relationships" xmlns:p="http://schemas.openxmlformats.org/presentationml/2006/main" showMasterSp="0" showMasterPhAnim="0">
+  <p:cSld>
+    <p:spTree>
+      <p:nvGrpSpPr>
+        <p:cNvPr id="1" name="Shape 56"/>
+        <p:cNvGrpSpPr/>
+        <p:nvPr/>
+      </p:nvGrpSpPr>
+      <p:grpSpPr>
+        <a:xfrm>
+          <a:off x="0" y="0"/>
+          <a:ext cx="0" cy="0"/>
+          <a:chOff x="0" y="0"/>
+          <a:chExt cx="0" cy="0"/>
+        </a:xfrm>
+      </p:grpSpPr>
+      <p:sp>
+        <p:nvSpPr>
+          <p:cNvPr id="57" name="Google Shape;57;gb6183d3e7e_0_0:notes"/>
+          <p:cNvSpPr>
+            <a:spLocks noGrp="1" noRot="1" noChangeAspect="1"/>
+          </p:cNvSpPr>
+          <p:nvPr>
+            <p:ph type="sldImg" idx="2"/>
+          </p:nvPr>
+        </p:nvSpPr>
+        <p:spPr>
+          <a:xfrm>
+            <a:off x="381000" y="685800"/>
+            <a:ext cx="6096000" cy="3429000"/>
+          </a:xfrm>
+          <a:custGeom>
+            <a:avLst/>
+            <a:gdLst/>
+            <a:ahLst/>
+            <a:cxnLst/>
+            <a:rect l="l" t="t" r="r" b="b"/>
+            <a:pathLst>
+              <a:path w="120000" h="120000" extrusionOk="0">
+                <a:moveTo>
+                  <a:pt x="0" y="0"/>
+                </a:moveTo>
+                <a:lnTo>
+                  <a:pt x="120000" y="0"/>
+                </a:lnTo>
+                <a:lnTo>
+                  <a:pt x="120000" y="120000"/>
+                </a:lnTo>
+                <a:lnTo>
+                  <a:pt x="0" y="120000"/>
+                </a:lnTo>
+                <a:close/>
+              </a:path>
+            </a:pathLst>
+          </a:custGeom>
+        </p:spPr>
+      </p:sp>
+      <p:sp>
+        <p:nvSpPr>
+          <p:cNvPr id="58" name="Google Shape;58;gb6183d3e7e_0_0:notes"/>
+          <p:cNvSpPr txBox="1">
+            <a:spLocks noGrp="1"/>
+          </p:cNvSpPr>
+          <p:nvPr>
+            <p:ph type="body" idx="1"/>
+          </p:nvPr>
+        </p:nvSpPr>
+        <p:spPr>
+          <a:xfrm>
+            <a:off x="685800" y="4343400"/>
+            <a:ext cx="5486400" cy="4114800"/>
+          </a:xfrm>
+          <a:prstGeom prst="rect">
+            <a:avLst/>
+          </a:prstGeom>
+        </p:spPr>
+        <p:txBody>
+          <a:bodyPr spcFirstLastPara="1" wrap="square" lIns="91425" tIns="91425" rIns="91425" bIns="91425" anchor="t" anchorCtr="0">
+            <a:noAutofit/>
+          </a:bodyPr>
+          <a:lstStyle/>
+          <a:p>
+            <a:pPr marL="457200" lvl="0" indent="-285750" algn="l" rtl="0">
+              <a:lnSpc>
+                <a:spcPct val="115000"/>
+              </a:lnSpc>
+              <a:spcBef>
+                <a:spcPts val="1200"/>
+              </a:spcBef>
+              <a:spcAft>
+                <a:spcPts val="0"/>
+              </a:spcAft>
+              <a:buClr>
+                <a:schemeClr val="dk1"/>
+              </a:buClr>
+              <a:buSzPts val="900"/>
+              <a:buFont typeface="Verdana"/>
+              <a:buAutoNum type="arabicPeriod"/>
+            </a:pPr>
+            <a:r>
+              <a:rPr lang="en" sz="900">
+                <a:solidFill>
+                  <a:schemeClr val="dk1"/>
+                </a:solidFill>
+                <a:latin typeface="Verdana"/>
+                <a:ea typeface="Verdana"/>
+                <a:cs typeface="Verdana"/>
+                <a:sym typeface="Verdana"/>
+              </a:rPr>
+              <a:t>Define positive and negative numbers</a:t>
+            </a:r>
+            <a:endParaRPr sz="900">
+              <a:solidFill>
+                <a:schemeClr val="dk1"/>
+              </a:solidFill>
+              <a:latin typeface="Verdana"/>
+              <a:ea typeface="Verdana"/>
+              <a:cs typeface="Verdana"/>
+              <a:sym typeface="Verdana"/>
+            </a:endParaRPr>
+          </a:p>
+          <a:p>
+            <a:pPr marL="457200" lvl="0" indent="-285750" algn="l" rtl="0">
+              <a:lnSpc>
+                <a:spcPct val="115000"/>
+              </a:lnSpc>
+              <a:spcBef>
+                <a:spcPts val="0"/>
+              </a:spcBef>
+              <a:spcAft>
+                <a:spcPts val="0"/>
+              </a:spcAft>
+              <a:buClr>
+                <a:schemeClr val="dk1"/>
+              </a:buClr>
+              <a:buSzPts val="900"/>
+              <a:buFont typeface="Verdana"/>
+              <a:buAutoNum type="arabicPeriod"/>
+            </a:pPr>
+            <a:r>
+              <a:rPr lang="en" sz="900">
+                <a:solidFill>
+                  <a:schemeClr val="dk1"/>
+                </a:solidFill>
+                <a:latin typeface="Verdana"/>
+                <a:ea typeface="Verdana"/>
+                <a:cs typeface="Verdana"/>
+                <a:sym typeface="Verdana"/>
+              </a:rPr>
+              <a:t>Round decimal places and significant figures</a:t>
+            </a:r>
+            <a:endParaRPr sz="900">
+              <a:solidFill>
+                <a:schemeClr val="dk1"/>
+              </a:solidFill>
+              <a:latin typeface="Verdana"/>
+              <a:ea typeface="Verdana"/>
+              <a:cs typeface="Verdana"/>
+              <a:sym typeface="Verdana"/>
+            </a:endParaRPr>
+          </a:p>
+          <a:p>
+            <a:pPr marL="457200" lvl="0" indent="-285750" algn="l" rtl="0">
+              <a:lnSpc>
+                <a:spcPct val="115000"/>
+              </a:lnSpc>
+              <a:spcBef>
+                <a:spcPts val="0"/>
+              </a:spcBef>
+              <a:spcAft>
+                <a:spcPts val="0"/>
+              </a:spcAft>
+              <a:buClr>
+                <a:schemeClr val="dk1"/>
+              </a:buClr>
+              <a:buSzPts val="900"/>
+              <a:buFont typeface="Verdana"/>
+              <a:buAutoNum type="arabicPeriod"/>
+            </a:pPr>
+            <a:r>
+              <a:rPr lang="en" sz="900">
+                <a:solidFill>
+                  <a:schemeClr val="dk1"/>
+                </a:solidFill>
+                <a:latin typeface="Verdana"/>
+                <a:ea typeface="Verdana"/>
+                <a:cs typeface="Verdana"/>
+                <a:sym typeface="Verdana"/>
+              </a:rPr>
+              <a:t>Use the 4 rules with fractions</a:t>
+            </a:r>
+            <a:endParaRPr sz="900">
+              <a:solidFill>
+                <a:schemeClr val="dk1"/>
+              </a:solidFill>
+              <a:latin typeface="Verdana"/>
+              <a:ea typeface="Verdana"/>
+              <a:cs typeface="Verdana"/>
+              <a:sym typeface="Verdana"/>
+            </a:endParaRPr>
+          </a:p>
+          <a:p>
+            <a:pPr marL="457200" lvl="0" indent="-285750" algn="l" rtl="0">
+              <a:lnSpc>
+                <a:spcPct val="115000"/>
+              </a:lnSpc>
+              <a:spcBef>
+                <a:spcPts val="0"/>
+              </a:spcBef>
+              <a:spcAft>
+                <a:spcPts val="0"/>
+              </a:spcAft>
+              <a:buClr>
+                <a:schemeClr val="dk1"/>
+              </a:buClr>
+              <a:buSzPts val="900"/>
+              <a:buFont typeface="Verdana"/>
+              <a:buAutoNum type="arabicPeriod"/>
+            </a:pPr>
+            <a:r>
+              <a:rPr lang="en" sz="900">
+                <a:solidFill>
+                  <a:schemeClr val="dk1"/>
+                </a:solidFill>
+                <a:latin typeface="Verdana"/>
+                <a:ea typeface="Verdana"/>
+                <a:cs typeface="Verdana"/>
+                <a:sym typeface="Verdana"/>
+              </a:rPr>
+              <a:t>Solve problems involving decimals and percentages</a:t>
+            </a:r>
+            <a:endParaRPr sz="900">
+              <a:solidFill>
+                <a:schemeClr val="dk1"/>
+              </a:solidFill>
+              <a:latin typeface="Verdana"/>
+              <a:ea typeface="Verdana"/>
+              <a:cs typeface="Verdana"/>
+              <a:sym typeface="Verdana"/>
+            </a:endParaRPr>
+          </a:p>
+          <a:p>
+            <a:pPr marL="457200" lvl="0" indent="-285750" algn="l" rtl="0">
+              <a:lnSpc>
+                <a:spcPct val="115000"/>
+              </a:lnSpc>
+              <a:spcBef>
+                <a:spcPts val="0"/>
+              </a:spcBef>
+              <a:spcAft>
+                <a:spcPts val="0"/>
+              </a:spcAft>
+              <a:buClr>
+                <a:schemeClr val="dk1"/>
+              </a:buClr>
+              <a:buSzPts val="900"/>
+              <a:buFont typeface="Verdana"/>
+              <a:buAutoNum type="arabicPeriod"/>
+            </a:pPr>
+            <a:r>
+              <a:rPr lang="en" sz="900">
+                <a:solidFill>
+                  <a:schemeClr val="dk1"/>
+                </a:solidFill>
+                <a:latin typeface="Verdana"/>
+                <a:ea typeface="Verdana"/>
+                <a:cs typeface="Verdana"/>
+                <a:sym typeface="Verdana"/>
+              </a:rPr>
+              <a:t>Evaluate standard form</a:t>
+            </a:r>
+            <a:endParaRPr sz="900">
+              <a:solidFill>
+                <a:schemeClr val="dk1"/>
+              </a:solidFill>
+              <a:latin typeface="Verdana"/>
+              <a:ea typeface="Verdana"/>
+              <a:cs typeface="Verdana"/>
+              <a:sym typeface="Verdana"/>
+            </a:endParaRPr>
+          </a:p>
+          <a:p>
+            <a:pPr marL="457200" lvl="0" indent="-285750" algn="l" rtl="0">
+              <a:lnSpc>
+                <a:spcPct val="115000"/>
+              </a:lnSpc>
+              <a:spcBef>
+                <a:spcPts val="0"/>
+              </a:spcBef>
+              <a:spcAft>
+                <a:spcPts val="0"/>
+              </a:spcAft>
+              <a:buClr>
+                <a:schemeClr val="dk1"/>
+              </a:buClr>
+              <a:buSzPts val="900"/>
+              <a:buFont typeface="Verdana"/>
+              <a:buAutoNum type="arabicPeriod"/>
+            </a:pPr>
+            <a:r>
+              <a:rPr lang="en" sz="900">
+                <a:solidFill>
+                  <a:schemeClr val="dk1"/>
+                </a:solidFill>
+                <a:latin typeface="Verdana"/>
+                <a:ea typeface="Verdana"/>
+                <a:cs typeface="Verdana"/>
+                <a:sym typeface="Verdana"/>
+              </a:rPr>
+              <a:t>Solve Percentage increase and decrease</a:t>
+            </a:r>
+            <a:endParaRPr sz="900">
+              <a:solidFill>
+                <a:schemeClr val="dk1"/>
+              </a:solidFill>
+              <a:latin typeface="Verdana"/>
+              <a:ea typeface="Verdana"/>
+              <a:cs typeface="Verdana"/>
+              <a:sym typeface="Verdana"/>
+            </a:endParaRPr>
+          </a:p>
+          <a:p>
+            <a:pPr marL="457200" lvl="0" indent="-285750" algn="l" rtl="0">
+              <a:lnSpc>
+                <a:spcPct val="115000"/>
+              </a:lnSpc>
+              <a:spcBef>
+                <a:spcPts val="0"/>
+              </a:spcBef>
+              <a:spcAft>
+                <a:spcPts val="0"/>
+              </a:spcAft>
+              <a:buClr>
+                <a:schemeClr val="dk1"/>
+              </a:buClr>
+              <a:buSzPts val="900"/>
+              <a:buFont typeface="Verdana"/>
+              <a:buAutoNum type="arabicPeriod"/>
+            </a:pPr>
+            <a:r>
+              <a:rPr lang="en" sz="900">
+                <a:solidFill>
+                  <a:schemeClr val="dk1"/>
+                </a:solidFill>
+                <a:latin typeface="Verdana"/>
+                <a:ea typeface="Verdana"/>
+                <a:cs typeface="Verdana"/>
+                <a:sym typeface="Verdana"/>
+              </a:rPr>
+              <a:t>Evaluate Profit and loss</a:t>
+            </a:r>
+            <a:endParaRPr sz="900">
+              <a:solidFill>
+                <a:schemeClr val="dk1"/>
+              </a:solidFill>
+              <a:latin typeface="Verdana"/>
+              <a:ea typeface="Verdana"/>
+              <a:cs typeface="Verdana"/>
+              <a:sym typeface="Verdana"/>
+            </a:endParaRPr>
+          </a:p>
+          <a:p>
+            <a:pPr marL="457200" lvl="0" indent="-285750" algn="l" rtl="0">
+              <a:lnSpc>
+                <a:spcPct val="115000"/>
+              </a:lnSpc>
+              <a:spcBef>
+                <a:spcPts val="0"/>
+              </a:spcBef>
+              <a:spcAft>
+                <a:spcPts val="0"/>
+              </a:spcAft>
+              <a:buClr>
+                <a:schemeClr val="dk1"/>
+              </a:buClr>
+              <a:buSzPts val="900"/>
+              <a:buFont typeface="Verdana"/>
+              <a:buAutoNum type="arabicPeriod"/>
+            </a:pPr>
+            <a:r>
+              <a:rPr lang="en" sz="900">
+                <a:solidFill>
+                  <a:schemeClr val="dk1"/>
+                </a:solidFill>
+                <a:latin typeface="Verdana"/>
+                <a:ea typeface="Verdana"/>
+                <a:cs typeface="Verdana"/>
+                <a:sym typeface="Verdana"/>
+              </a:rPr>
+              <a:t>Explain Value Added Tax (VAT)</a:t>
+            </a:r>
+            <a:endParaRPr sz="900">
+              <a:solidFill>
+                <a:schemeClr val="dk1"/>
+              </a:solidFill>
+              <a:latin typeface="Verdana"/>
+              <a:ea typeface="Verdana"/>
+              <a:cs typeface="Verdana"/>
+              <a:sym typeface="Verdana"/>
+            </a:endParaRPr>
+          </a:p>
+          <a:p>
+            <a:pPr marL="457200" lvl="0" indent="-285750" algn="l" rtl="0">
+              <a:lnSpc>
+                <a:spcPct val="115000"/>
+              </a:lnSpc>
+              <a:spcBef>
+                <a:spcPts val="0"/>
+              </a:spcBef>
+              <a:spcAft>
+                <a:spcPts val="0"/>
+              </a:spcAft>
+              <a:buClr>
+                <a:schemeClr val="dk1"/>
+              </a:buClr>
+              <a:buSzPts val="900"/>
+              <a:buFont typeface="Verdana"/>
+              <a:buAutoNum type="arabicPeriod"/>
+            </a:pPr>
+            <a:r>
+              <a:rPr lang="en" sz="900">
+                <a:solidFill>
+                  <a:schemeClr val="dk1"/>
+                </a:solidFill>
+                <a:latin typeface="Verdana"/>
+                <a:ea typeface="Verdana"/>
+                <a:cs typeface="Verdana"/>
+                <a:sym typeface="Verdana"/>
+              </a:rPr>
+              <a:t>Interpret simple and compound interest</a:t>
+            </a:r>
+            <a:endParaRPr sz="900">
+              <a:solidFill>
+                <a:schemeClr val="dk1"/>
+              </a:solidFill>
+              <a:latin typeface="Verdana"/>
+              <a:ea typeface="Verdana"/>
+              <a:cs typeface="Verdana"/>
+              <a:sym typeface="Verdana"/>
+            </a:endParaRPr>
+          </a:p>
+          <a:p>
+            <a:pPr marL="457200" lvl="0" indent="-285750" algn="l" rtl="0">
+              <a:lnSpc>
+                <a:spcPct val="115000"/>
+              </a:lnSpc>
+              <a:spcBef>
+                <a:spcPts val="0"/>
+              </a:spcBef>
+              <a:spcAft>
+                <a:spcPts val="0"/>
+              </a:spcAft>
+              <a:buClr>
+                <a:schemeClr val="dk1"/>
+              </a:buClr>
+              <a:buSzPts val="900"/>
+              <a:buFont typeface="Verdana"/>
+              <a:buAutoNum type="arabicPeriod"/>
+            </a:pPr>
+            <a:r>
+              <a:rPr lang="en" sz="900">
+                <a:solidFill>
+                  <a:schemeClr val="dk1"/>
+                </a:solidFill>
+                <a:latin typeface="Verdana"/>
+                <a:ea typeface="Verdana"/>
+                <a:cs typeface="Verdana"/>
+                <a:sym typeface="Verdana"/>
+              </a:rPr>
+              <a:t>Solve problems involving ratios and proportion</a:t>
+            </a:r>
+            <a:endParaRPr sz="900"/>
+          </a:p>
+        </p:txBody>
+      </p:sp>
+    </p:spTree>
+    <p:extLst>
+      <p:ext uri="{BB962C8B-B14F-4D97-AF65-F5344CB8AC3E}">
+        <p14:creationId xmlns:p14="http://schemas.microsoft.com/office/powerpoint/2010/main" val="319857228"/>
+      </p:ext>
+    </p:extLst>
+  </p:cSld>
+  <p:clrMapOvr>
+    <a:masterClrMapping/>
+  </p:clrMapOvr>
+</p:notes>
+</file>
+
+<file path=ppt/notesSlides/notesSlide21.xml><?xml version="1.0" encoding="utf-8"?>
+<p:notes xmlns:a="http://schemas.openxmlformats.org/drawingml/2006/main" xmlns:r="http://schemas.openxmlformats.org/officeDocument/2006/relationships" xmlns:p="http://schemas.openxmlformats.org/presentationml/2006/main" showMasterSp="0" showMasterPhAnim="0">
+  <p:cSld>
+    <p:spTree>
+      <p:nvGrpSpPr>
+        <p:cNvPr id="1" name="Shape 95"/>
+        <p:cNvGrpSpPr/>
+        <p:nvPr/>
+      </p:nvGrpSpPr>
+      <p:grpSpPr>
+        <a:xfrm>
+          <a:off x="0" y="0"/>
+          <a:ext cx="0" cy="0"/>
+          <a:chOff x="0" y="0"/>
+          <a:chExt cx="0" cy="0"/>
+        </a:xfrm>
+      </p:grpSpPr>
+      <p:sp>
+        <p:nvSpPr>
+          <p:cNvPr id="96" name="Google Shape;96;gb7df08da6d_0_126:notes"/>
+          <p:cNvSpPr>
+            <a:spLocks noGrp="1" noRot="1" noChangeAspect="1"/>
+          </p:cNvSpPr>
+          <p:nvPr>
+            <p:ph type="sldImg" idx="2"/>
+          </p:nvPr>
+        </p:nvSpPr>
+        <p:spPr>
+          <a:xfrm>
+            <a:off x="381000" y="685800"/>
+            <a:ext cx="6096000" cy="3429000"/>
+          </a:xfrm>
+          <a:custGeom>
+            <a:avLst/>
+            <a:gdLst/>
+            <a:ahLst/>
+            <a:cxnLst/>
+            <a:rect l="l" t="t" r="r" b="b"/>
+            <a:pathLst>
+              <a:path w="120000" h="120000" extrusionOk="0">
+                <a:moveTo>
+                  <a:pt x="0" y="0"/>
+                </a:moveTo>
+                <a:lnTo>
+                  <a:pt x="120000" y="0"/>
+                </a:lnTo>
+                <a:lnTo>
+                  <a:pt x="120000" y="120000"/>
+                </a:lnTo>
+                <a:lnTo>
+                  <a:pt x="0" y="120000"/>
+                </a:lnTo>
+                <a:close/>
+              </a:path>
+            </a:pathLst>
+          </a:custGeom>
+        </p:spPr>
+      </p:sp>
+      <p:sp>
+        <p:nvSpPr>
+          <p:cNvPr id="97" name="Google Shape;97;gb7df08da6d_0_126:notes"/>
+          <p:cNvSpPr txBox="1">
+            <a:spLocks noGrp="1"/>
+          </p:cNvSpPr>
+          <p:nvPr>
+            <p:ph type="body" idx="1"/>
+          </p:nvPr>
+        </p:nvSpPr>
+        <p:spPr>
+          <a:xfrm>
+            <a:off x="685800" y="4343400"/>
+            <a:ext cx="5486400" cy="4114800"/>
+          </a:xfrm>
+          <a:prstGeom prst="rect">
+            <a:avLst/>
+          </a:prstGeom>
+        </p:spPr>
+        <p:txBody>
+          <a:bodyPr spcFirstLastPara="1" wrap="square" lIns="91425" tIns="91425" rIns="91425" bIns="91425" anchor="t" anchorCtr="0">
+            <a:noAutofit/>
+          </a:bodyPr>
+          <a:lstStyle/>
+          <a:p>
+            <a:pPr marL="0" lvl="0" indent="0" algn="l" rtl="0">
+              <a:spcBef>
+                <a:spcPts val="0"/>
+              </a:spcBef>
+              <a:spcAft>
+                <a:spcPts val="0"/>
+              </a:spcAft>
+              <a:buNone/>
+            </a:pPr>
+            <a:endParaRPr/>
+          </a:p>
+        </p:txBody>
+      </p:sp>
+    </p:spTree>
+    <p:extLst>
+      <p:ext uri="{BB962C8B-B14F-4D97-AF65-F5344CB8AC3E}">
+        <p14:creationId xmlns:p14="http://schemas.microsoft.com/office/powerpoint/2010/main" val="2482755407"/>
+      </p:ext>
+    </p:extLst>
   </p:cSld>
   <p:clrMapOvr>
     <a:masterClrMapping/>
@@ -3308,6 +4563,115 @@
   <p:cSld>
     <p:spTree>
       <p:nvGrpSpPr>
+        <p:cNvPr id="1" name="Shape 68"/>
+        <p:cNvGrpSpPr/>
+        <p:nvPr/>
+      </p:nvGrpSpPr>
+      <p:grpSpPr>
+        <a:xfrm>
+          <a:off x="0" y="0"/>
+          <a:ext cx="0" cy="0"/>
+          <a:chOff x="0" y="0"/>
+          <a:chExt cx="0" cy="0"/>
+        </a:xfrm>
+      </p:grpSpPr>
+      <p:sp>
+        <p:nvSpPr>
+          <p:cNvPr id="69" name="Google Shape;69;gb6183d3e7e_0_6:notes"/>
+          <p:cNvSpPr>
+            <a:spLocks noGrp="1" noRot="1" noChangeAspect="1"/>
+          </p:cNvSpPr>
+          <p:nvPr>
+            <p:ph type="sldImg" idx="2"/>
+          </p:nvPr>
+        </p:nvSpPr>
+        <p:spPr>
+          <a:xfrm>
+            <a:off x="381000" y="685800"/>
+            <a:ext cx="6096000" cy="3429000"/>
+          </a:xfrm>
+          <a:custGeom>
+            <a:avLst/>
+            <a:gdLst/>
+            <a:ahLst/>
+            <a:cxnLst/>
+            <a:rect l="l" t="t" r="r" b="b"/>
+            <a:pathLst>
+              <a:path w="120000" h="120000" extrusionOk="0">
+                <a:moveTo>
+                  <a:pt x="0" y="0"/>
+                </a:moveTo>
+                <a:lnTo>
+                  <a:pt x="120000" y="0"/>
+                </a:lnTo>
+                <a:lnTo>
+                  <a:pt x="120000" y="120000"/>
+                </a:lnTo>
+                <a:lnTo>
+                  <a:pt x="0" y="120000"/>
+                </a:lnTo>
+                <a:close/>
+              </a:path>
+            </a:pathLst>
+          </a:custGeom>
+        </p:spPr>
+      </p:sp>
+      <p:sp>
+        <p:nvSpPr>
+          <p:cNvPr id="70" name="Google Shape;70;gb6183d3e7e_0_6:notes"/>
+          <p:cNvSpPr txBox="1">
+            <a:spLocks noGrp="1"/>
+          </p:cNvSpPr>
+          <p:nvPr>
+            <p:ph type="body" idx="1"/>
+          </p:nvPr>
+        </p:nvSpPr>
+        <p:spPr>
+          <a:xfrm>
+            <a:off x="685800" y="4343400"/>
+            <a:ext cx="5486400" cy="4114800"/>
+          </a:xfrm>
+          <a:prstGeom prst="rect">
+            <a:avLst/>
+          </a:prstGeom>
+        </p:spPr>
+        <p:txBody>
+          <a:bodyPr spcFirstLastPara="1" wrap="square" lIns="91425" tIns="91425" rIns="91425" bIns="91425" anchor="t" anchorCtr="0">
+            <a:noAutofit/>
+          </a:bodyPr>
+          <a:lstStyle/>
+          <a:p>
+            <a:pPr marL="0" lvl="0" indent="0" algn="l" rtl="0">
+              <a:spcBef>
+                <a:spcPts val="0"/>
+              </a:spcBef>
+              <a:spcAft>
+                <a:spcPts val="0"/>
+              </a:spcAft>
+              <a:buNone/>
+            </a:pPr>
+            <a:endParaRPr/>
+          </a:p>
+        </p:txBody>
+      </p:sp>
+    </p:spTree>
+    <p:extLst>
+      <p:ext uri="{BB962C8B-B14F-4D97-AF65-F5344CB8AC3E}">
+        <p14:creationId xmlns:p14="http://schemas.microsoft.com/office/powerpoint/2010/main" val="1514826572"/>
+      </p:ext>
+    </p:extLst>
+  </p:cSld>
+  <p:clrMapOvr>
+    <a:masterClrMapping/>
+  </p:clrMapOvr>
+</p:notes>
+</file>
+
+<file path=ppt/notesSlides/notesSlide8.xml><?xml version="1.0" encoding="utf-8"?>
+<p:notes xmlns:a="http://schemas.openxmlformats.org/drawingml/2006/main" xmlns:r="http://schemas.openxmlformats.org/officeDocument/2006/relationships" xmlns:p="http://schemas.openxmlformats.org/presentationml/2006/main" showMasterSp="0" showMasterPhAnim="0">
+  <p:cSld>
+    <p:spTree>
+      <p:nvGrpSpPr>
         <p:cNvPr id="1" name="Shape 75"/>
         <p:cNvGrpSpPr/>
         <p:nvPr/>
@@ -3407,7 +4771,7 @@
 </p:notes>
 </file>
 
-<file path=ppt/notesSlides/notesSlide8.xml><?xml version="1.0" encoding="utf-8"?>
+<file path=ppt/notesSlides/notesSlide9.xml><?xml version="1.0" encoding="utf-8"?>
 <p:notes xmlns:a="http://schemas.openxmlformats.org/drawingml/2006/main" xmlns:r="http://schemas.openxmlformats.org/officeDocument/2006/relationships" xmlns:p="http://schemas.openxmlformats.org/presentationml/2006/main" showMasterSp="0" showMasterPhAnim="0">
   <p:cSld>
     <p:spTree>
@@ -3889,110 +5253,6 @@
         <p14:creationId xmlns:p14="http://schemas.microsoft.com/office/powerpoint/2010/main" val="3058285361"/>
       </p:ext>
     </p:extLst>
-  </p:cSld>
-  <p:clrMapOvr>
-    <a:masterClrMapping/>
-  </p:clrMapOvr>
-</p:notes>
-</file>
-
-<file path=ppt/notesSlides/notesSlide9.xml><?xml version="1.0" encoding="utf-8"?>
-<p:notes xmlns:a="http://schemas.openxmlformats.org/drawingml/2006/main" xmlns:r="http://schemas.openxmlformats.org/officeDocument/2006/relationships" xmlns:p="http://schemas.openxmlformats.org/presentationml/2006/main" showMasterSp="0" showMasterPhAnim="0">
-  <p:cSld>
-    <p:spTree>
-      <p:nvGrpSpPr>
-        <p:cNvPr id="1" name="Shape 88"/>
-        <p:cNvGrpSpPr/>
-        <p:nvPr/>
-      </p:nvGrpSpPr>
-      <p:grpSpPr>
-        <a:xfrm>
-          <a:off x="0" y="0"/>
-          <a:ext cx="0" cy="0"/>
-          <a:chOff x="0" y="0"/>
-          <a:chExt cx="0" cy="0"/>
-        </a:xfrm>
-      </p:grpSpPr>
-      <p:sp>
-        <p:nvSpPr>
-          <p:cNvPr id="89" name="Google Shape;89;gb6183d3e7e_0_13:notes"/>
-          <p:cNvSpPr>
-            <a:spLocks noGrp="1" noRot="1" noChangeAspect="1"/>
-          </p:cNvSpPr>
-          <p:nvPr>
-            <p:ph type="sldImg" idx="2"/>
-          </p:nvPr>
-        </p:nvSpPr>
-        <p:spPr>
-          <a:xfrm>
-            <a:off x="381000" y="685800"/>
-            <a:ext cx="6096000" cy="3429000"/>
-          </a:xfrm>
-          <a:custGeom>
-            <a:avLst/>
-            <a:gdLst/>
-            <a:ahLst/>
-            <a:cxnLst/>
-            <a:rect l="l" t="t" r="r" b="b"/>
-            <a:pathLst>
-              <a:path w="120000" h="120000" extrusionOk="0">
-                <a:moveTo>
-                  <a:pt x="0" y="0"/>
-                </a:moveTo>
-                <a:lnTo>
-                  <a:pt x="120000" y="0"/>
-                </a:lnTo>
-                <a:lnTo>
-                  <a:pt x="120000" y="120000"/>
-                </a:lnTo>
-                <a:lnTo>
-                  <a:pt x="0" y="120000"/>
-                </a:lnTo>
-                <a:close/>
-              </a:path>
-            </a:pathLst>
-          </a:custGeom>
-        </p:spPr>
-      </p:sp>
-      <p:sp>
-        <p:nvSpPr>
-          <p:cNvPr id="90" name="Google Shape;90;gb6183d3e7e_0_13:notes"/>
-          <p:cNvSpPr txBox="1">
-            <a:spLocks noGrp="1"/>
-          </p:cNvSpPr>
-          <p:nvPr>
-            <p:ph type="body" idx="1"/>
-          </p:nvPr>
-        </p:nvSpPr>
-        <p:spPr>
-          <a:xfrm>
-            <a:off x="685800" y="4343400"/>
-            <a:ext cx="5486400" cy="4114800"/>
-          </a:xfrm>
-          <a:prstGeom prst="rect">
-            <a:avLst/>
-          </a:prstGeom>
-        </p:spPr>
-        <p:txBody>
-          <a:bodyPr spcFirstLastPara="1" wrap="square" lIns="91425" tIns="91425" rIns="91425" bIns="91425" anchor="t" anchorCtr="0">
-            <a:noAutofit/>
-          </a:bodyPr>
-          <a:lstStyle/>
-          <a:p>
-            <a:pPr marL="0" lvl="0" indent="0" algn="l" rtl="0">
-              <a:spcBef>
-                <a:spcPts val="0"/>
-              </a:spcBef>
-              <a:spcAft>
-                <a:spcPts val="0"/>
-              </a:spcAft>
-              <a:buNone/>
-            </a:pPr>
-            <a:endParaRPr/>
-          </a:p>
-        </p:txBody>
-      </p:sp>
-    </p:spTree>
   </p:cSld>
   <p:clrMapOvr>
     <a:masterClrMapping/>
@@ -8892,2248 +10152,6 @@
   <p:cSld>
     <p:spTree>
       <p:nvGrpSpPr>
-        <p:cNvPr id="1" name="Shape 98"/>
-        <p:cNvGrpSpPr/>
-        <p:nvPr/>
-      </p:nvGrpSpPr>
-      <p:grpSpPr>
-        <a:xfrm>
-          <a:off x="0" y="0"/>
-          <a:ext cx="0" cy="0"/>
-          <a:chOff x="0" y="0"/>
-          <a:chExt cx="0" cy="0"/>
-        </a:xfrm>
-      </p:grpSpPr>
-      <p:sp>
-        <p:nvSpPr>
-          <p:cNvPr id="99" name="Google Shape;99;p20"/>
-          <p:cNvSpPr txBox="1">
-            <a:spLocks noGrp="1"/>
-          </p:cNvSpPr>
-          <p:nvPr>
-            <p:ph type="ctrTitle"/>
-          </p:nvPr>
-        </p:nvSpPr>
-        <p:spPr>
-          <a:xfrm>
-            <a:off x="311708" y="744575"/>
-            <a:ext cx="8520600" cy="2052600"/>
-          </a:xfrm>
-          <a:prstGeom prst="rect">
-            <a:avLst/>
-          </a:prstGeom>
-        </p:spPr>
-        <p:txBody>
-          <a:bodyPr spcFirstLastPara="1" wrap="square" lIns="91425" tIns="91425" rIns="91425" bIns="91425" anchor="b" anchorCtr="0">
-            <a:normAutofit/>
-          </a:bodyPr>
-          <a:lstStyle/>
-          <a:p>
-            <a:pPr marL="0" lvl="0" indent="0" algn="ctr" rtl="0">
-              <a:spcBef>
-                <a:spcPts val="0"/>
-              </a:spcBef>
-              <a:spcAft>
-                <a:spcPts val="0"/>
-              </a:spcAft>
-              <a:buNone/>
-            </a:pPr>
-            <a:r>
-              <a:rPr lang="en"/>
-              <a:t>Any Questions?</a:t>
-            </a:r>
-            <a:endParaRPr/>
-          </a:p>
-        </p:txBody>
-      </p:sp>
-      <p:sp>
-        <p:nvSpPr>
-          <p:cNvPr id="100" name="Google Shape;100;p20"/>
-          <p:cNvSpPr txBox="1">
-            <a:spLocks noGrp="1"/>
-          </p:cNvSpPr>
-          <p:nvPr>
-            <p:ph type="subTitle" idx="1"/>
-          </p:nvPr>
-        </p:nvSpPr>
-        <p:spPr>
-          <a:xfrm>
-            <a:off x="311700" y="2834125"/>
-            <a:ext cx="8520600" cy="792600"/>
-          </a:xfrm>
-          <a:prstGeom prst="rect">
-            <a:avLst/>
-          </a:prstGeom>
-        </p:spPr>
-        <p:txBody>
-          <a:bodyPr spcFirstLastPara="1" wrap="square" lIns="91425" tIns="91425" rIns="91425" bIns="91425" anchor="t" anchorCtr="0">
-            <a:normAutofit/>
-          </a:bodyPr>
-          <a:lstStyle/>
-          <a:p>
-            <a:pPr marL="0" lvl="0" indent="0" algn="ctr" rtl="0">
-              <a:spcBef>
-                <a:spcPts val="0"/>
-              </a:spcBef>
-              <a:spcAft>
-                <a:spcPts val="0"/>
-              </a:spcAft>
-              <a:buNone/>
-            </a:pPr>
-            <a:r>
-              <a:rPr lang="en"/>
-              <a:t>Let’s do a mini-quiz..[4]</a:t>
-            </a:r>
-            <a:endParaRPr/>
-          </a:p>
-        </p:txBody>
-      </p:sp>
-      <p:cxnSp>
-        <p:nvCxnSpPr>
-          <p:cNvPr id="101" name="Google Shape;101;p20"/>
-          <p:cNvCxnSpPr/>
-          <p:nvPr/>
-        </p:nvCxnSpPr>
-        <p:spPr>
-          <a:xfrm>
-            <a:off x="339675" y="2782025"/>
-            <a:ext cx="8515800" cy="0"/>
-          </a:xfrm>
-          <a:prstGeom prst="straightConnector1">
-            <a:avLst/>
-          </a:prstGeom>
-          <a:noFill/>
-          <a:ln w="9525" cap="flat" cmpd="sng">
-            <a:solidFill>
-              <a:schemeClr val="dk2"/>
-            </a:solidFill>
-            <a:prstDash val="solid"/>
-            <a:round/>
-            <a:headEnd type="none" w="med" len="med"/>
-            <a:tailEnd type="none" w="med" len="med"/>
-          </a:ln>
-        </p:spPr>
-      </p:cxnSp>
-    </p:spTree>
-  </p:cSld>
-  <p:clrMapOvr>
-    <a:masterClrMapping/>
-  </p:clrMapOvr>
-</p:sld>
-</file>
-
-<file path=ppt/slides/slide11.xml><?xml version="1.0" encoding="utf-8"?>
-<p:sld xmlns:a="http://schemas.openxmlformats.org/drawingml/2006/main" xmlns:r="http://schemas.openxmlformats.org/officeDocument/2006/relationships" xmlns:p="http://schemas.openxmlformats.org/presentationml/2006/main">
-  <p:cSld>
-    <p:spTree>
-      <p:nvGrpSpPr>
-        <p:cNvPr id="1" name="Shape 59"/>
-        <p:cNvGrpSpPr/>
-        <p:nvPr/>
-      </p:nvGrpSpPr>
-      <p:grpSpPr>
-        <a:xfrm>
-          <a:off x="0" y="0"/>
-          <a:ext cx="0" cy="0"/>
-          <a:chOff x="0" y="0"/>
-          <a:chExt cx="0" cy="0"/>
-        </a:xfrm>
-      </p:grpSpPr>
-      <p:sp>
-        <p:nvSpPr>
-          <p:cNvPr id="60" name="Google Shape;60;p14"/>
-          <p:cNvSpPr txBox="1">
-            <a:spLocks noGrp="1"/>
-          </p:cNvSpPr>
-          <p:nvPr>
-            <p:ph type="title"/>
-          </p:nvPr>
-        </p:nvSpPr>
-        <p:spPr>
-          <a:xfrm>
-            <a:off x="311700" y="445025"/>
-            <a:ext cx="8520600" cy="572700"/>
-          </a:xfrm>
-          <a:prstGeom prst="rect">
-            <a:avLst/>
-          </a:prstGeom>
-        </p:spPr>
-        <p:txBody>
-          <a:bodyPr spcFirstLastPara="1" wrap="square" lIns="91425" tIns="91425" rIns="91425" bIns="91425" anchor="t" anchorCtr="0">
-            <a:noAutofit/>
-          </a:bodyPr>
-          <a:lstStyle/>
-          <a:p>
-            <a:pPr marL="0" lvl="0" indent="0" algn="l" rtl="0">
-              <a:spcBef>
-                <a:spcPts val="0"/>
-              </a:spcBef>
-              <a:spcAft>
-                <a:spcPts val="0"/>
-              </a:spcAft>
-              <a:buNone/>
-            </a:pPr>
-            <a:r>
-              <a:rPr lang="en" sz="3600" dirty="0">
-                <a:latin typeface="Verdana"/>
-                <a:ea typeface="Verdana"/>
-                <a:cs typeface="Verdana"/>
-                <a:sym typeface="Verdana"/>
-              </a:rPr>
-              <a:t>Contents</a:t>
-            </a:r>
-            <a:endParaRPr sz="3600" dirty="0"/>
-          </a:p>
-        </p:txBody>
-      </p:sp>
-      <p:sp>
-        <p:nvSpPr>
-          <p:cNvPr id="61" name="Google Shape;61;p14"/>
-          <p:cNvSpPr txBox="1">
-            <a:spLocks noGrp="1"/>
-          </p:cNvSpPr>
-          <p:nvPr>
-            <p:ph type="body" idx="1"/>
-          </p:nvPr>
-        </p:nvSpPr>
-        <p:spPr>
-          <a:xfrm>
-            <a:off x="311700" y="1152475"/>
-            <a:ext cx="8520600" cy="3416400"/>
-          </a:xfrm>
-          <a:prstGeom prst="rect">
-            <a:avLst/>
-          </a:prstGeom>
-        </p:spPr>
-        <p:txBody>
-          <a:bodyPr spcFirstLastPara="1" wrap="square" lIns="91425" tIns="91425" rIns="91425" bIns="91425" anchor="t" anchorCtr="0">
-            <a:normAutofit/>
-          </a:bodyPr>
-          <a:lstStyle/>
-          <a:p>
-            <a:pPr marL="457200" lvl="0" indent="-381000" algn="l" rtl="0">
-              <a:spcBef>
-                <a:spcPts val="1200"/>
-              </a:spcBef>
-              <a:spcAft>
-                <a:spcPts val="0"/>
-              </a:spcAft>
-              <a:buClr>
-                <a:schemeClr val="dk1"/>
-              </a:buClr>
-              <a:buSzPts val="2400"/>
-              <a:buChar char="●"/>
-            </a:pPr>
-            <a:r>
-              <a:rPr lang="en-GB" sz="2400" dirty="0">
-                <a:solidFill>
-                  <a:schemeClr val="dk1"/>
-                </a:solidFill>
-                <a:latin typeface="Verdana"/>
-                <a:ea typeface="Verdana"/>
-                <a:cs typeface="Verdana"/>
-                <a:sym typeface="Verdana"/>
-              </a:rPr>
-              <a:t>Simultaneous equations</a:t>
-            </a:r>
-            <a:endParaRPr sz="2400" dirty="0">
-              <a:solidFill>
-                <a:schemeClr val="dk1"/>
-              </a:solidFill>
-              <a:latin typeface="Verdana"/>
-              <a:ea typeface="Verdana"/>
-              <a:cs typeface="Verdana"/>
-              <a:sym typeface="Verdana"/>
-            </a:endParaRPr>
-          </a:p>
-          <a:p>
-            <a:pPr marL="457200" lvl="0" indent="-381000" algn="l" rtl="0">
-              <a:spcBef>
-                <a:spcPts val="0"/>
-              </a:spcBef>
-              <a:spcAft>
-                <a:spcPts val="0"/>
-              </a:spcAft>
-              <a:buClr>
-                <a:schemeClr val="dk1"/>
-              </a:buClr>
-              <a:buSzPts val="2400"/>
-              <a:buChar char="●"/>
-            </a:pPr>
-            <a:r>
-              <a:rPr lang="en-GB" sz="2400" dirty="0">
-                <a:solidFill>
-                  <a:schemeClr val="dk1"/>
-                </a:solidFill>
-                <a:latin typeface="Verdana"/>
-                <a:ea typeface="Verdana"/>
-                <a:cs typeface="Verdana"/>
-                <a:sym typeface="Verdana"/>
-              </a:rPr>
-              <a:t>Quadratic equations</a:t>
-            </a:r>
-          </a:p>
-          <a:p>
-            <a:pPr marL="457200" lvl="0" indent="-381000" algn="l" rtl="0">
-              <a:spcBef>
-                <a:spcPts val="0"/>
-              </a:spcBef>
-              <a:spcAft>
-                <a:spcPts val="0"/>
-              </a:spcAft>
-              <a:buClr>
-                <a:schemeClr val="dk1"/>
-              </a:buClr>
-              <a:buSzPts val="2400"/>
-              <a:buChar char="●"/>
-            </a:pPr>
-            <a:r>
-              <a:rPr lang="en-GB" sz="2400" dirty="0">
-                <a:solidFill>
-                  <a:srgbClr val="FF0000"/>
-                </a:solidFill>
-                <a:latin typeface="Verdana"/>
-                <a:ea typeface="Verdana"/>
-                <a:cs typeface="Verdana"/>
-                <a:sym typeface="Verdana"/>
-              </a:rPr>
-              <a:t>Equations with quotients</a:t>
-            </a:r>
-            <a:endParaRPr sz="2400" dirty="0">
-              <a:solidFill>
-                <a:srgbClr val="FF0000"/>
-              </a:solidFill>
-              <a:latin typeface="Verdana"/>
-              <a:ea typeface="Verdana"/>
-              <a:cs typeface="Verdana"/>
-              <a:sym typeface="Verdana"/>
-            </a:endParaRPr>
-          </a:p>
-          <a:p>
-            <a:pPr marL="457200" lvl="0" indent="0" algn="l" rtl="0">
-              <a:spcBef>
-                <a:spcPts val="1200"/>
-              </a:spcBef>
-              <a:spcAft>
-                <a:spcPts val="0"/>
-              </a:spcAft>
-              <a:buNone/>
-            </a:pPr>
-            <a:endParaRPr sz="2400" dirty="0">
-              <a:solidFill>
-                <a:schemeClr val="dk1"/>
-              </a:solidFill>
-              <a:latin typeface="Verdana"/>
-              <a:ea typeface="Verdana"/>
-              <a:cs typeface="Verdana"/>
-              <a:sym typeface="Verdana"/>
-            </a:endParaRPr>
-          </a:p>
-          <a:p>
-            <a:pPr marL="0" lvl="0" indent="0" algn="l" rtl="0">
-              <a:spcBef>
-                <a:spcPts val="1200"/>
-              </a:spcBef>
-              <a:spcAft>
-                <a:spcPts val="1200"/>
-              </a:spcAft>
-              <a:buNone/>
-            </a:pPr>
-            <a:endParaRPr sz="2400" dirty="0"/>
-          </a:p>
-        </p:txBody>
-      </p:sp>
-    </p:spTree>
-    <p:extLst>
-      <p:ext uri="{BB962C8B-B14F-4D97-AF65-F5344CB8AC3E}">
-        <p14:creationId xmlns:p14="http://schemas.microsoft.com/office/powerpoint/2010/main" val="2933712637"/>
-      </p:ext>
-    </p:extLst>
-  </p:cSld>
-  <p:clrMapOvr>
-    <a:masterClrMapping/>
-  </p:clrMapOvr>
-</p:sld>
-</file>
-
-<file path=ppt/slides/slide12.xml><?xml version="1.0" encoding="utf-8"?>
-<p:sld xmlns:a="http://schemas.openxmlformats.org/drawingml/2006/main" xmlns:r="http://schemas.openxmlformats.org/officeDocument/2006/relationships" xmlns:p="http://schemas.openxmlformats.org/presentationml/2006/main">
-  <p:cSld>
-    <p:spTree>
-      <p:nvGrpSpPr>
-        <p:cNvPr id="1" name="Shape 59"/>
-        <p:cNvGrpSpPr/>
-        <p:nvPr/>
-      </p:nvGrpSpPr>
-      <p:grpSpPr>
-        <a:xfrm>
-          <a:off x="0" y="0"/>
-          <a:ext cx="0" cy="0"/>
-          <a:chOff x="0" y="0"/>
-          <a:chExt cx="0" cy="0"/>
-        </a:xfrm>
-      </p:grpSpPr>
-      <p:sp>
-        <p:nvSpPr>
-          <p:cNvPr id="60" name="Google Shape;60;p14"/>
-          <p:cNvSpPr txBox="1">
-            <a:spLocks noGrp="1"/>
-          </p:cNvSpPr>
-          <p:nvPr>
-            <p:ph type="title"/>
-          </p:nvPr>
-        </p:nvSpPr>
-        <p:spPr>
-          <a:xfrm>
-            <a:off x="311700" y="445025"/>
-            <a:ext cx="8520600" cy="572700"/>
-          </a:xfrm>
-          <a:prstGeom prst="rect">
-            <a:avLst/>
-          </a:prstGeom>
-        </p:spPr>
-        <p:txBody>
-          <a:bodyPr spcFirstLastPara="1" wrap="square" lIns="91425" tIns="91425" rIns="91425" bIns="91425" anchor="t" anchorCtr="0">
-            <a:noAutofit/>
-          </a:bodyPr>
-          <a:lstStyle/>
-          <a:p>
-            <a:pPr marL="0" lvl="0" indent="0" algn="l" rtl="0">
-              <a:spcBef>
-                <a:spcPts val="0"/>
-              </a:spcBef>
-              <a:spcAft>
-                <a:spcPts val="0"/>
-              </a:spcAft>
-              <a:buNone/>
-            </a:pPr>
-            <a:r>
-              <a:rPr lang="en" sz="3600" dirty="0">
-                <a:latin typeface="Verdana"/>
-                <a:ea typeface="Verdana"/>
-                <a:cs typeface="Verdana"/>
-                <a:sym typeface="Verdana"/>
-              </a:rPr>
-              <a:t>Equations with Quotients</a:t>
-            </a:r>
-            <a:endParaRPr sz="3600" dirty="0"/>
-          </a:p>
-        </p:txBody>
-      </p:sp>
-      <p:sp>
-        <p:nvSpPr>
-          <p:cNvPr id="61" name="Google Shape;61;p14"/>
-          <p:cNvSpPr txBox="1">
-            <a:spLocks noGrp="1"/>
-          </p:cNvSpPr>
-          <p:nvPr>
-            <p:ph type="body" idx="1"/>
-          </p:nvPr>
-        </p:nvSpPr>
-        <p:spPr>
-          <a:xfrm>
-            <a:off x="311700" y="1152475"/>
-            <a:ext cx="8520600" cy="3416400"/>
-          </a:xfrm>
-          <a:prstGeom prst="rect">
-            <a:avLst/>
-          </a:prstGeom>
-        </p:spPr>
-        <p:txBody>
-          <a:bodyPr spcFirstLastPara="1" wrap="square" lIns="91425" tIns="91425" rIns="91425" bIns="91425" anchor="t" anchorCtr="0">
-            <a:normAutofit/>
-          </a:bodyPr>
-          <a:lstStyle/>
-          <a:p>
-            <a:pPr marL="457200" lvl="0" indent="0" algn="l" rtl="0">
-              <a:spcBef>
-                <a:spcPts val="1200"/>
-              </a:spcBef>
-              <a:spcAft>
-                <a:spcPts val="0"/>
-              </a:spcAft>
-              <a:buNone/>
-            </a:pPr>
-            <a:endParaRPr sz="2400" dirty="0">
-              <a:solidFill>
-                <a:schemeClr val="dk1"/>
-              </a:solidFill>
-              <a:latin typeface="Verdana"/>
-              <a:ea typeface="Verdana"/>
-              <a:cs typeface="Verdana"/>
-              <a:sym typeface="Verdana"/>
-            </a:endParaRPr>
-          </a:p>
-          <a:p>
-            <a:pPr marL="0" lvl="0" indent="0" algn="l" rtl="0">
-              <a:spcBef>
-                <a:spcPts val="1200"/>
-              </a:spcBef>
-              <a:spcAft>
-                <a:spcPts val="1200"/>
-              </a:spcAft>
-              <a:buNone/>
-            </a:pPr>
-            <a:endParaRPr sz="2400" dirty="0"/>
-          </a:p>
-        </p:txBody>
-      </p:sp>
-      <p:pic>
-        <p:nvPicPr>
-          <p:cNvPr id="3" name="Picture 2" descr="Schematic&#10;&#10;Description automatically generated with medium confidence">
-            <a:extLst>
-              <a:ext uri="{FF2B5EF4-FFF2-40B4-BE49-F238E27FC236}">
-                <a16:creationId xmlns:a16="http://schemas.microsoft.com/office/drawing/2014/main" id="{1E629BAF-6232-4444-BF83-473EAAC23138}"/>
-              </a:ext>
-            </a:extLst>
-          </p:cNvPr>
-          <p:cNvPicPr>
-            <a:picLocks noChangeAspect="1"/>
-          </p:cNvPicPr>
-          <p:nvPr/>
-        </p:nvPicPr>
-        <p:blipFill>
-          <a:blip r:embed="rId3"/>
-          <a:stretch>
-            <a:fillRect/>
-          </a:stretch>
-        </p:blipFill>
-        <p:spPr>
-          <a:xfrm>
-            <a:off x="91472" y="1796634"/>
-            <a:ext cx="4105275" cy="3038475"/>
-          </a:xfrm>
-          <a:prstGeom prst="rect">
-            <a:avLst/>
-          </a:prstGeom>
-        </p:spPr>
-      </p:pic>
-    </p:spTree>
-    <p:extLst>
-      <p:ext uri="{BB962C8B-B14F-4D97-AF65-F5344CB8AC3E}">
-        <p14:creationId xmlns:p14="http://schemas.microsoft.com/office/powerpoint/2010/main" val="3501705938"/>
-      </p:ext>
-    </p:extLst>
-  </p:cSld>
-  <p:clrMapOvr>
-    <a:masterClrMapping/>
-  </p:clrMapOvr>
-</p:sld>
-</file>
-
-<file path=ppt/slides/slide13.xml><?xml version="1.0" encoding="utf-8"?>
-<p:sld xmlns:a="http://schemas.openxmlformats.org/drawingml/2006/main" xmlns:r="http://schemas.openxmlformats.org/officeDocument/2006/relationships" xmlns:p="http://schemas.openxmlformats.org/presentationml/2006/main">
-  <p:cSld>
-    <p:spTree>
-      <p:nvGrpSpPr>
-        <p:cNvPr id="1" name="Shape 98"/>
-        <p:cNvGrpSpPr/>
-        <p:nvPr/>
-      </p:nvGrpSpPr>
-      <p:grpSpPr>
-        <a:xfrm>
-          <a:off x="0" y="0"/>
-          <a:ext cx="0" cy="0"/>
-          <a:chOff x="0" y="0"/>
-          <a:chExt cx="0" cy="0"/>
-        </a:xfrm>
-      </p:grpSpPr>
-      <p:sp>
-        <p:nvSpPr>
-          <p:cNvPr id="99" name="Google Shape;99;p20"/>
-          <p:cNvSpPr txBox="1">
-            <a:spLocks noGrp="1"/>
-          </p:cNvSpPr>
-          <p:nvPr>
-            <p:ph type="ctrTitle"/>
-          </p:nvPr>
-        </p:nvSpPr>
-        <p:spPr>
-          <a:xfrm>
-            <a:off x="311708" y="744575"/>
-            <a:ext cx="8520600" cy="2052600"/>
-          </a:xfrm>
-          <a:prstGeom prst="rect">
-            <a:avLst/>
-          </a:prstGeom>
-        </p:spPr>
-        <p:txBody>
-          <a:bodyPr spcFirstLastPara="1" wrap="square" lIns="91425" tIns="91425" rIns="91425" bIns="91425" anchor="b" anchorCtr="0">
-            <a:normAutofit/>
-          </a:bodyPr>
-          <a:lstStyle/>
-          <a:p>
-            <a:pPr marL="0" lvl="0" indent="0" algn="ctr" rtl="0">
-              <a:spcBef>
-                <a:spcPts val="0"/>
-              </a:spcBef>
-              <a:spcAft>
-                <a:spcPts val="0"/>
-              </a:spcAft>
-              <a:buNone/>
-            </a:pPr>
-            <a:r>
-              <a:rPr lang="en"/>
-              <a:t>Any Questions?</a:t>
-            </a:r>
-            <a:endParaRPr/>
-          </a:p>
-        </p:txBody>
-      </p:sp>
-      <p:sp>
-        <p:nvSpPr>
-          <p:cNvPr id="100" name="Google Shape;100;p20"/>
-          <p:cNvSpPr txBox="1">
-            <a:spLocks noGrp="1"/>
-          </p:cNvSpPr>
-          <p:nvPr>
-            <p:ph type="subTitle" idx="1"/>
-          </p:nvPr>
-        </p:nvSpPr>
-        <p:spPr>
-          <a:xfrm>
-            <a:off x="311700" y="2834125"/>
-            <a:ext cx="8520600" cy="792600"/>
-          </a:xfrm>
-          <a:prstGeom prst="rect">
-            <a:avLst/>
-          </a:prstGeom>
-        </p:spPr>
-        <p:txBody>
-          <a:bodyPr spcFirstLastPara="1" wrap="square" lIns="91425" tIns="91425" rIns="91425" bIns="91425" anchor="t" anchorCtr="0">
-            <a:normAutofit/>
-          </a:bodyPr>
-          <a:lstStyle/>
-          <a:p>
-            <a:pPr marL="0" lvl="0" indent="0" algn="ctr" rtl="0">
-              <a:spcBef>
-                <a:spcPts val="0"/>
-              </a:spcBef>
-              <a:spcAft>
-                <a:spcPts val="0"/>
-              </a:spcAft>
-              <a:buNone/>
-            </a:pPr>
-            <a:r>
-              <a:rPr lang="en"/>
-              <a:t>Let’s do a mini-quiz..[4]</a:t>
-            </a:r>
-            <a:endParaRPr/>
-          </a:p>
-        </p:txBody>
-      </p:sp>
-      <p:cxnSp>
-        <p:nvCxnSpPr>
-          <p:cNvPr id="101" name="Google Shape;101;p20"/>
-          <p:cNvCxnSpPr/>
-          <p:nvPr/>
-        </p:nvCxnSpPr>
-        <p:spPr>
-          <a:xfrm>
-            <a:off x="339675" y="2782025"/>
-            <a:ext cx="8515800" cy="0"/>
-          </a:xfrm>
-          <a:prstGeom prst="straightConnector1">
-            <a:avLst/>
-          </a:prstGeom>
-          <a:noFill/>
-          <a:ln w="9525" cap="flat" cmpd="sng">
-            <a:solidFill>
-              <a:schemeClr val="dk2"/>
-            </a:solidFill>
-            <a:prstDash val="solid"/>
-            <a:round/>
-            <a:headEnd type="none" w="med" len="med"/>
-            <a:tailEnd type="none" w="med" len="med"/>
-          </a:ln>
-        </p:spPr>
-      </p:cxnSp>
-    </p:spTree>
-    <p:extLst>
-      <p:ext uri="{BB962C8B-B14F-4D97-AF65-F5344CB8AC3E}">
-        <p14:creationId xmlns:p14="http://schemas.microsoft.com/office/powerpoint/2010/main" val="3722961867"/>
-      </p:ext>
-    </p:extLst>
-  </p:cSld>
-  <p:clrMapOvr>
-    <a:masterClrMapping/>
-  </p:clrMapOvr>
-</p:sld>
-</file>
-
-<file path=ppt/slides/slide2.xml><?xml version="1.0" encoding="utf-8"?>
-<p:sld xmlns:a="http://schemas.openxmlformats.org/drawingml/2006/main" xmlns:r="http://schemas.openxmlformats.org/officeDocument/2006/relationships" xmlns:p="http://schemas.openxmlformats.org/presentationml/2006/main">
-  <p:cSld>
-    <p:spTree>
-      <p:nvGrpSpPr>
-        <p:cNvPr id="1" name="Shape 59"/>
-        <p:cNvGrpSpPr/>
-        <p:nvPr/>
-      </p:nvGrpSpPr>
-      <p:grpSpPr>
-        <a:xfrm>
-          <a:off x="0" y="0"/>
-          <a:ext cx="0" cy="0"/>
-          <a:chOff x="0" y="0"/>
-          <a:chExt cx="0" cy="0"/>
-        </a:xfrm>
-      </p:grpSpPr>
-      <p:sp>
-        <p:nvSpPr>
-          <p:cNvPr id="60" name="Google Shape;60;p14"/>
-          <p:cNvSpPr txBox="1">
-            <a:spLocks noGrp="1"/>
-          </p:cNvSpPr>
-          <p:nvPr>
-            <p:ph type="title"/>
-          </p:nvPr>
-        </p:nvSpPr>
-        <p:spPr>
-          <a:xfrm>
-            <a:off x="311700" y="445025"/>
-            <a:ext cx="8520600" cy="572700"/>
-          </a:xfrm>
-          <a:prstGeom prst="rect">
-            <a:avLst/>
-          </a:prstGeom>
-        </p:spPr>
-        <p:txBody>
-          <a:bodyPr spcFirstLastPara="1" wrap="square" lIns="91425" tIns="91425" rIns="91425" bIns="91425" anchor="t" anchorCtr="0">
-            <a:noAutofit/>
-          </a:bodyPr>
-          <a:lstStyle/>
-          <a:p>
-            <a:pPr marL="0" lvl="0" indent="0" algn="l" rtl="0">
-              <a:spcBef>
-                <a:spcPts val="0"/>
-              </a:spcBef>
-              <a:spcAft>
-                <a:spcPts val="0"/>
-              </a:spcAft>
-              <a:buNone/>
-            </a:pPr>
-            <a:r>
-              <a:rPr lang="en" sz="3600" dirty="0">
-                <a:latin typeface="Verdana"/>
-                <a:ea typeface="Verdana"/>
-                <a:cs typeface="Verdana"/>
-                <a:sym typeface="Verdana"/>
-              </a:rPr>
-              <a:t>Contents</a:t>
-            </a:r>
-            <a:endParaRPr sz="3600" dirty="0"/>
-          </a:p>
-        </p:txBody>
-      </p:sp>
-      <p:sp>
-        <p:nvSpPr>
-          <p:cNvPr id="61" name="Google Shape;61;p14"/>
-          <p:cNvSpPr txBox="1">
-            <a:spLocks noGrp="1"/>
-          </p:cNvSpPr>
-          <p:nvPr>
-            <p:ph type="body" idx="1"/>
-          </p:nvPr>
-        </p:nvSpPr>
-        <p:spPr>
-          <a:xfrm>
-            <a:off x="311700" y="1152475"/>
-            <a:ext cx="8520600" cy="3416400"/>
-          </a:xfrm>
-          <a:prstGeom prst="rect">
-            <a:avLst/>
-          </a:prstGeom>
-        </p:spPr>
-        <p:txBody>
-          <a:bodyPr spcFirstLastPara="1" wrap="square" lIns="91425" tIns="91425" rIns="91425" bIns="91425" anchor="t" anchorCtr="0">
-            <a:normAutofit/>
-          </a:bodyPr>
-          <a:lstStyle/>
-          <a:p>
-            <a:pPr marL="457200" lvl="0" indent="-381000" algn="l" rtl="0">
-              <a:spcBef>
-                <a:spcPts val="1200"/>
-              </a:spcBef>
-              <a:spcAft>
-                <a:spcPts val="0"/>
-              </a:spcAft>
-              <a:buClr>
-                <a:schemeClr val="dk1"/>
-              </a:buClr>
-              <a:buSzPts val="2400"/>
-              <a:buChar char="●"/>
-            </a:pPr>
-            <a:r>
-              <a:rPr lang="en-GB" sz="2400" dirty="0">
-                <a:solidFill>
-                  <a:schemeClr val="dk1"/>
-                </a:solidFill>
-                <a:latin typeface="Verdana"/>
-                <a:ea typeface="Verdana"/>
-                <a:cs typeface="Verdana"/>
-                <a:sym typeface="Verdana"/>
-              </a:rPr>
-              <a:t>Pythagoras Theorem</a:t>
-            </a:r>
-            <a:endParaRPr sz="2400" dirty="0">
-              <a:solidFill>
-                <a:schemeClr val="dk1"/>
-              </a:solidFill>
-              <a:latin typeface="Verdana"/>
-              <a:ea typeface="Verdana"/>
-              <a:cs typeface="Verdana"/>
-              <a:sym typeface="Verdana"/>
-            </a:endParaRPr>
-          </a:p>
-          <a:p>
-            <a:pPr marL="457200" lvl="0" indent="-381000" algn="l" rtl="0">
-              <a:spcBef>
-                <a:spcPts val="0"/>
-              </a:spcBef>
-              <a:spcAft>
-                <a:spcPts val="0"/>
-              </a:spcAft>
-              <a:buClr>
-                <a:schemeClr val="dk1"/>
-              </a:buClr>
-              <a:buSzPts val="2400"/>
-              <a:buChar char="●"/>
-            </a:pPr>
-            <a:r>
-              <a:rPr lang="en-GB" sz="2400" dirty="0">
-                <a:solidFill>
-                  <a:schemeClr val="dk1"/>
-                </a:solidFill>
-                <a:latin typeface="Verdana"/>
-                <a:ea typeface="Verdana"/>
-                <a:cs typeface="Verdana"/>
-                <a:sym typeface="Verdana"/>
-              </a:rPr>
-              <a:t>Trigonometric Ratios</a:t>
-            </a:r>
-          </a:p>
-          <a:p>
-            <a:pPr marL="457200" lvl="0" indent="-381000" algn="l" rtl="0">
-              <a:spcBef>
-                <a:spcPts val="0"/>
-              </a:spcBef>
-              <a:spcAft>
-                <a:spcPts val="0"/>
-              </a:spcAft>
-              <a:buClr>
-                <a:schemeClr val="dk1"/>
-              </a:buClr>
-              <a:buSzPts val="2400"/>
-              <a:buChar char="●"/>
-            </a:pPr>
-            <a:r>
-              <a:rPr lang="en-GB" sz="2400" dirty="0">
-                <a:solidFill>
-                  <a:schemeClr val="dk1"/>
-                </a:solidFill>
-                <a:latin typeface="Verdana"/>
-                <a:ea typeface="Verdana"/>
-                <a:cs typeface="Verdana"/>
-                <a:sym typeface="Verdana"/>
-              </a:rPr>
-              <a:t>Radian measurement</a:t>
-            </a:r>
-            <a:endParaRPr sz="2400" dirty="0">
-              <a:solidFill>
-                <a:schemeClr val="dk1"/>
-              </a:solidFill>
-              <a:latin typeface="Verdana"/>
-              <a:ea typeface="Verdana"/>
-              <a:cs typeface="Verdana"/>
-              <a:sym typeface="Verdana"/>
-            </a:endParaRPr>
-          </a:p>
-          <a:p>
-            <a:pPr marL="457200" lvl="0" indent="0" algn="l" rtl="0">
-              <a:spcBef>
-                <a:spcPts val="1200"/>
-              </a:spcBef>
-              <a:spcAft>
-                <a:spcPts val="0"/>
-              </a:spcAft>
-              <a:buNone/>
-            </a:pPr>
-            <a:endParaRPr sz="2400" dirty="0">
-              <a:solidFill>
-                <a:schemeClr val="dk1"/>
-              </a:solidFill>
-              <a:latin typeface="Verdana"/>
-              <a:ea typeface="Verdana"/>
-              <a:cs typeface="Verdana"/>
-              <a:sym typeface="Verdana"/>
-            </a:endParaRPr>
-          </a:p>
-          <a:p>
-            <a:pPr marL="0" lvl="0" indent="0" algn="l" rtl="0">
-              <a:spcBef>
-                <a:spcPts val="1200"/>
-              </a:spcBef>
-              <a:spcAft>
-                <a:spcPts val="1200"/>
-              </a:spcAft>
-              <a:buNone/>
-            </a:pPr>
-            <a:endParaRPr sz="2400" dirty="0"/>
-          </a:p>
-        </p:txBody>
-      </p:sp>
-    </p:spTree>
-  </p:cSld>
-  <p:clrMapOvr>
-    <a:masterClrMapping/>
-  </p:clrMapOvr>
-</p:sld>
-</file>
-
-<file path=ppt/slides/slide3.xml><?xml version="1.0" encoding="utf-8"?>
-<p:sld xmlns:a="http://schemas.openxmlformats.org/drawingml/2006/main" xmlns:r="http://schemas.openxmlformats.org/officeDocument/2006/relationships" xmlns:p="http://schemas.openxmlformats.org/presentationml/2006/main">
-  <p:cSld>
-    <p:spTree>
-      <p:nvGrpSpPr>
-        <p:cNvPr id="1" name="Shape 59"/>
-        <p:cNvGrpSpPr/>
-        <p:nvPr/>
-      </p:nvGrpSpPr>
-      <p:grpSpPr>
-        <a:xfrm>
-          <a:off x="0" y="0"/>
-          <a:ext cx="0" cy="0"/>
-          <a:chOff x="0" y="0"/>
-          <a:chExt cx="0" cy="0"/>
-        </a:xfrm>
-      </p:grpSpPr>
-      <p:sp>
-        <p:nvSpPr>
-          <p:cNvPr id="60" name="Google Shape;60;p14"/>
-          <p:cNvSpPr txBox="1">
-            <a:spLocks noGrp="1"/>
-          </p:cNvSpPr>
-          <p:nvPr>
-            <p:ph type="title"/>
-          </p:nvPr>
-        </p:nvSpPr>
-        <p:spPr>
-          <a:xfrm>
-            <a:off x="311700" y="445025"/>
-            <a:ext cx="8520600" cy="572700"/>
-          </a:xfrm>
-          <a:prstGeom prst="rect">
-            <a:avLst/>
-          </a:prstGeom>
-        </p:spPr>
-        <p:txBody>
-          <a:bodyPr spcFirstLastPara="1" wrap="square" lIns="91425" tIns="91425" rIns="91425" bIns="91425" anchor="t" anchorCtr="0">
-            <a:noAutofit/>
-          </a:bodyPr>
-          <a:lstStyle/>
-          <a:p>
-            <a:pPr marL="0" lvl="0" indent="0" algn="l" rtl="0">
-              <a:spcBef>
-                <a:spcPts val="0"/>
-              </a:spcBef>
-              <a:spcAft>
-                <a:spcPts val="0"/>
-              </a:spcAft>
-              <a:buNone/>
-            </a:pPr>
-            <a:r>
-              <a:rPr lang="en" sz="3600" dirty="0">
-                <a:latin typeface="Verdana"/>
-                <a:ea typeface="Verdana"/>
-                <a:cs typeface="Verdana"/>
-                <a:sym typeface="Verdana"/>
-              </a:rPr>
-              <a:t>Contents</a:t>
-            </a:r>
-            <a:endParaRPr sz="3600" dirty="0"/>
-          </a:p>
-        </p:txBody>
-      </p:sp>
-      <p:sp>
-        <p:nvSpPr>
-          <p:cNvPr id="61" name="Google Shape;61;p14"/>
-          <p:cNvSpPr txBox="1">
-            <a:spLocks noGrp="1"/>
-          </p:cNvSpPr>
-          <p:nvPr>
-            <p:ph type="body" idx="1"/>
-          </p:nvPr>
-        </p:nvSpPr>
-        <p:spPr>
-          <a:xfrm>
-            <a:off x="311700" y="1152475"/>
-            <a:ext cx="8520600" cy="3416400"/>
-          </a:xfrm>
-          <a:prstGeom prst="rect">
-            <a:avLst/>
-          </a:prstGeom>
-        </p:spPr>
-        <p:txBody>
-          <a:bodyPr spcFirstLastPara="1" wrap="square" lIns="91425" tIns="91425" rIns="91425" bIns="91425" anchor="t" anchorCtr="0">
-            <a:normAutofit/>
-          </a:bodyPr>
-          <a:lstStyle/>
-          <a:p>
-            <a:pPr marL="457200" lvl="0" indent="-381000" algn="l" rtl="0">
-              <a:spcBef>
-                <a:spcPts val="1200"/>
-              </a:spcBef>
-              <a:spcAft>
-                <a:spcPts val="0"/>
-              </a:spcAft>
-              <a:buClr>
-                <a:schemeClr val="dk1"/>
-              </a:buClr>
-              <a:buSzPts val="2400"/>
-              <a:buChar char="●"/>
-            </a:pPr>
-            <a:r>
-              <a:rPr lang="en-GB" sz="2400" dirty="0">
-                <a:solidFill>
-                  <a:srgbClr val="FF0000"/>
-                </a:solidFill>
-                <a:latin typeface="Verdana"/>
-                <a:ea typeface="Verdana"/>
-                <a:cs typeface="Verdana"/>
-                <a:sym typeface="Verdana"/>
-              </a:rPr>
-              <a:t>Pythagoras Theorem</a:t>
-            </a:r>
-            <a:endParaRPr sz="2400" dirty="0">
-              <a:solidFill>
-                <a:srgbClr val="FF0000"/>
-              </a:solidFill>
-              <a:latin typeface="Verdana"/>
-              <a:ea typeface="Verdana"/>
-              <a:cs typeface="Verdana"/>
-              <a:sym typeface="Verdana"/>
-            </a:endParaRPr>
-          </a:p>
-          <a:p>
-            <a:pPr marL="457200" lvl="0" indent="-381000" algn="l" rtl="0">
-              <a:spcBef>
-                <a:spcPts val="0"/>
-              </a:spcBef>
-              <a:spcAft>
-                <a:spcPts val="0"/>
-              </a:spcAft>
-              <a:buClr>
-                <a:schemeClr val="dk1"/>
-              </a:buClr>
-              <a:buSzPts val="2400"/>
-              <a:buChar char="●"/>
-            </a:pPr>
-            <a:r>
-              <a:rPr lang="en-GB" sz="2400" dirty="0">
-                <a:solidFill>
-                  <a:schemeClr val="dk1"/>
-                </a:solidFill>
-                <a:latin typeface="Verdana"/>
-                <a:ea typeface="Verdana"/>
-                <a:cs typeface="Verdana"/>
-                <a:sym typeface="Verdana"/>
-              </a:rPr>
-              <a:t>Trigonometric ratios</a:t>
-            </a:r>
-          </a:p>
-          <a:p>
-            <a:pPr marL="457200" lvl="0" indent="-381000" algn="l" rtl="0">
-              <a:spcBef>
-                <a:spcPts val="0"/>
-              </a:spcBef>
-              <a:spcAft>
-                <a:spcPts val="0"/>
-              </a:spcAft>
-              <a:buClr>
-                <a:schemeClr val="dk1"/>
-              </a:buClr>
-              <a:buSzPts val="2400"/>
-              <a:buChar char="●"/>
-            </a:pPr>
-            <a:r>
-              <a:rPr lang="en-GB" sz="2400" dirty="0">
-                <a:solidFill>
-                  <a:schemeClr val="dk1"/>
-                </a:solidFill>
-                <a:latin typeface="Verdana"/>
-                <a:ea typeface="Verdana"/>
-                <a:cs typeface="Verdana"/>
-                <a:sym typeface="Verdana"/>
-              </a:rPr>
-              <a:t>Measurement of Radians</a:t>
-            </a:r>
-            <a:endParaRPr sz="2400" dirty="0">
-              <a:solidFill>
-                <a:schemeClr val="dk1"/>
-              </a:solidFill>
-              <a:latin typeface="Verdana"/>
-              <a:ea typeface="Verdana"/>
-              <a:cs typeface="Verdana"/>
-              <a:sym typeface="Verdana"/>
-            </a:endParaRPr>
-          </a:p>
-          <a:p>
-            <a:pPr marL="457200" lvl="0" indent="0" algn="l" rtl="0">
-              <a:spcBef>
-                <a:spcPts val="1200"/>
-              </a:spcBef>
-              <a:spcAft>
-                <a:spcPts val="0"/>
-              </a:spcAft>
-              <a:buNone/>
-            </a:pPr>
-            <a:endParaRPr sz="2400" dirty="0">
-              <a:solidFill>
-                <a:schemeClr val="dk1"/>
-              </a:solidFill>
-              <a:latin typeface="Verdana"/>
-              <a:ea typeface="Verdana"/>
-              <a:cs typeface="Verdana"/>
-              <a:sym typeface="Verdana"/>
-            </a:endParaRPr>
-          </a:p>
-          <a:p>
-            <a:pPr marL="0" lvl="0" indent="0" algn="l" rtl="0">
-              <a:spcBef>
-                <a:spcPts val="1200"/>
-              </a:spcBef>
-              <a:spcAft>
-                <a:spcPts val="1200"/>
-              </a:spcAft>
-              <a:buNone/>
-            </a:pPr>
-            <a:endParaRPr sz="2400" dirty="0"/>
-          </a:p>
-        </p:txBody>
-      </p:sp>
-    </p:spTree>
-    <p:extLst>
-      <p:ext uri="{BB962C8B-B14F-4D97-AF65-F5344CB8AC3E}">
-        <p14:creationId xmlns:p14="http://schemas.microsoft.com/office/powerpoint/2010/main" val="2493889536"/>
-      </p:ext>
-    </p:extLst>
-  </p:cSld>
-  <p:clrMapOvr>
-    <a:masterClrMapping/>
-  </p:clrMapOvr>
-</p:sld>
-</file>
-
-<file path=ppt/slides/slide4.xml><?xml version="1.0" encoding="utf-8"?>
-<p:sld xmlns:a="http://schemas.openxmlformats.org/drawingml/2006/main" xmlns:r="http://schemas.openxmlformats.org/officeDocument/2006/relationships" xmlns:p="http://schemas.openxmlformats.org/presentationml/2006/main">
-  <p:cSld>
-    <p:spTree>
-      <p:nvGrpSpPr>
-        <p:cNvPr id="1" name="Shape 71"/>
-        <p:cNvGrpSpPr/>
-        <p:nvPr/>
-      </p:nvGrpSpPr>
-      <p:grpSpPr>
-        <a:xfrm>
-          <a:off x="0" y="0"/>
-          <a:ext cx="0" cy="0"/>
-          <a:chOff x="0" y="0"/>
-          <a:chExt cx="0" cy="0"/>
-        </a:xfrm>
-      </p:grpSpPr>
-      <p:sp>
-        <p:nvSpPr>
-          <p:cNvPr id="72" name="Google Shape;72;p16"/>
-          <p:cNvSpPr txBox="1">
-            <a:spLocks noGrp="1"/>
-          </p:cNvSpPr>
-          <p:nvPr>
-            <p:ph type="title"/>
-          </p:nvPr>
-        </p:nvSpPr>
-        <p:spPr>
-          <a:xfrm>
-            <a:off x="311700" y="445025"/>
-            <a:ext cx="8520600" cy="572700"/>
-          </a:xfrm>
-          <a:prstGeom prst="rect">
-            <a:avLst/>
-          </a:prstGeom>
-        </p:spPr>
-        <p:txBody>
-          <a:bodyPr spcFirstLastPara="1" wrap="square" lIns="91425" tIns="91425" rIns="91425" bIns="91425" anchor="t" anchorCtr="0">
-            <a:noAutofit/>
-          </a:bodyPr>
-          <a:lstStyle/>
-          <a:p>
-            <a:pPr marL="0" lvl="0" indent="0" algn="l" rtl="0">
-              <a:spcBef>
-                <a:spcPts val="0"/>
-              </a:spcBef>
-              <a:spcAft>
-                <a:spcPts val="0"/>
-              </a:spcAft>
-              <a:buNone/>
-            </a:pPr>
-            <a:r>
-              <a:rPr lang="en" sz="3600" dirty="0">
-                <a:latin typeface="Verdana"/>
-                <a:ea typeface="Verdana"/>
-                <a:cs typeface="Verdana"/>
-                <a:sym typeface="Verdana"/>
-              </a:rPr>
-              <a:t>Right-angled triangle</a:t>
-            </a:r>
-            <a:endParaRPr sz="3600" dirty="0"/>
-          </a:p>
-        </p:txBody>
-      </p:sp>
-      <p:sp>
-        <p:nvSpPr>
-          <p:cNvPr id="3" name="Text Placeholder 2">
-            <a:extLst>
-              <a:ext uri="{FF2B5EF4-FFF2-40B4-BE49-F238E27FC236}">
-                <a16:creationId xmlns:a16="http://schemas.microsoft.com/office/drawing/2014/main" id="{935A5838-61F1-44A2-9405-B07C81475B74}"/>
-              </a:ext>
-            </a:extLst>
-          </p:cNvPr>
-          <p:cNvSpPr>
-            <a:spLocks noGrp="1"/>
-          </p:cNvSpPr>
-          <p:nvPr>
-            <p:ph type="body" idx="1"/>
-          </p:nvPr>
-        </p:nvSpPr>
-        <p:spPr>
-          <a:xfrm>
-            <a:off x="311700" y="1152475"/>
-            <a:ext cx="8520600" cy="572700"/>
-          </a:xfrm>
-        </p:spPr>
-        <p:txBody>
-          <a:bodyPr/>
-          <a:lstStyle/>
-          <a:p>
-            <a:r>
-              <a:rPr lang="en-GB" dirty="0"/>
-              <a:t>A Triangle having a two sides joining at 90 degrees is a right angled triangle</a:t>
-            </a:r>
-          </a:p>
-        </p:txBody>
-      </p:sp>
-      <p:sp>
-        <p:nvSpPr>
-          <p:cNvPr id="6" name="Right Triangle 5">
-            <a:extLst>
-              <a:ext uri="{FF2B5EF4-FFF2-40B4-BE49-F238E27FC236}">
-                <a16:creationId xmlns:a16="http://schemas.microsoft.com/office/drawing/2014/main" id="{C175122B-D2CA-467C-9BBF-1323847BDA4F}"/>
-              </a:ext>
-            </a:extLst>
-          </p:cNvPr>
-          <p:cNvSpPr/>
-          <p:nvPr/>
-        </p:nvSpPr>
-        <p:spPr>
-          <a:xfrm>
-            <a:off x="3132082" y="2060027"/>
-            <a:ext cx="3279228" cy="1849821"/>
-          </a:xfrm>
-          <a:prstGeom prst="rtTriangle">
-            <a:avLst/>
-          </a:prstGeom>
-        </p:spPr>
-        <p:style>
-          <a:lnRef idx="2">
-            <a:schemeClr val="accent1">
-              <a:shade val="50000"/>
-            </a:schemeClr>
-          </a:lnRef>
-          <a:fillRef idx="1">
-            <a:schemeClr val="accent1"/>
-          </a:fillRef>
-          <a:effectRef idx="0">
-            <a:schemeClr val="accent1"/>
-          </a:effectRef>
-          <a:fontRef idx="minor">
-            <a:schemeClr val="lt1"/>
-          </a:fontRef>
-        </p:style>
-        <p:txBody>
-          <a:bodyPr rtlCol="0" anchor="ctr"/>
-          <a:lstStyle/>
-          <a:p>
-            <a:pPr algn="ctr"/>
-            <a:endParaRPr lang="en-GB"/>
-          </a:p>
-        </p:txBody>
-      </p:sp>
-      <p:sp>
-        <p:nvSpPr>
-          <p:cNvPr id="7" name="TextBox 6">
-            <a:extLst>
-              <a:ext uri="{FF2B5EF4-FFF2-40B4-BE49-F238E27FC236}">
-                <a16:creationId xmlns:a16="http://schemas.microsoft.com/office/drawing/2014/main" id="{8B9531F8-4441-472F-937D-ADDC076E8CC5}"/>
-              </a:ext>
-            </a:extLst>
-          </p:cNvPr>
-          <p:cNvSpPr txBox="1"/>
-          <p:nvPr/>
-        </p:nvSpPr>
-        <p:spPr>
-          <a:xfrm>
-            <a:off x="2123089" y="2984937"/>
-            <a:ext cx="901209" cy="307777"/>
-          </a:xfrm>
-          <a:prstGeom prst="rect">
-            <a:avLst/>
-          </a:prstGeom>
-          <a:noFill/>
-        </p:spPr>
-        <p:txBody>
-          <a:bodyPr wrap="none" rtlCol="0">
-            <a:spAutoFit/>
-          </a:bodyPr>
-          <a:lstStyle/>
-          <a:p>
-            <a:r>
-              <a:rPr lang="en-GB" dirty="0"/>
-              <a:t>Opposite</a:t>
-            </a:r>
-          </a:p>
-        </p:txBody>
-      </p:sp>
-      <p:sp>
-        <p:nvSpPr>
-          <p:cNvPr id="10" name="TextBox 9">
-            <a:extLst>
-              <a:ext uri="{FF2B5EF4-FFF2-40B4-BE49-F238E27FC236}">
-                <a16:creationId xmlns:a16="http://schemas.microsoft.com/office/drawing/2014/main" id="{2189379D-34D7-4E16-9D89-8876FAB86985}"/>
-              </a:ext>
-            </a:extLst>
-          </p:cNvPr>
-          <p:cNvSpPr txBox="1"/>
-          <p:nvPr/>
-        </p:nvSpPr>
-        <p:spPr>
-          <a:xfrm>
-            <a:off x="4121395" y="4090811"/>
-            <a:ext cx="881973" cy="307777"/>
-          </a:xfrm>
-          <a:prstGeom prst="rect">
-            <a:avLst/>
-          </a:prstGeom>
-          <a:noFill/>
-        </p:spPr>
-        <p:txBody>
-          <a:bodyPr wrap="none" rtlCol="0">
-            <a:spAutoFit/>
-          </a:bodyPr>
-          <a:lstStyle/>
-          <a:p>
-            <a:r>
-              <a:rPr lang="en-GB" dirty="0"/>
-              <a:t>Adjacent</a:t>
-            </a:r>
-          </a:p>
-        </p:txBody>
-      </p:sp>
-      <p:sp>
-        <p:nvSpPr>
-          <p:cNvPr id="11" name="TextBox 10">
-            <a:extLst>
-              <a:ext uri="{FF2B5EF4-FFF2-40B4-BE49-F238E27FC236}">
-                <a16:creationId xmlns:a16="http://schemas.microsoft.com/office/drawing/2014/main" id="{2AC0D8C0-AD90-4525-9A4F-330367A209E5}"/>
-              </a:ext>
-            </a:extLst>
-          </p:cNvPr>
-          <p:cNvSpPr txBox="1"/>
-          <p:nvPr/>
-        </p:nvSpPr>
-        <p:spPr>
-          <a:xfrm>
-            <a:off x="4771696" y="2687669"/>
-            <a:ext cx="1140056" cy="307777"/>
-          </a:xfrm>
-          <a:prstGeom prst="rect">
-            <a:avLst/>
-          </a:prstGeom>
-          <a:noFill/>
-        </p:spPr>
-        <p:txBody>
-          <a:bodyPr wrap="none" rtlCol="0">
-            <a:spAutoFit/>
-          </a:bodyPr>
-          <a:lstStyle/>
-          <a:p>
-            <a:r>
-              <a:rPr lang="en-GB" dirty="0"/>
-              <a:t>Hypotenuse</a:t>
-            </a:r>
-          </a:p>
-        </p:txBody>
-      </p:sp>
-      <p:sp>
-        <p:nvSpPr>
-          <p:cNvPr id="4" name="Rectangle 3">
-            <a:extLst>
-              <a:ext uri="{FF2B5EF4-FFF2-40B4-BE49-F238E27FC236}">
-                <a16:creationId xmlns:a16="http://schemas.microsoft.com/office/drawing/2014/main" id="{E8EFA55A-977E-4448-8049-49FCCF43E546}"/>
-              </a:ext>
-            </a:extLst>
-          </p:cNvPr>
-          <p:cNvSpPr/>
-          <p:nvPr/>
-        </p:nvSpPr>
-        <p:spPr>
-          <a:xfrm>
-            <a:off x="3132082" y="3626069"/>
-            <a:ext cx="283780" cy="283780"/>
-          </a:xfrm>
-          <a:prstGeom prst="rect">
-            <a:avLst/>
-          </a:prstGeom>
-        </p:spPr>
-        <p:style>
-          <a:lnRef idx="2">
-            <a:schemeClr val="accent1">
-              <a:shade val="50000"/>
-            </a:schemeClr>
-          </a:lnRef>
-          <a:fillRef idx="1">
-            <a:schemeClr val="accent1"/>
-          </a:fillRef>
-          <a:effectRef idx="0">
-            <a:schemeClr val="accent1"/>
-          </a:effectRef>
-          <a:fontRef idx="minor">
-            <a:schemeClr val="lt1"/>
-          </a:fontRef>
-        </p:style>
-        <p:txBody>
-          <a:bodyPr rtlCol="0" anchor="ctr"/>
-          <a:lstStyle/>
-          <a:p>
-            <a:pPr algn="ctr"/>
-            <a:endParaRPr lang="en-GB"/>
-          </a:p>
-        </p:txBody>
-      </p:sp>
-      <p:sp>
-        <p:nvSpPr>
-          <p:cNvPr id="5" name="Oval 4">
-            <a:extLst>
-              <a:ext uri="{FF2B5EF4-FFF2-40B4-BE49-F238E27FC236}">
-                <a16:creationId xmlns:a16="http://schemas.microsoft.com/office/drawing/2014/main" id="{0DB8A8F5-CF2F-462C-9A4F-993B57855942}"/>
-              </a:ext>
-            </a:extLst>
-          </p:cNvPr>
-          <p:cNvSpPr/>
-          <p:nvPr/>
-        </p:nvSpPr>
-        <p:spPr>
-          <a:xfrm>
-            <a:off x="2951120" y="3455617"/>
-            <a:ext cx="635194" cy="635194"/>
-          </a:xfrm>
-          <a:prstGeom prst="ellipse">
-            <a:avLst/>
-          </a:prstGeom>
-          <a:noFill/>
-          <a:ln>
-            <a:solidFill>
-              <a:srgbClr val="FF0000"/>
-            </a:solidFill>
-          </a:ln>
-        </p:spPr>
-        <p:style>
-          <a:lnRef idx="2">
-            <a:schemeClr val="accent1">
-              <a:shade val="50000"/>
-            </a:schemeClr>
-          </a:lnRef>
-          <a:fillRef idx="1">
-            <a:schemeClr val="accent1"/>
-          </a:fillRef>
-          <a:effectRef idx="0">
-            <a:schemeClr val="accent1"/>
-          </a:effectRef>
-          <a:fontRef idx="minor">
-            <a:schemeClr val="lt1"/>
-          </a:fontRef>
-        </p:style>
-        <p:txBody>
-          <a:bodyPr rtlCol="0" anchor="ctr"/>
-          <a:lstStyle/>
-          <a:p>
-            <a:pPr algn="ctr"/>
-            <a:endParaRPr lang="en-GB"/>
-          </a:p>
-        </p:txBody>
-      </p:sp>
-    </p:spTree>
-  </p:cSld>
-  <p:clrMapOvr>
-    <a:masterClrMapping/>
-  </p:clrMapOvr>
-</p:sld>
-</file>
-
-<file path=ppt/slides/slide5.xml><?xml version="1.0" encoding="utf-8"?>
-<p:sld xmlns:a="http://schemas.openxmlformats.org/drawingml/2006/main" xmlns:r="http://schemas.openxmlformats.org/officeDocument/2006/relationships" xmlns:p="http://schemas.openxmlformats.org/presentationml/2006/main">
-  <p:cSld>
-    <p:spTree>
-      <p:nvGrpSpPr>
-        <p:cNvPr id="1" name="Shape 71"/>
-        <p:cNvGrpSpPr/>
-        <p:nvPr/>
-      </p:nvGrpSpPr>
-      <p:grpSpPr>
-        <a:xfrm>
-          <a:off x="0" y="0"/>
-          <a:ext cx="0" cy="0"/>
-          <a:chOff x="0" y="0"/>
-          <a:chExt cx="0" cy="0"/>
-        </a:xfrm>
-      </p:grpSpPr>
-      <p:sp>
-        <p:nvSpPr>
-          <p:cNvPr id="72" name="Google Shape;72;p16"/>
-          <p:cNvSpPr txBox="1">
-            <a:spLocks noGrp="1"/>
-          </p:cNvSpPr>
-          <p:nvPr>
-            <p:ph type="title"/>
-          </p:nvPr>
-        </p:nvSpPr>
-        <p:spPr>
-          <a:xfrm>
-            <a:off x="311700" y="445025"/>
-            <a:ext cx="8520600" cy="572700"/>
-          </a:xfrm>
-          <a:prstGeom prst="rect">
-            <a:avLst/>
-          </a:prstGeom>
-        </p:spPr>
-        <p:txBody>
-          <a:bodyPr spcFirstLastPara="1" wrap="square" lIns="91425" tIns="91425" rIns="91425" bIns="91425" anchor="t" anchorCtr="0">
-            <a:noAutofit/>
-          </a:bodyPr>
-          <a:lstStyle/>
-          <a:p>
-            <a:pPr marL="0" lvl="0" indent="0" algn="l" rtl="0">
-              <a:spcBef>
-                <a:spcPts val="0"/>
-              </a:spcBef>
-              <a:spcAft>
-                <a:spcPts val="0"/>
-              </a:spcAft>
-              <a:buNone/>
-            </a:pPr>
-            <a:r>
-              <a:rPr lang="en" sz="3600" dirty="0">
-                <a:latin typeface="Verdana"/>
-                <a:ea typeface="Verdana"/>
-                <a:cs typeface="Verdana"/>
-                <a:sym typeface="Verdana"/>
-              </a:rPr>
-              <a:t>Pythagoras theorem</a:t>
-            </a:r>
-            <a:endParaRPr sz="3600" dirty="0"/>
-          </a:p>
-        </p:txBody>
-      </p:sp>
-      <p:pic>
-        <p:nvPicPr>
-          <p:cNvPr id="5" name="Picture 4">
-            <a:extLst>
-              <a:ext uri="{FF2B5EF4-FFF2-40B4-BE49-F238E27FC236}">
-                <a16:creationId xmlns:a16="http://schemas.microsoft.com/office/drawing/2014/main" id="{359AFAB9-01C0-4622-8DB8-C78EF4FE47EA}"/>
-              </a:ext>
-            </a:extLst>
-          </p:cNvPr>
-          <p:cNvPicPr>
-            <a:picLocks noChangeAspect="1"/>
-          </p:cNvPicPr>
-          <p:nvPr/>
-        </p:nvPicPr>
-        <p:blipFill>
-          <a:blip r:embed="rId3"/>
-          <a:stretch>
-            <a:fillRect/>
-          </a:stretch>
-        </p:blipFill>
-        <p:spPr>
-          <a:xfrm>
-            <a:off x="2144110" y="1017725"/>
-            <a:ext cx="5192235" cy="4047081"/>
-          </a:xfrm>
-          <a:prstGeom prst="rect">
-            <a:avLst/>
-          </a:prstGeom>
-        </p:spPr>
-      </p:pic>
-    </p:spTree>
-    <p:extLst>
-      <p:ext uri="{BB962C8B-B14F-4D97-AF65-F5344CB8AC3E}">
-        <p14:creationId xmlns:p14="http://schemas.microsoft.com/office/powerpoint/2010/main" val="4067192052"/>
-      </p:ext>
-    </p:extLst>
-  </p:cSld>
-  <p:clrMapOvr>
-    <a:masterClrMapping/>
-  </p:clrMapOvr>
-</p:sld>
-</file>
-
-<file path=ppt/slides/slide6.xml><?xml version="1.0" encoding="utf-8"?>
-<p:sld xmlns:a="http://schemas.openxmlformats.org/drawingml/2006/main" xmlns:r="http://schemas.openxmlformats.org/officeDocument/2006/relationships" xmlns:p="http://schemas.openxmlformats.org/presentationml/2006/main">
-  <p:cSld>
-    <p:spTree>
-      <p:nvGrpSpPr>
-        <p:cNvPr id="1" name="Shape 71"/>
-        <p:cNvGrpSpPr/>
-        <p:nvPr/>
-      </p:nvGrpSpPr>
-      <p:grpSpPr>
-        <a:xfrm>
-          <a:off x="0" y="0"/>
-          <a:ext cx="0" cy="0"/>
-          <a:chOff x="0" y="0"/>
-          <a:chExt cx="0" cy="0"/>
-        </a:xfrm>
-      </p:grpSpPr>
-      <p:sp>
-        <p:nvSpPr>
-          <p:cNvPr id="72" name="Google Shape;72;p16"/>
-          <p:cNvSpPr txBox="1">
-            <a:spLocks noGrp="1"/>
-          </p:cNvSpPr>
-          <p:nvPr>
-            <p:ph type="title"/>
-          </p:nvPr>
-        </p:nvSpPr>
-        <p:spPr>
-          <a:xfrm>
-            <a:off x="311700" y="445025"/>
-            <a:ext cx="8520600" cy="572700"/>
-          </a:xfrm>
-          <a:prstGeom prst="rect">
-            <a:avLst/>
-          </a:prstGeom>
-        </p:spPr>
-        <p:txBody>
-          <a:bodyPr spcFirstLastPara="1" wrap="square" lIns="91425" tIns="91425" rIns="91425" bIns="91425" anchor="t" anchorCtr="0">
-            <a:noAutofit/>
-          </a:bodyPr>
-          <a:lstStyle/>
-          <a:p>
-            <a:pPr marL="0" lvl="0" indent="0" algn="l" rtl="0">
-              <a:spcBef>
-                <a:spcPts val="0"/>
-              </a:spcBef>
-              <a:spcAft>
-                <a:spcPts val="0"/>
-              </a:spcAft>
-              <a:buNone/>
-            </a:pPr>
-            <a:r>
-              <a:rPr lang="en" sz="3600" dirty="0">
-                <a:latin typeface="Verdana"/>
-                <a:ea typeface="Verdana"/>
-                <a:cs typeface="Verdana"/>
-                <a:sym typeface="Verdana"/>
-              </a:rPr>
-              <a:t>Pythagoras theorem</a:t>
-            </a:r>
-            <a:endParaRPr sz="3600" dirty="0"/>
-          </a:p>
-        </p:txBody>
-      </p:sp>
-      <mc:AlternateContent xmlns:mc="http://schemas.openxmlformats.org/markup-compatibility/2006" xmlns:a14="http://schemas.microsoft.com/office/drawing/2010/main">
-        <mc:Choice Requires="a14">
-          <p:sp>
-            <p:nvSpPr>
-              <p:cNvPr id="3" name="Text Placeholder 2">
-                <a:extLst>
-                  <a:ext uri="{FF2B5EF4-FFF2-40B4-BE49-F238E27FC236}">
-                    <a16:creationId xmlns:a16="http://schemas.microsoft.com/office/drawing/2014/main" id="{935A5838-61F1-44A2-9405-B07C81475B74}"/>
-                  </a:ext>
-                </a:extLst>
-              </p:cNvPr>
-              <p:cNvSpPr>
-                <a:spLocks noGrp="1"/>
-              </p:cNvSpPr>
-              <p:nvPr>
-                <p:ph type="body" idx="1"/>
-              </p:nvPr>
-            </p:nvSpPr>
-            <p:spPr/>
-            <p:txBody>
-              <a:bodyPr/>
-              <a:lstStyle/>
-              <a:p>
-                <a14:m>
-                  <m:oMath xmlns:m="http://schemas.openxmlformats.org/officeDocument/2006/math">
-                    <m:sSup>
-                      <m:sSupPr>
-                        <m:ctrlPr>
-                          <a:rPr lang="en-GB" b="0" i="1" smtClean="0">
-                            <a:latin typeface="Cambria Math" panose="02040503050406030204" pitchFamily="18" charset="0"/>
-                          </a:rPr>
-                        </m:ctrlPr>
-                      </m:sSupPr>
-                      <m:e>
-                        <m:r>
-                          <a:rPr lang="en-GB" b="0" i="1" smtClean="0">
-                            <a:latin typeface="Cambria Math" panose="02040503050406030204" pitchFamily="18" charset="0"/>
-                          </a:rPr>
-                          <m:t>𝑎</m:t>
-                        </m:r>
-                      </m:e>
-                      <m:sup>
-                        <m:r>
-                          <a:rPr lang="en-GB" b="0" i="1" smtClean="0">
-                            <a:latin typeface="Cambria Math" panose="02040503050406030204" pitchFamily="18" charset="0"/>
-                          </a:rPr>
-                          <m:t>2</m:t>
-                        </m:r>
-                      </m:sup>
-                    </m:sSup>
-                    <m:r>
-                      <a:rPr lang="en-GB" b="0" i="1" smtClean="0">
-                        <a:latin typeface="Cambria Math" panose="02040503050406030204" pitchFamily="18" charset="0"/>
-                      </a:rPr>
-                      <m:t>+</m:t>
-                    </m:r>
-                    <m:sSup>
-                      <m:sSupPr>
-                        <m:ctrlPr>
-                          <a:rPr lang="en-GB" b="0" i="1" smtClean="0">
-                            <a:latin typeface="Cambria Math" panose="02040503050406030204" pitchFamily="18" charset="0"/>
-                          </a:rPr>
-                        </m:ctrlPr>
-                      </m:sSupPr>
-                      <m:e>
-                        <m:r>
-                          <a:rPr lang="en-GB" b="0" i="1" smtClean="0">
-                            <a:latin typeface="Cambria Math" panose="02040503050406030204" pitchFamily="18" charset="0"/>
-                          </a:rPr>
-                          <m:t>𝑏</m:t>
-                        </m:r>
-                      </m:e>
-                      <m:sup>
-                        <m:r>
-                          <a:rPr lang="en-GB" b="0" i="1" smtClean="0">
-                            <a:latin typeface="Cambria Math" panose="02040503050406030204" pitchFamily="18" charset="0"/>
-                          </a:rPr>
-                          <m:t>2</m:t>
-                        </m:r>
-                      </m:sup>
-                    </m:sSup>
-                    <m:r>
-                      <a:rPr lang="en-GB" b="0" i="1" smtClean="0">
-                        <a:latin typeface="Cambria Math" panose="02040503050406030204" pitchFamily="18" charset="0"/>
-                      </a:rPr>
-                      <m:t>=</m:t>
-                    </m:r>
-                    <m:sSup>
-                      <m:sSupPr>
-                        <m:ctrlPr>
-                          <a:rPr lang="en-GB" b="0" i="1" smtClean="0">
-                            <a:latin typeface="Cambria Math" panose="02040503050406030204" pitchFamily="18" charset="0"/>
-                          </a:rPr>
-                        </m:ctrlPr>
-                      </m:sSupPr>
-                      <m:e>
-                        <m:r>
-                          <a:rPr lang="en-GB" b="0" i="1" smtClean="0">
-                            <a:latin typeface="Cambria Math" panose="02040503050406030204" pitchFamily="18" charset="0"/>
-                          </a:rPr>
-                          <m:t>𝑐</m:t>
-                        </m:r>
-                      </m:e>
-                      <m:sup>
-                        <m:r>
-                          <a:rPr lang="en-GB" b="0" i="1" smtClean="0">
-                            <a:latin typeface="Cambria Math" panose="02040503050406030204" pitchFamily="18" charset="0"/>
-                          </a:rPr>
-                          <m:t>2</m:t>
-                        </m:r>
-                      </m:sup>
-                    </m:sSup>
-                    <m:r>
-                      <a:rPr lang="en-GB" b="0" i="1" smtClean="0">
-                        <a:latin typeface="Cambria Math" panose="02040503050406030204" pitchFamily="18" charset="0"/>
-                      </a:rPr>
-                      <m:t> </m:t>
-                    </m:r>
-                  </m:oMath>
-                </a14:m>
-                <a:r>
-                  <a:rPr lang="en-GB" dirty="0"/>
-                  <a:t>  (for right angled triangles)</a:t>
-                </a:r>
-              </a:p>
-            </p:txBody>
-          </p:sp>
-        </mc:Choice>
-        <mc:Fallback xmlns="">
-          <p:sp>
-            <p:nvSpPr>
-              <p:cNvPr id="3" name="Text Placeholder 2">
-                <a:extLst>
-                  <a:ext uri="{FF2B5EF4-FFF2-40B4-BE49-F238E27FC236}">
-                    <a16:creationId xmlns:a16="http://schemas.microsoft.com/office/drawing/2014/main" id="{935A5838-61F1-44A2-9405-B07C81475B74}"/>
-                  </a:ext>
-                </a:extLst>
-              </p:cNvPr>
-              <p:cNvSpPr>
-                <a:spLocks noGrp="1" noRot="1" noChangeAspect="1" noMove="1" noResize="1" noEditPoints="1" noAdjustHandles="1" noChangeArrowheads="1" noChangeShapeType="1" noTextEdit="1"/>
-              </p:cNvSpPr>
-              <p:nvPr>
-                <p:ph type="body" idx="1"/>
-              </p:nvPr>
-            </p:nvSpPr>
-            <p:spPr>
-              <a:blipFill>
-                <a:blip r:embed="rId3"/>
-                <a:stretch>
-                  <a:fillRect/>
-                </a:stretch>
-              </a:blipFill>
-            </p:spPr>
-            <p:txBody>
-              <a:bodyPr/>
-              <a:lstStyle/>
-              <a:p>
-                <a:r>
-                  <a:rPr lang="en-GB">
-                    <a:noFill/>
-                  </a:rPr>
-                  <a:t> </a:t>
-                </a:r>
-              </a:p>
-            </p:txBody>
-          </p:sp>
-        </mc:Fallback>
-      </mc:AlternateContent>
-      <p:pic>
-        <p:nvPicPr>
-          <p:cNvPr id="5" name="Picture 4">
-            <a:extLst>
-              <a:ext uri="{FF2B5EF4-FFF2-40B4-BE49-F238E27FC236}">
-                <a16:creationId xmlns:a16="http://schemas.microsoft.com/office/drawing/2014/main" id="{359AFAB9-01C0-4622-8DB8-C78EF4FE47EA}"/>
-              </a:ext>
-            </a:extLst>
-          </p:cNvPr>
-          <p:cNvPicPr>
-            <a:picLocks noChangeAspect="1"/>
-          </p:cNvPicPr>
-          <p:nvPr/>
-        </p:nvPicPr>
-        <p:blipFill>
-          <a:blip r:embed="rId4"/>
-          <a:stretch>
-            <a:fillRect/>
-          </a:stretch>
-        </p:blipFill>
-        <p:spPr>
-          <a:xfrm>
-            <a:off x="2671762" y="1691253"/>
-            <a:ext cx="3800475" cy="2962275"/>
-          </a:xfrm>
-          <a:prstGeom prst="rect">
-            <a:avLst/>
-          </a:prstGeom>
-        </p:spPr>
-      </p:pic>
-    </p:spTree>
-    <p:extLst>
-      <p:ext uri="{BB962C8B-B14F-4D97-AF65-F5344CB8AC3E}">
-        <p14:creationId xmlns:p14="http://schemas.microsoft.com/office/powerpoint/2010/main" val="2206059451"/>
-      </p:ext>
-    </p:extLst>
-  </p:cSld>
-  <p:clrMapOvr>
-    <a:masterClrMapping/>
-  </p:clrMapOvr>
-</p:sld>
-</file>
-
-<file path=ppt/slides/slide7.xml><?xml version="1.0" encoding="utf-8"?>
-<p:sld xmlns:a="http://schemas.openxmlformats.org/drawingml/2006/main" xmlns:r="http://schemas.openxmlformats.org/officeDocument/2006/relationships" xmlns:p="http://schemas.openxmlformats.org/presentationml/2006/main">
-  <p:cSld>
-    <p:spTree>
-      <p:nvGrpSpPr>
-        <p:cNvPr id="1" name="Shape 78"/>
-        <p:cNvGrpSpPr/>
-        <p:nvPr/>
-      </p:nvGrpSpPr>
-      <p:grpSpPr>
-        <a:xfrm>
-          <a:off x="0" y="0"/>
-          <a:ext cx="0" cy="0"/>
-          <a:chOff x="0" y="0"/>
-          <a:chExt cx="0" cy="0"/>
-        </a:xfrm>
-      </p:grpSpPr>
-      <p:sp>
-        <p:nvSpPr>
-          <p:cNvPr id="79" name="Google Shape;79;p17"/>
-          <p:cNvSpPr txBox="1">
-            <a:spLocks noGrp="1"/>
-          </p:cNvSpPr>
-          <p:nvPr>
-            <p:ph type="ctrTitle"/>
-          </p:nvPr>
-        </p:nvSpPr>
-        <p:spPr>
-          <a:xfrm>
-            <a:off x="311708" y="744575"/>
-            <a:ext cx="8520600" cy="2052600"/>
-          </a:xfrm>
-          <a:prstGeom prst="rect">
-            <a:avLst/>
-          </a:prstGeom>
-        </p:spPr>
-        <p:txBody>
-          <a:bodyPr spcFirstLastPara="1" wrap="square" lIns="91425" tIns="91425" rIns="91425" bIns="91425" anchor="b" anchorCtr="0">
-            <a:normAutofit/>
-          </a:bodyPr>
-          <a:lstStyle/>
-          <a:p>
-            <a:pPr marL="0" lvl="0" indent="0" algn="ctr" rtl="0">
-              <a:spcBef>
-                <a:spcPts val="0"/>
-              </a:spcBef>
-              <a:spcAft>
-                <a:spcPts val="0"/>
-              </a:spcAft>
-              <a:buNone/>
-            </a:pPr>
-            <a:r>
-              <a:rPr lang="en"/>
-              <a:t>Any Questions?</a:t>
-            </a:r>
-            <a:endParaRPr/>
-          </a:p>
-        </p:txBody>
-      </p:sp>
-      <p:sp>
-        <p:nvSpPr>
-          <p:cNvPr id="80" name="Google Shape;80;p17"/>
-          <p:cNvSpPr txBox="1">
-            <a:spLocks noGrp="1"/>
-          </p:cNvSpPr>
-          <p:nvPr>
-            <p:ph type="subTitle" idx="1"/>
-          </p:nvPr>
-        </p:nvSpPr>
-        <p:spPr>
-          <a:xfrm>
-            <a:off x="311700" y="2834125"/>
-            <a:ext cx="8520600" cy="792600"/>
-          </a:xfrm>
-          <a:prstGeom prst="rect">
-            <a:avLst/>
-          </a:prstGeom>
-        </p:spPr>
-        <p:txBody>
-          <a:bodyPr spcFirstLastPara="1" wrap="square" lIns="91425" tIns="91425" rIns="91425" bIns="91425" anchor="t" anchorCtr="0">
-            <a:normAutofit/>
-          </a:bodyPr>
-          <a:lstStyle/>
-          <a:p>
-            <a:pPr marL="0" lvl="0" indent="0" algn="ctr" rtl="0">
-              <a:spcBef>
-                <a:spcPts val="0"/>
-              </a:spcBef>
-              <a:spcAft>
-                <a:spcPts val="0"/>
-              </a:spcAft>
-              <a:buNone/>
-            </a:pPr>
-            <a:r>
-              <a:rPr lang="en"/>
-              <a:t>Let’s do a mini-quiz..[2]</a:t>
-            </a:r>
-            <a:endParaRPr/>
-          </a:p>
-        </p:txBody>
-      </p:sp>
-      <p:cxnSp>
-        <p:nvCxnSpPr>
-          <p:cNvPr id="81" name="Google Shape;81;p17"/>
-          <p:cNvCxnSpPr/>
-          <p:nvPr/>
-        </p:nvCxnSpPr>
-        <p:spPr>
-          <a:xfrm>
-            <a:off x="339675" y="2782025"/>
-            <a:ext cx="8515800" cy="0"/>
-          </a:xfrm>
-          <a:prstGeom prst="straightConnector1">
-            <a:avLst/>
-          </a:prstGeom>
-          <a:noFill/>
-          <a:ln w="9525" cap="flat" cmpd="sng">
-            <a:solidFill>
-              <a:schemeClr val="dk2"/>
-            </a:solidFill>
-            <a:prstDash val="solid"/>
-            <a:round/>
-            <a:headEnd type="none" w="med" len="med"/>
-            <a:tailEnd type="none" w="med" len="med"/>
-          </a:ln>
-        </p:spPr>
-      </p:cxnSp>
-    </p:spTree>
-  </p:cSld>
-  <p:clrMapOvr>
-    <a:masterClrMapping/>
-  </p:clrMapOvr>
-</p:sld>
-</file>
-
-<file path=ppt/slides/slide8.xml><?xml version="1.0" encoding="utf-8"?>
-<p:sld xmlns:a="http://schemas.openxmlformats.org/drawingml/2006/main" xmlns:r="http://schemas.openxmlformats.org/officeDocument/2006/relationships" xmlns:p="http://schemas.openxmlformats.org/presentationml/2006/main">
-  <p:cSld>
-    <p:spTree>
-      <p:nvGrpSpPr>
-        <p:cNvPr id="1" name="Shape 59"/>
-        <p:cNvGrpSpPr/>
-        <p:nvPr/>
-      </p:nvGrpSpPr>
-      <p:grpSpPr>
-        <a:xfrm>
-          <a:off x="0" y="0"/>
-          <a:ext cx="0" cy="0"/>
-          <a:chOff x="0" y="0"/>
-          <a:chExt cx="0" cy="0"/>
-        </a:xfrm>
-      </p:grpSpPr>
-      <p:sp>
-        <p:nvSpPr>
-          <p:cNvPr id="60" name="Google Shape;60;p14"/>
-          <p:cNvSpPr txBox="1">
-            <a:spLocks noGrp="1"/>
-          </p:cNvSpPr>
-          <p:nvPr>
-            <p:ph type="title"/>
-          </p:nvPr>
-        </p:nvSpPr>
-        <p:spPr>
-          <a:xfrm>
-            <a:off x="311700" y="445025"/>
-            <a:ext cx="8520600" cy="572700"/>
-          </a:xfrm>
-          <a:prstGeom prst="rect">
-            <a:avLst/>
-          </a:prstGeom>
-        </p:spPr>
-        <p:txBody>
-          <a:bodyPr spcFirstLastPara="1" wrap="square" lIns="91425" tIns="91425" rIns="91425" bIns="91425" anchor="t" anchorCtr="0">
-            <a:noAutofit/>
-          </a:bodyPr>
-          <a:lstStyle/>
-          <a:p>
-            <a:pPr marL="0" lvl="0" indent="0" algn="l" rtl="0">
-              <a:spcBef>
-                <a:spcPts val="0"/>
-              </a:spcBef>
-              <a:spcAft>
-                <a:spcPts val="0"/>
-              </a:spcAft>
-              <a:buNone/>
-            </a:pPr>
-            <a:r>
-              <a:rPr lang="en" sz="3600" dirty="0">
-                <a:latin typeface="Verdana"/>
-                <a:ea typeface="Verdana"/>
-                <a:cs typeface="Verdana"/>
-                <a:sym typeface="Verdana"/>
-              </a:rPr>
-              <a:t>Contents</a:t>
-            </a:r>
-            <a:endParaRPr sz="3600" dirty="0"/>
-          </a:p>
-        </p:txBody>
-      </p:sp>
-      <p:sp>
-        <p:nvSpPr>
-          <p:cNvPr id="61" name="Google Shape;61;p14"/>
-          <p:cNvSpPr txBox="1">
-            <a:spLocks noGrp="1"/>
-          </p:cNvSpPr>
-          <p:nvPr>
-            <p:ph type="body" idx="1"/>
-          </p:nvPr>
-        </p:nvSpPr>
-        <p:spPr>
-          <a:xfrm>
-            <a:off x="311700" y="1152475"/>
-            <a:ext cx="8520600" cy="3416400"/>
-          </a:xfrm>
-          <a:prstGeom prst="rect">
-            <a:avLst/>
-          </a:prstGeom>
-        </p:spPr>
-        <p:txBody>
-          <a:bodyPr spcFirstLastPara="1" wrap="square" lIns="91425" tIns="91425" rIns="91425" bIns="91425" anchor="t" anchorCtr="0">
-            <a:normAutofit/>
-          </a:bodyPr>
-          <a:lstStyle/>
-          <a:p>
-            <a:pPr marL="457200" lvl="0" indent="-381000" algn="l" rtl="0">
-              <a:spcBef>
-                <a:spcPts val="1200"/>
-              </a:spcBef>
-              <a:spcAft>
-                <a:spcPts val="0"/>
-              </a:spcAft>
-              <a:buClr>
-                <a:schemeClr val="dk1"/>
-              </a:buClr>
-              <a:buSzPts val="2400"/>
-              <a:buChar char="●"/>
-            </a:pPr>
-            <a:r>
-              <a:rPr lang="en-GB" sz="2400" dirty="0">
-                <a:solidFill>
-                  <a:schemeClr val="dk1"/>
-                </a:solidFill>
-                <a:latin typeface="Verdana"/>
-                <a:ea typeface="Verdana"/>
-                <a:cs typeface="Verdana"/>
-                <a:sym typeface="Verdana"/>
-              </a:rPr>
-              <a:t>Pythagoras Theorem</a:t>
-            </a:r>
-            <a:endParaRPr sz="2400" dirty="0">
-              <a:solidFill>
-                <a:schemeClr val="dk1"/>
-              </a:solidFill>
-              <a:latin typeface="Verdana"/>
-              <a:ea typeface="Verdana"/>
-              <a:cs typeface="Verdana"/>
-              <a:sym typeface="Verdana"/>
-            </a:endParaRPr>
-          </a:p>
-          <a:p>
-            <a:pPr marL="457200" lvl="0" indent="-381000" algn="l" rtl="0">
-              <a:spcBef>
-                <a:spcPts val="0"/>
-              </a:spcBef>
-              <a:spcAft>
-                <a:spcPts val="0"/>
-              </a:spcAft>
-              <a:buClr>
-                <a:schemeClr val="dk1"/>
-              </a:buClr>
-              <a:buSzPts val="2400"/>
-              <a:buChar char="●"/>
-            </a:pPr>
-            <a:r>
-              <a:rPr lang="en-GB" sz="2400" dirty="0">
-                <a:solidFill>
-                  <a:srgbClr val="FF0000"/>
-                </a:solidFill>
-                <a:latin typeface="Verdana"/>
-                <a:ea typeface="Verdana"/>
-                <a:cs typeface="Verdana"/>
-                <a:sym typeface="Verdana"/>
-              </a:rPr>
-              <a:t>Trigonometric Ratios</a:t>
-            </a:r>
-          </a:p>
-          <a:p>
-            <a:pPr marL="457200" lvl="0" indent="-381000" algn="l" rtl="0">
-              <a:spcBef>
-                <a:spcPts val="0"/>
-              </a:spcBef>
-              <a:spcAft>
-                <a:spcPts val="0"/>
-              </a:spcAft>
-              <a:buClr>
-                <a:schemeClr val="dk1"/>
-              </a:buClr>
-              <a:buSzPts val="2400"/>
-              <a:buChar char="●"/>
-            </a:pPr>
-            <a:r>
-              <a:rPr lang="en-GB" sz="2400" dirty="0">
-                <a:solidFill>
-                  <a:schemeClr val="dk1"/>
-                </a:solidFill>
-                <a:latin typeface="Verdana"/>
-                <a:ea typeface="Verdana"/>
-                <a:cs typeface="Verdana"/>
-                <a:sym typeface="Verdana"/>
-              </a:rPr>
-              <a:t>Radian measurement</a:t>
-            </a:r>
-            <a:endParaRPr sz="2400" dirty="0">
-              <a:solidFill>
-                <a:schemeClr val="dk1"/>
-              </a:solidFill>
-              <a:latin typeface="Verdana"/>
-              <a:ea typeface="Verdana"/>
-              <a:cs typeface="Verdana"/>
-              <a:sym typeface="Verdana"/>
-            </a:endParaRPr>
-          </a:p>
-          <a:p>
-            <a:pPr marL="457200" lvl="0" indent="0" algn="l" rtl="0">
-              <a:spcBef>
-                <a:spcPts val="1200"/>
-              </a:spcBef>
-              <a:spcAft>
-                <a:spcPts val="0"/>
-              </a:spcAft>
-              <a:buNone/>
-            </a:pPr>
-            <a:endParaRPr sz="2400" dirty="0">
-              <a:solidFill>
-                <a:schemeClr val="dk1"/>
-              </a:solidFill>
-              <a:latin typeface="Verdana"/>
-              <a:ea typeface="Verdana"/>
-              <a:cs typeface="Verdana"/>
-              <a:sym typeface="Verdana"/>
-            </a:endParaRPr>
-          </a:p>
-          <a:p>
-            <a:pPr marL="0" lvl="0" indent="0" algn="l" rtl="0">
-              <a:spcBef>
-                <a:spcPts val="1200"/>
-              </a:spcBef>
-              <a:spcAft>
-                <a:spcPts val="1200"/>
-              </a:spcAft>
-              <a:buNone/>
-            </a:pPr>
-            <a:endParaRPr sz="2400" dirty="0"/>
-          </a:p>
-        </p:txBody>
-      </p:sp>
-    </p:spTree>
-    <p:extLst>
-      <p:ext uri="{BB962C8B-B14F-4D97-AF65-F5344CB8AC3E}">
-        <p14:creationId xmlns:p14="http://schemas.microsoft.com/office/powerpoint/2010/main" val="3479393232"/>
-      </p:ext>
-    </p:extLst>
-  </p:cSld>
-  <p:clrMapOvr>
-    <a:masterClrMapping/>
-  </p:clrMapOvr>
-</p:sld>
-</file>
-
-<file path=ppt/slides/slide9.xml><?xml version="1.0" encoding="utf-8"?>
-<p:sld xmlns:a="http://schemas.openxmlformats.org/drawingml/2006/main" xmlns:r="http://schemas.openxmlformats.org/officeDocument/2006/relationships" xmlns:p="http://schemas.openxmlformats.org/presentationml/2006/main">
-  <p:cSld>
-    <p:spTree>
-      <p:nvGrpSpPr>
         <p:cNvPr id="1" name="Shape 91"/>
         <p:cNvGrpSpPr/>
         <p:nvPr/>
@@ -11504,6 +10522,3319 @@
       </p:par>
     </p:tnLst>
   </p:timing>
+</p:sld>
+</file>
+
+<file path=ppt/slides/slide11.xml><?xml version="1.0" encoding="utf-8"?>
+<p:sld xmlns:a="http://schemas.openxmlformats.org/drawingml/2006/main" xmlns:r="http://schemas.openxmlformats.org/officeDocument/2006/relationships" xmlns:p="http://schemas.openxmlformats.org/presentationml/2006/main">
+  <p:cSld>
+    <p:spTree>
+      <p:nvGrpSpPr>
+        <p:cNvPr id="1" name="Shape 91"/>
+        <p:cNvGrpSpPr/>
+        <p:nvPr/>
+      </p:nvGrpSpPr>
+      <p:grpSpPr>
+        <a:xfrm>
+          <a:off x="0" y="0"/>
+          <a:ext cx="0" cy="0"/>
+          <a:chOff x="0" y="0"/>
+          <a:chExt cx="0" cy="0"/>
+        </a:xfrm>
+      </p:grpSpPr>
+      <p:sp>
+        <p:nvSpPr>
+          <p:cNvPr id="92" name="Google Shape;92;p19"/>
+          <p:cNvSpPr txBox="1">
+            <a:spLocks noGrp="1"/>
+          </p:cNvSpPr>
+          <p:nvPr>
+            <p:ph type="title"/>
+          </p:nvPr>
+        </p:nvSpPr>
+        <p:spPr>
+          <a:xfrm>
+            <a:off x="152400" y="127284"/>
+            <a:ext cx="8520600" cy="572700"/>
+          </a:xfrm>
+          <a:prstGeom prst="rect">
+            <a:avLst/>
+          </a:prstGeom>
+        </p:spPr>
+        <p:txBody>
+          <a:bodyPr spcFirstLastPara="1" wrap="square" lIns="91425" tIns="91425" rIns="91425" bIns="91425" anchor="t" anchorCtr="0">
+            <a:noAutofit/>
+          </a:bodyPr>
+          <a:lstStyle/>
+          <a:p>
+            <a:pPr marL="0" lvl="0" indent="0" algn="l" rtl="0">
+              <a:spcBef>
+                <a:spcPts val="0"/>
+              </a:spcBef>
+              <a:spcAft>
+                <a:spcPts val="0"/>
+              </a:spcAft>
+              <a:buNone/>
+            </a:pPr>
+            <a:r>
+              <a:rPr lang="en" sz="3600" dirty="0">
+                <a:latin typeface="Verdana"/>
+                <a:ea typeface="Verdana"/>
+                <a:cs typeface="Verdana"/>
+                <a:sym typeface="Verdana"/>
+              </a:rPr>
+              <a:t>Trigonometric Ratios</a:t>
+            </a:r>
+            <a:endParaRPr sz="3600" dirty="0"/>
+          </a:p>
+        </p:txBody>
+      </p:sp>
+      <p:pic>
+        <p:nvPicPr>
+          <p:cNvPr id="5" name="Picture 4">
+            <a:extLst>
+              <a:ext uri="{FF2B5EF4-FFF2-40B4-BE49-F238E27FC236}">
+                <a16:creationId xmlns:a16="http://schemas.microsoft.com/office/drawing/2014/main" id="{440E680B-CEA1-48F5-BD15-0EEE9633B49D}"/>
+              </a:ext>
+            </a:extLst>
+          </p:cNvPr>
+          <p:cNvPicPr>
+            <a:picLocks noChangeAspect="1"/>
+          </p:cNvPicPr>
+          <p:nvPr/>
+        </p:nvPicPr>
+        <p:blipFill>
+          <a:blip r:embed="rId3"/>
+          <a:stretch>
+            <a:fillRect/>
+          </a:stretch>
+        </p:blipFill>
+        <p:spPr>
+          <a:xfrm>
+            <a:off x="1249086" y="894701"/>
+            <a:ext cx="6327228" cy="3842214"/>
+          </a:xfrm>
+          <a:prstGeom prst="rect">
+            <a:avLst/>
+          </a:prstGeom>
+        </p:spPr>
+      </p:pic>
+    </p:spTree>
+    <p:extLst>
+      <p:ext uri="{BB962C8B-B14F-4D97-AF65-F5344CB8AC3E}">
+        <p14:creationId xmlns:p14="http://schemas.microsoft.com/office/powerpoint/2010/main" val="1034644042"/>
+      </p:ext>
+    </p:extLst>
+  </p:cSld>
+  <p:clrMapOvr>
+    <a:masterClrMapping/>
+  </p:clrMapOvr>
+</p:sld>
+</file>
+
+<file path=ppt/slides/slide12.xml><?xml version="1.0" encoding="utf-8"?>
+<p:sld xmlns:a="http://schemas.openxmlformats.org/drawingml/2006/main" xmlns:r="http://schemas.openxmlformats.org/officeDocument/2006/relationships" xmlns:p="http://schemas.openxmlformats.org/presentationml/2006/main">
+  <p:cSld>
+    <p:spTree>
+      <p:nvGrpSpPr>
+        <p:cNvPr id="1" name="Shape 91"/>
+        <p:cNvGrpSpPr/>
+        <p:nvPr/>
+      </p:nvGrpSpPr>
+      <p:grpSpPr>
+        <a:xfrm>
+          <a:off x="0" y="0"/>
+          <a:ext cx="0" cy="0"/>
+          <a:chOff x="0" y="0"/>
+          <a:chExt cx="0" cy="0"/>
+        </a:xfrm>
+      </p:grpSpPr>
+      <p:sp>
+        <p:nvSpPr>
+          <p:cNvPr id="92" name="Google Shape;92;p19"/>
+          <p:cNvSpPr txBox="1">
+            <a:spLocks noGrp="1"/>
+          </p:cNvSpPr>
+          <p:nvPr>
+            <p:ph type="title"/>
+          </p:nvPr>
+        </p:nvSpPr>
+        <p:spPr>
+          <a:xfrm>
+            <a:off x="152400" y="127284"/>
+            <a:ext cx="8520600" cy="572700"/>
+          </a:xfrm>
+          <a:prstGeom prst="rect">
+            <a:avLst/>
+          </a:prstGeom>
+        </p:spPr>
+        <p:txBody>
+          <a:bodyPr spcFirstLastPara="1" wrap="square" lIns="91425" tIns="91425" rIns="91425" bIns="91425" anchor="t" anchorCtr="0">
+            <a:noAutofit/>
+          </a:bodyPr>
+          <a:lstStyle/>
+          <a:p>
+            <a:pPr marL="0" lvl="0" indent="0" algn="l" rtl="0">
+              <a:spcBef>
+                <a:spcPts val="0"/>
+              </a:spcBef>
+              <a:spcAft>
+                <a:spcPts val="0"/>
+              </a:spcAft>
+              <a:buNone/>
+            </a:pPr>
+            <a:r>
+              <a:rPr lang="en" sz="3600" dirty="0">
+                <a:latin typeface="Verdana"/>
+                <a:ea typeface="Verdana"/>
+                <a:cs typeface="Verdana"/>
+                <a:sym typeface="Verdana"/>
+              </a:rPr>
+              <a:t>Trigonometric Ratios</a:t>
+            </a:r>
+            <a:endParaRPr sz="3600" dirty="0"/>
+          </a:p>
+        </p:txBody>
+      </p:sp>
+      <p:pic>
+        <p:nvPicPr>
+          <p:cNvPr id="3" name="Picture 2">
+            <a:extLst>
+              <a:ext uri="{FF2B5EF4-FFF2-40B4-BE49-F238E27FC236}">
+                <a16:creationId xmlns:a16="http://schemas.microsoft.com/office/drawing/2014/main" id="{1AE0D65C-D410-4C78-A143-30BEE7FA4BAF}"/>
+              </a:ext>
+            </a:extLst>
+          </p:cNvPr>
+          <p:cNvPicPr>
+            <a:picLocks noChangeAspect="1"/>
+          </p:cNvPicPr>
+          <p:nvPr/>
+        </p:nvPicPr>
+        <p:blipFill>
+          <a:blip r:embed="rId3"/>
+          <a:stretch>
+            <a:fillRect/>
+          </a:stretch>
+        </p:blipFill>
+        <p:spPr>
+          <a:xfrm>
+            <a:off x="1681656" y="825625"/>
+            <a:ext cx="5780688" cy="3492250"/>
+          </a:xfrm>
+          <a:prstGeom prst="rect">
+            <a:avLst/>
+          </a:prstGeom>
+        </p:spPr>
+      </p:pic>
+    </p:spTree>
+    <p:extLst>
+      <p:ext uri="{BB962C8B-B14F-4D97-AF65-F5344CB8AC3E}">
+        <p14:creationId xmlns:p14="http://schemas.microsoft.com/office/powerpoint/2010/main" val="1276788790"/>
+      </p:ext>
+    </p:extLst>
+  </p:cSld>
+  <p:clrMapOvr>
+    <a:masterClrMapping/>
+  </p:clrMapOvr>
+</p:sld>
+</file>
+
+<file path=ppt/slides/slide13.xml><?xml version="1.0" encoding="utf-8"?>
+<p:sld xmlns:a="http://schemas.openxmlformats.org/drawingml/2006/main" xmlns:r="http://schemas.openxmlformats.org/officeDocument/2006/relationships" xmlns:p="http://schemas.openxmlformats.org/presentationml/2006/main">
+  <p:cSld>
+    <p:spTree>
+      <p:nvGrpSpPr>
+        <p:cNvPr id="1" name="Shape 91"/>
+        <p:cNvGrpSpPr/>
+        <p:nvPr/>
+      </p:nvGrpSpPr>
+      <p:grpSpPr>
+        <a:xfrm>
+          <a:off x="0" y="0"/>
+          <a:ext cx="0" cy="0"/>
+          <a:chOff x="0" y="0"/>
+          <a:chExt cx="0" cy="0"/>
+        </a:xfrm>
+      </p:grpSpPr>
+      <p:sp>
+        <p:nvSpPr>
+          <p:cNvPr id="92" name="Google Shape;92;p19"/>
+          <p:cNvSpPr txBox="1">
+            <a:spLocks noGrp="1"/>
+          </p:cNvSpPr>
+          <p:nvPr>
+            <p:ph type="title"/>
+          </p:nvPr>
+        </p:nvSpPr>
+        <p:spPr>
+          <a:xfrm>
+            <a:off x="152400" y="127284"/>
+            <a:ext cx="8520600" cy="572700"/>
+          </a:xfrm>
+          <a:prstGeom prst="rect">
+            <a:avLst/>
+          </a:prstGeom>
+        </p:spPr>
+        <p:txBody>
+          <a:bodyPr spcFirstLastPara="1" wrap="square" lIns="91425" tIns="91425" rIns="91425" bIns="91425" anchor="t" anchorCtr="0">
+            <a:noAutofit/>
+          </a:bodyPr>
+          <a:lstStyle/>
+          <a:p>
+            <a:pPr marL="0" lvl="0" indent="0" algn="l" rtl="0">
+              <a:spcBef>
+                <a:spcPts val="0"/>
+              </a:spcBef>
+              <a:spcAft>
+                <a:spcPts val="0"/>
+              </a:spcAft>
+              <a:buNone/>
+            </a:pPr>
+            <a:r>
+              <a:rPr lang="en" sz="3600" dirty="0">
+                <a:latin typeface="Verdana"/>
+                <a:ea typeface="Verdana"/>
+                <a:cs typeface="Verdana"/>
+                <a:sym typeface="Verdana"/>
+              </a:rPr>
+              <a:t>Trigonometric Ratios</a:t>
+            </a:r>
+            <a:endParaRPr sz="3600" dirty="0"/>
+          </a:p>
+        </p:txBody>
+      </p:sp>
+      <p:pic>
+        <p:nvPicPr>
+          <p:cNvPr id="4" name="Picture 3">
+            <a:extLst>
+              <a:ext uri="{FF2B5EF4-FFF2-40B4-BE49-F238E27FC236}">
+                <a16:creationId xmlns:a16="http://schemas.microsoft.com/office/drawing/2014/main" id="{036865C9-4690-4976-B5CD-17315B92B376}"/>
+              </a:ext>
+            </a:extLst>
+          </p:cNvPr>
+          <p:cNvPicPr>
+            <a:picLocks noChangeAspect="1"/>
+          </p:cNvPicPr>
+          <p:nvPr/>
+        </p:nvPicPr>
+        <p:blipFill>
+          <a:blip r:embed="rId3"/>
+          <a:stretch>
+            <a:fillRect/>
+          </a:stretch>
+        </p:blipFill>
+        <p:spPr>
+          <a:xfrm>
+            <a:off x="1545021" y="917679"/>
+            <a:ext cx="6053958" cy="3308142"/>
+          </a:xfrm>
+          <a:prstGeom prst="rect">
+            <a:avLst/>
+          </a:prstGeom>
+        </p:spPr>
+      </p:pic>
+    </p:spTree>
+    <p:extLst>
+      <p:ext uri="{BB962C8B-B14F-4D97-AF65-F5344CB8AC3E}">
+        <p14:creationId xmlns:p14="http://schemas.microsoft.com/office/powerpoint/2010/main" val="952761554"/>
+      </p:ext>
+    </p:extLst>
+  </p:cSld>
+  <p:clrMapOvr>
+    <a:masterClrMapping/>
+  </p:clrMapOvr>
+</p:sld>
+</file>
+
+<file path=ppt/slides/slide14.xml><?xml version="1.0" encoding="utf-8"?>
+<p:sld xmlns:a="http://schemas.openxmlformats.org/drawingml/2006/main" xmlns:r="http://schemas.openxmlformats.org/officeDocument/2006/relationships" xmlns:p="http://schemas.openxmlformats.org/presentationml/2006/main">
+  <p:cSld>
+    <p:spTree>
+      <p:nvGrpSpPr>
+        <p:cNvPr id="1" name="Shape 91"/>
+        <p:cNvGrpSpPr/>
+        <p:nvPr/>
+      </p:nvGrpSpPr>
+      <p:grpSpPr>
+        <a:xfrm>
+          <a:off x="0" y="0"/>
+          <a:ext cx="0" cy="0"/>
+          <a:chOff x="0" y="0"/>
+          <a:chExt cx="0" cy="0"/>
+        </a:xfrm>
+      </p:grpSpPr>
+      <p:sp>
+        <p:nvSpPr>
+          <p:cNvPr id="92" name="Google Shape;92;p19"/>
+          <p:cNvSpPr txBox="1">
+            <a:spLocks noGrp="1"/>
+          </p:cNvSpPr>
+          <p:nvPr>
+            <p:ph type="title"/>
+          </p:nvPr>
+        </p:nvSpPr>
+        <p:spPr>
+          <a:xfrm>
+            <a:off x="152400" y="127284"/>
+            <a:ext cx="8520600" cy="572700"/>
+          </a:xfrm>
+          <a:prstGeom prst="rect">
+            <a:avLst/>
+          </a:prstGeom>
+        </p:spPr>
+        <p:txBody>
+          <a:bodyPr spcFirstLastPara="1" wrap="square" lIns="91425" tIns="91425" rIns="91425" bIns="91425" anchor="t" anchorCtr="0">
+            <a:noAutofit/>
+          </a:bodyPr>
+          <a:lstStyle/>
+          <a:p>
+            <a:pPr marL="0" lvl="0" indent="0" algn="l" rtl="0">
+              <a:spcBef>
+                <a:spcPts val="0"/>
+              </a:spcBef>
+              <a:spcAft>
+                <a:spcPts val="0"/>
+              </a:spcAft>
+              <a:buNone/>
+            </a:pPr>
+            <a:r>
+              <a:rPr lang="en" sz="3600" dirty="0">
+                <a:latin typeface="Verdana"/>
+                <a:ea typeface="Verdana"/>
+                <a:cs typeface="Verdana"/>
+                <a:sym typeface="Verdana"/>
+              </a:rPr>
+              <a:t>Sine Graph</a:t>
+            </a:r>
+            <a:endParaRPr sz="3600" dirty="0"/>
+          </a:p>
+        </p:txBody>
+      </p:sp>
+      <p:pic>
+        <p:nvPicPr>
+          <p:cNvPr id="6" name="Picture 5">
+            <a:extLst>
+              <a:ext uri="{FF2B5EF4-FFF2-40B4-BE49-F238E27FC236}">
+                <a16:creationId xmlns:a16="http://schemas.microsoft.com/office/drawing/2014/main" id="{2E098D71-2FB4-48C8-A175-A68271D04681}"/>
+              </a:ext>
+            </a:extLst>
+          </p:cNvPr>
+          <p:cNvPicPr>
+            <a:picLocks noChangeAspect="1"/>
+          </p:cNvPicPr>
+          <p:nvPr/>
+        </p:nvPicPr>
+        <p:blipFill>
+          <a:blip r:embed="rId3"/>
+          <a:stretch>
+            <a:fillRect/>
+          </a:stretch>
+        </p:blipFill>
+        <p:spPr>
+          <a:xfrm>
+            <a:off x="830758" y="960383"/>
+            <a:ext cx="7482484" cy="3222734"/>
+          </a:xfrm>
+          <a:prstGeom prst="rect">
+            <a:avLst/>
+          </a:prstGeom>
+        </p:spPr>
+      </p:pic>
+    </p:spTree>
+    <p:extLst>
+      <p:ext uri="{BB962C8B-B14F-4D97-AF65-F5344CB8AC3E}">
+        <p14:creationId xmlns:p14="http://schemas.microsoft.com/office/powerpoint/2010/main" val="950613664"/>
+      </p:ext>
+    </p:extLst>
+  </p:cSld>
+  <p:clrMapOvr>
+    <a:masterClrMapping/>
+  </p:clrMapOvr>
+</p:sld>
+</file>
+
+<file path=ppt/slides/slide15.xml><?xml version="1.0" encoding="utf-8"?>
+<p:sld xmlns:a="http://schemas.openxmlformats.org/drawingml/2006/main" xmlns:r="http://schemas.openxmlformats.org/officeDocument/2006/relationships" xmlns:p="http://schemas.openxmlformats.org/presentationml/2006/main">
+  <p:cSld>
+    <p:spTree>
+      <p:nvGrpSpPr>
+        <p:cNvPr id="1" name="Shape 91"/>
+        <p:cNvGrpSpPr/>
+        <p:nvPr/>
+      </p:nvGrpSpPr>
+      <p:grpSpPr>
+        <a:xfrm>
+          <a:off x="0" y="0"/>
+          <a:ext cx="0" cy="0"/>
+          <a:chOff x="0" y="0"/>
+          <a:chExt cx="0" cy="0"/>
+        </a:xfrm>
+      </p:grpSpPr>
+      <p:sp>
+        <p:nvSpPr>
+          <p:cNvPr id="92" name="Google Shape;92;p19"/>
+          <p:cNvSpPr txBox="1">
+            <a:spLocks noGrp="1"/>
+          </p:cNvSpPr>
+          <p:nvPr>
+            <p:ph type="title"/>
+          </p:nvPr>
+        </p:nvSpPr>
+        <p:spPr>
+          <a:xfrm>
+            <a:off x="152400" y="127284"/>
+            <a:ext cx="8520600" cy="572700"/>
+          </a:xfrm>
+          <a:prstGeom prst="rect">
+            <a:avLst/>
+          </a:prstGeom>
+        </p:spPr>
+        <p:txBody>
+          <a:bodyPr spcFirstLastPara="1" wrap="square" lIns="91425" tIns="91425" rIns="91425" bIns="91425" anchor="t" anchorCtr="0">
+            <a:noAutofit/>
+          </a:bodyPr>
+          <a:lstStyle/>
+          <a:p>
+            <a:pPr marL="0" lvl="0" indent="0" algn="l" rtl="0">
+              <a:spcBef>
+                <a:spcPts val="0"/>
+              </a:spcBef>
+              <a:spcAft>
+                <a:spcPts val="0"/>
+              </a:spcAft>
+              <a:buNone/>
+            </a:pPr>
+            <a:r>
+              <a:rPr lang="en" sz="3600" dirty="0">
+                <a:latin typeface="Verdana"/>
+                <a:ea typeface="Verdana"/>
+                <a:cs typeface="Verdana"/>
+                <a:sym typeface="Verdana"/>
+              </a:rPr>
+              <a:t>Cosine Graph</a:t>
+            </a:r>
+            <a:endParaRPr sz="3600" dirty="0"/>
+          </a:p>
+        </p:txBody>
+      </p:sp>
+      <p:pic>
+        <p:nvPicPr>
+          <p:cNvPr id="4" name="Picture 3">
+            <a:extLst>
+              <a:ext uri="{FF2B5EF4-FFF2-40B4-BE49-F238E27FC236}">
+                <a16:creationId xmlns:a16="http://schemas.microsoft.com/office/drawing/2014/main" id="{86126D09-20CD-4ED9-88CF-77BB62A62713}"/>
+              </a:ext>
+            </a:extLst>
+          </p:cNvPr>
+          <p:cNvPicPr>
+            <a:picLocks noChangeAspect="1"/>
+          </p:cNvPicPr>
+          <p:nvPr/>
+        </p:nvPicPr>
+        <p:blipFill>
+          <a:blip r:embed="rId3"/>
+          <a:stretch>
+            <a:fillRect/>
+          </a:stretch>
+        </p:blipFill>
+        <p:spPr>
+          <a:xfrm>
+            <a:off x="1796888" y="823748"/>
+            <a:ext cx="5550224" cy="3496004"/>
+          </a:xfrm>
+          <a:prstGeom prst="rect">
+            <a:avLst/>
+          </a:prstGeom>
+        </p:spPr>
+      </p:pic>
+    </p:spTree>
+    <p:extLst>
+      <p:ext uri="{BB962C8B-B14F-4D97-AF65-F5344CB8AC3E}">
+        <p14:creationId xmlns:p14="http://schemas.microsoft.com/office/powerpoint/2010/main" val="4285901747"/>
+      </p:ext>
+    </p:extLst>
+  </p:cSld>
+  <p:clrMapOvr>
+    <a:masterClrMapping/>
+  </p:clrMapOvr>
+</p:sld>
+</file>
+
+<file path=ppt/slides/slide16.xml><?xml version="1.0" encoding="utf-8"?>
+<p:sld xmlns:a="http://schemas.openxmlformats.org/drawingml/2006/main" xmlns:r="http://schemas.openxmlformats.org/officeDocument/2006/relationships" xmlns:p="http://schemas.openxmlformats.org/presentationml/2006/main">
+  <p:cSld>
+    <p:spTree>
+      <p:nvGrpSpPr>
+        <p:cNvPr id="1" name="Shape 91"/>
+        <p:cNvGrpSpPr/>
+        <p:nvPr/>
+      </p:nvGrpSpPr>
+      <p:grpSpPr>
+        <a:xfrm>
+          <a:off x="0" y="0"/>
+          <a:ext cx="0" cy="0"/>
+          <a:chOff x="0" y="0"/>
+          <a:chExt cx="0" cy="0"/>
+        </a:xfrm>
+      </p:grpSpPr>
+      <p:sp>
+        <p:nvSpPr>
+          <p:cNvPr id="92" name="Google Shape;92;p19"/>
+          <p:cNvSpPr txBox="1">
+            <a:spLocks noGrp="1"/>
+          </p:cNvSpPr>
+          <p:nvPr>
+            <p:ph type="title"/>
+          </p:nvPr>
+        </p:nvSpPr>
+        <p:spPr>
+          <a:xfrm>
+            <a:off x="152400" y="127284"/>
+            <a:ext cx="8520600" cy="572700"/>
+          </a:xfrm>
+          <a:prstGeom prst="rect">
+            <a:avLst/>
+          </a:prstGeom>
+        </p:spPr>
+        <p:txBody>
+          <a:bodyPr spcFirstLastPara="1" wrap="square" lIns="91425" tIns="91425" rIns="91425" bIns="91425" anchor="t" anchorCtr="0">
+            <a:noAutofit/>
+          </a:bodyPr>
+          <a:lstStyle/>
+          <a:p>
+            <a:pPr marL="0" lvl="0" indent="0" algn="l" rtl="0">
+              <a:spcBef>
+                <a:spcPts val="0"/>
+              </a:spcBef>
+              <a:spcAft>
+                <a:spcPts val="0"/>
+              </a:spcAft>
+              <a:buNone/>
+            </a:pPr>
+            <a:r>
+              <a:rPr lang="en" sz="3600" dirty="0">
+                <a:latin typeface="Verdana"/>
+                <a:ea typeface="Verdana"/>
+                <a:cs typeface="Verdana"/>
+                <a:sym typeface="Verdana"/>
+              </a:rPr>
+              <a:t>Tangent Graph</a:t>
+            </a:r>
+            <a:endParaRPr sz="3600" dirty="0"/>
+          </a:p>
+        </p:txBody>
+      </p:sp>
+      <p:pic>
+        <p:nvPicPr>
+          <p:cNvPr id="3" name="Picture 2">
+            <a:extLst>
+              <a:ext uri="{FF2B5EF4-FFF2-40B4-BE49-F238E27FC236}">
+                <a16:creationId xmlns:a16="http://schemas.microsoft.com/office/drawing/2014/main" id="{F5647DFB-30B7-4A63-9E25-874AA0644A23}"/>
+              </a:ext>
+            </a:extLst>
+          </p:cNvPr>
+          <p:cNvPicPr>
+            <a:picLocks noChangeAspect="1"/>
+          </p:cNvPicPr>
+          <p:nvPr/>
+        </p:nvPicPr>
+        <p:blipFill>
+          <a:blip r:embed="rId3"/>
+          <a:stretch>
+            <a:fillRect/>
+          </a:stretch>
+        </p:blipFill>
+        <p:spPr>
+          <a:xfrm>
+            <a:off x="909710" y="802727"/>
+            <a:ext cx="7324580" cy="3538046"/>
+          </a:xfrm>
+          <a:prstGeom prst="rect">
+            <a:avLst/>
+          </a:prstGeom>
+        </p:spPr>
+      </p:pic>
+    </p:spTree>
+    <p:extLst>
+      <p:ext uri="{BB962C8B-B14F-4D97-AF65-F5344CB8AC3E}">
+        <p14:creationId xmlns:p14="http://schemas.microsoft.com/office/powerpoint/2010/main" val="3496251564"/>
+      </p:ext>
+    </p:extLst>
+  </p:cSld>
+  <p:clrMapOvr>
+    <a:masterClrMapping/>
+  </p:clrMapOvr>
+</p:sld>
+</file>
+
+<file path=ppt/slides/slide17.xml><?xml version="1.0" encoding="utf-8"?>
+<p:sld xmlns:a="http://schemas.openxmlformats.org/drawingml/2006/main" xmlns:r="http://schemas.openxmlformats.org/officeDocument/2006/relationships" xmlns:p="http://schemas.openxmlformats.org/presentationml/2006/main">
+  <p:cSld>
+    <p:spTree>
+      <p:nvGrpSpPr>
+        <p:cNvPr id="1" name="Shape 98"/>
+        <p:cNvGrpSpPr/>
+        <p:nvPr/>
+      </p:nvGrpSpPr>
+      <p:grpSpPr>
+        <a:xfrm>
+          <a:off x="0" y="0"/>
+          <a:ext cx="0" cy="0"/>
+          <a:chOff x="0" y="0"/>
+          <a:chExt cx="0" cy="0"/>
+        </a:xfrm>
+      </p:grpSpPr>
+      <p:sp>
+        <p:nvSpPr>
+          <p:cNvPr id="99" name="Google Shape;99;p20"/>
+          <p:cNvSpPr txBox="1">
+            <a:spLocks noGrp="1"/>
+          </p:cNvSpPr>
+          <p:nvPr>
+            <p:ph type="ctrTitle"/>
+          </p:nvPr>
+        </p:nvSpPr>
+        <p:spPr>
+          <a:xfrm>
+            <a:off x="311708" y="744575"/>
+            <a:ext cx="8520600" cy="2052600"/>
+          </a:xfrm>
+          <a:prstGeom prst="rect">
+            <a:avLst/>
+          </a:prstGeom>
+        </p:spPr>
+        <p:txBody>
+          <a:bodyPr spcFirstLastPara="1" wrap="square" lIns="91425" tIns="91425" rIns="91425" bIns="91425" anchor="b" anchorCtr="0">
+            <a:normAutofit/>
+          </a:bodyPr>
+          <a:lstStyle/>
+          <a:p>
+            <a:pPr marL="0" lvl="0" indent="0" algn="ctr" rtl="0">
+              <a:spcBef>
+                <a:spcPts val="0"/>
+              </a:spcBef>
+              <a:spcAft>
+                <a:spcPts val="0"/>
+              </a:spcAft>
+              <a:buNone/>
+            </a:pPr>
+            <a:r>
+              <a:rPr lang="en"/>
+              <a:t>Any Questions?</a:t>
+            </a:r>
+            <a:endParaRPr/>
+          </a:p>
+        </p:txBody>
+      </p:sp>
+      <p:sp>
+        <p:nvSpPr>
+          <p:cNvPr id="100" name="Google Shape;100;p20"/>
+          <p:cNvSpPr txBox="1">
+            <a:spLocks noGrp="1"/>
+          </p:cNvSpPr>
+          <p:nvPr>
+            <p:ph type="subTitle" idx="1"/>
+          </p:nvPr>
+        </p:nvSpPr>
+        <p:spPr>
+          <a:xfrm>
+            <a:off x="311700" y="2834125"/>
+            <a:ext cx="8520600" cy="792600"/>
+          </a:xfrm>
+          <a:prstGeom prst="rect">
+            <a:avLst/>
+          </a:prstGeom>
+        </p:spPr>
+        <p:txBody>
+          <a:bodyPr spcFirstLastPara="1" wrap="square" lIns="91425" tIns="91425" rIns="91425" bIns="91425" anchor="t" anchorCtr="0">
+            <a:normAutofit/>
+          </a:bodyPr>
+          <a:lstStyle/>
+          <a:p>
+            <a:pPr marL="0" lvl="0" indent="0" algn="ctr" rtl="0">
+              <a:spcBef>
+                <a:spcPts val="0"/>
+              </a:spcBef>
+              <a:spcAft>
+                <a:spcPts val="0"/>
+              </a:spcAft>
+              <a:buNone/>
+            </a:pPr>
+            <a:r>
+              <a:rPr lang="en"/>
+              <a:t>Let’s do a mini-quiz..[4]</a:t>
+            </a:r>
+            <a:endParaRPr/>
+          </a:p>
+        </p:txBody>
+      </p:sp>
+      <p:cxnSp>
+        <p:nvCxnSpPr>
+          <p:cNvPr id="101" name="Google Shape;101;p20"/>
+          <p:cNvCxnSpPr/>
+          <p:nvPr/>
+        </p:nvCxnSpPr>
+        <p:spPr>
+          <a:xfrm>
+            <a:off x="339675" y="2782025"/>
+            <a:ext cx="8515800" cy="0"/>
+          </a:xfrm>
+          <a:prstGeom prst="straightConnector1">
+            <a:avLst/>
+          </a:prstGeom>
+          <a:noFill/>
+          <a:ln w="9525" cap="flat" cmpd="sng">
+            <a:solidFill>
+              <a:schemeClr val="dk2"/>
+            </a:solidFill>
+            <a:prstDash val="solid"/>
+            <a:round/>
+            <a:headEnd type="none" w="med" len="med"/>
+            <a:tailEnd type="none" w="med" len="med"/>
+          </a:ln>
+        </p:spPr>
+      </p:cxnSp>
+    </p:spTree>
+  </p:cSld>
+  <p:clrMapOvr>
+    <a:masterClrMapping/>
+  </p:clrMapOvr>
+</p:sld>
+</file>
+
+<file path=ppt/slides/slide18.xml><?xml version="1.0" encoding="utf-8"?>
+<p:sld xmlns:a="http://schemas.openxmlformats.org/drawingml/2006/main" xmlns:r="http://schemas.openxmlformats.org/officeDocument/2006/relationships" xmlns:p="http://schemas.openxmlformats.org/presentationml/2006/main">
+  <p:cSld>
+    <p:spTree>
+      <p:nvGrpSpPr>
+        <p:cNvPr id="1" name="Shape 59"/>
+        <p:cNvGrpSpPr/>
+        <p:nvPr/>
+      </p:nvGrpSpPr>
+      <p:grpSpPr>
+        <a:xfrm>
+          <a:off x="0" y="0"/>
+          <a:ext cx="0" cy="0"/>
+          <a:chOff x="0" y="0"/>
+          <a:chExt cx="0" cy="0"/>
+        </a:xfrm>
+      </p:grpSpPr>
+      <p:sp>
+        <p:nvSpPr>
+          <p:cNvPr id="60" name="Google Shape;60;p14"/>
+          <p:cNvSpPr txBox="1">
+            <a:spLocks noGrp="1"/>
+          </p:cNvSpPr>
+          <p:nvPr>
+            <p:ph type="title"/>
+          </p:nvPr>
+        </p:nvSpPr>
+        <p:spPr>
+          <a:xfrm>
+            <a:off x="311700" y="445025"/>
+            <a:ext cx="8520600" cy="572700"/>
+          </a:xfrm>
+          <a:prstGeom prst="rect">
+            <a:avLst/>
+          </a:prstGeom>
+        </p:spPr>
+        <p:txBody>
+          <a:bodyPr spcFirstLastPara="1" wrap="square" lIns="91425" tIns="91425" rIns="91425" bIns="91425" anchor="t" anchorCtr="0">
+            <a:noAutofit/>
+          </a:bodyPr>
+          <a:lstStyle/>
+          <a:p>
+            <a:pPr marL="0" lvl="0" indent="0" algn="l" rtl="0">
+              <a:spcBef>
+                <a:spcPts val="0"/>
+              </a:spcBef>
+              <a:spcAft>
+                <a:spcPts val="0"/>
+              </a:spcAft>
+              <a:buNone/>
+            </a:pPr>
+            <a:r>
+              <a:rPr lang="en" sz="3600" dirty="0">
+                <a:latin typeface="Verdana"/>
+                <a:ea typeface="Verdana"/>
+                <a:cs typeface="Verdana"/>
+                <a:sym typeface="Verdana"/>
+              </a:rPr>
+              <a:t>Contents</a:t>
+            </a:r>
+            <a:endParaRPr sz="3600" dirty="0"/>
+          </a:p>
+        </p:txBody>
+      </p:sp>
+      <p:sp>
+        <p:nvSpPr>
+          <p:cNvPr id="61" name="Google Shape;61;p14"/>
+          <p:cNvSpPr txBox="1">
+            <a:spLocks noGrp="1"/>
+          </p:cNvSpPr>
+          <p:nvPr>
+            <p:ph type="body" idx="1"/>
+          </p:nvPr>
+        </p:nvSpPr>
+        <p:spPr>
+          <a:xfrm>
+            <a:off x="311700" y="1152475"/>
+            <a:ext cx="8520600" cy="3416400"/>
+          </a:xfrm>
+          <a:prstGeom prst="rect">
+            <a:avLst/>
+          </a:prstGeom>
+        </p:spPr>
+        <p:txBody>
+          <a:bodyPr spcFirstLastPara="1" wrap="square" lIns="91425" tIns="91425" rIns="91425" bIns="91425" anchor="t" anchorCtr="0">
+            <a:normAutofit/>
+          </a:bodyPr>
+          <a:lstStyle/>
+          <a:p>
+            <a:pPr marL="457200" lvl="0" indent="-381000" algn="l" rtl="0">
+              <a:spcBef>
+                <a:spcPts val="1200"/>
+              </a:spcBef>
+              <a:spcAft>
+                <a:spcPts val="0"/>
+              </a:spcAft>
+              <a:buClr>
+                <a:schemeClr val="dk1"/>
+              </a:buClr>
+              <a:buSzPts val="2400"/>
+              <a:buChar char="●"/>
+            </a:pPr>
+            <a:r>
+              <a:rPr lang="en-GB" sz="2400" dirty="0">
+                <a:solidFill>
+                  <a:schemeClr val="dk1"/>
+                </a:solidFill>
+                <a:latin typeface="Verdana"/>
+                <a:ea typeface="Verdana"/>
+                <a:cs typeface="Verdana"/>
+                <a:sym typeface="Verdana"/>
+              </a:rPr>
+              <a:t>Pythagoras theorem</a:t>
+            </a:r>
+          </a:p>
+          <a:p>
+            <a:pPr marL="457200" lvl="0" indent="-381000" algn="l" rtl="0">
+              <a:spcBef>
+                <a:spcPts val="1200"/>
+              </a:spcBef>
+              <a:spcAft>
+                <a:spcPts val="0"/>
+              </a:spcAft>
+              <a:buClr>
+                <a:schemeClr val="dk1"/>
+              </a:buClr>
+              <a:buSzPts val="2400"/>
+              <a:buChar char="●"/>
+            </a:pPr>
+            <a:r>
+              <a:rPr lang="en-GB" sz="2400" dirty="0">
+                <a:solidFill>
+                  <a:schemeClr val="dk1"/>
+                </a:solidFill>
+                <a:latin typeface="Verdana"/>
+                <a:ea typeface="Verdana"/>
+                <a:cs typeface="Verdana"/>
+                <a:sym typeface="Verdana"/>
+              </a:rPr>
+              <a:t>Trigonometric ratios</a:t>
+            </a:r>
+          </a:p>
+          <a:p>
+            <a:pPr marL="457200" lvl="0" indent="-381000" algn="l" rtl="0">
+              <a:spcBef>
+                <a:spcPts val="0"/>
+              </a:spcBef>
+              <a:spcAft>
+                <a:spcPts val="0"/>
+              </a:spcAft>
+              <a:buClr>
+                <a:schemeClr val="dk1"/>
+              </a:buClr>
+              <a:buSzPts val="2400"/>
+              <a:buChar char="●"/>
+            </a:pPr>
+            <a:r>
+              <a:rPr lang="en-GB" sz="2400" dirty="0">
+                <a:solidFill>
+                  <a:srgbClr val="FF0000"/>
+                </a:solidFill>
+                <a:latin typeface="Verdana"/>
+                <a:ea typeface="Verdana"/>
+                <a:cs typeface="Verdana"/>
+                <a:sym typeface="Verdana"/>
+              </a:rPr>
+              <a:t>Radian measurement</a:t>
+            </a:r>
+            <a:endParaRPr sz="2400" dirty="0">
+              <a:solidFill>
+                <a:srgbClr val="FF0000"/>
+              </a:solidFill>
+              <a:latin typeface="Verdana"/>
+              <a:ea typeface="Verdana"/>
+              <a:cs typeface="Verdana"/>
+              <a:sym typeface="Verdana"/>
+            </a:endParaRPr>
+          </a:p>
+          <a:p>
+            <a:pPr marL="457200" lvl="0" indent="0" algn="l" rtl="0">
+              <a:spcBef>
+                <a:spcPts val="1200"/>
+              </a:spcBef>
+              <a:spcAft>
+                <a:spcPts val="0"/>
+              </a:spcAft>
+              <a:buNone/>
+            </a:pPr>
+            <a:endParaRPr sz="2400" dirty="0">
+              <a:solidFill>
+                <a:schemeClr val="dk1"/>
+              </a:solidFill>
+              <a:latin typeface="Verdana"/>
+              <a:ea typeface="Verdana"/>
+              <a:cs typeface="Verdana"/>
+              <a:sym typeface="Verdana"/>
+            </a:endParaRPr>
+          </a:p>
+          <a:p>
+            <a:pPr marL="0" lvl="0" indent="0" algn="l" rtl="0">
+              <a:spcBef>
+                <a:spcPts val="1200"/>
+              </a:spcBef>
+              <a:spcAft>
+                <a:spcPts val="1200"/>
+              </a:spcAft>
+              <a:buNone/>
+            </a:pPr>
+            <a:endParaRPr sz="2400" dirty="0"/>
+          </a:p>
+        </p:txBody>
+      </p:sp>
+    </p:spTree>
+    <p:extLst>
+      <p:ext uri="{BB962C8B-B14F-4D97-AF65-F5344CB8AC3E}">
+        <p14:creationId xmlns:p14="http://schemas.microsoft.com/office/powerpoint/2010/main" val="2933712637"/>
+      </p:ext>
+    </p:extLst>
+  </p:cSld>
+  <p:clrMapOvr>
+    <a:masterClrMapping/>
+  </p:clrMapOvr>
+</p:sld>
+</file>
+
+<file path=ppt/slides/slide19.xml><?xml version="1.0" encoding="utf-8"?>
+<p:sld xmlns:a="http://schemas.openxmlformats.org/drawingml/2006/main" xmlns:r="http://schemas.openxmlformats.org/officeDocument/2006/relationships" xmlns:p="http://schemas.openxmlformats.org/presentationml/2006/main">
+  <p:cSld>
+    <p:spTree>
+      <p:nvGrpSpPr>
+        <p:cNvPr id="1" name="Shape 59"/>
+        <p:cNvGrpSpPr/>
+        <p:nvPr/>
+      </p:nvGrpSpPr>
+      <p:grpSpPr>
+        <a:xfrm>
+          <a:off x="0" y="0"/>
+          <a:ext cx="0" cy="0"/>
+          <a:chOff x="0" y="0"/>
+          <a:chExt cx="0" cy="0"/>
+        </a:xfrm>
+      </p:grpSpPr>
+      <p:sp>
+        <p:nvSpPr>
+          <p:cNvPr id="60" name="Google Shape;60;p14"/>
+          <p:cNvSpPr txBox="1">
+            <a:spLocks noGrp="1"/>
+          </p:cNvSpPr>
+          <p:nvPr>
+            <p:ph type="title"/>
+          </p:nvPr>
+        </p:nvSpPr>
+        <p:spPr>
+          <a:xfrm>
+            <a:off x="311700" y="445025"/>
+            <a:ext cx="8520600" cy="572700"/>
+          </a:xfrm>
+          <a:prstGeom prst="rect">
+            <a:avLst/>
+          </a:prstGeom>
+        </p:spPr>
+        <p:txBody>
+          <a:bodyPr spcFirstLastPara="1" wrap="square" lIns="91425" tIns="91425" rIns="91425" bIns="91425" anchor="t" anchorCtr="0">
+            <a:noAutofit/>
+          </a:bodyPr>
+          <a:lstStyle/>
+          <a:p>
+            <a:pPr marL="0" lvl="0" indent="0" algn="l" rtl="0">
+              <a:spcBef>
+                <a:spcPts val="0"/>
+              </a:spcBef>
+              <a:spcAft>
+                <a:spcPts val="0"/>
+              </a:spcAft>
+              <a:buNone/>
+            </a:pPr>
+            <a:r>
+              <a:rPr lang="en" sz="3600" dirty="0">
+                <a:latin typeface="Verdana"/>
+                <a:ea typeface="Verdana"/>
+                <a:cs typeface="Verdana"/>
+                <a:sym typeface="Verdana"/>
+              </a:rPr>
+              <a:t>Radian measurement</a:t>
+            </a:r>
+            <a:endParaRPr sz="3600" dirty="0"/>
+          </a:p>
+        </p:txBody>
+      </p:sp>
+      <p:sp>
+        <p:nvSpPr>
+          <p:cNvPr id="61" name="Google Shape;61;p14"/>
+          <p:cNvSpPr txBox="1">
+            <a:spLocks noGrp="1"/>
+          </p:cNvSpPr>
+          <p:nvPr>
+            <p:ph type="body" idx="1"/>
+          </p:nvPr>
+        </p:nvSpPr>
+        <p:spPr>
+          <a:xfrm>
+            <a:off x="311700" y="1152475"/>
+            <a:ext cx="8520600" cy="3416400"/>
+          </a:xfrm>
+          <a:prstGeom prst="rect">
+            <a:avLst/>
+          </a:prstGeom>
+        </p:spPr>
+        <p:txBody>
+          <a:bodyPr spcFirstLastPara="1" wrap="square" lIns="91425" tIns="91425" rIns="91425" bIns="91425" anchor="t" anchorCtr="0">
+            <a:normAutofit/>
+          </a:bodyPr>
+          <a:lstStyle/>
+          <a:p>
+            <a:pPr marL="457200" lvl="0" indent="0" algn="l" rtl="0">
+              <a:spcBef>
+                <a:spcPts val="1200"/>
+              </a:spcBef>
+              <a:spcAft>
+                <a:spcPts val="0"/>
+              </a:spcAft>
+              <a:buNone/>
+            </a:pPr>
+            <a:endParaRPr sz="2400" dirty="0">
+              <a:solidFill>
+                <a:schemeClr val="dk1"/>
+              </a:solidFill>
+              <a:latin typeface="Verdana"/>
+              <a:ea typeface="Verdana"/>
+              <a:cs typeface="Verdana"/>
+              <a:sym typeface="Verdana"/>
+            </a:endParaRPr>
+          </a:p>
+          <a:p>
+            <a:pPr marL="0" lvl="0" indent="0" algn="l" rtl="0">
+              <a:spcBef>
+                <a:spcPts val="1200"/>
+              </a:spcBef>
+              <a:spcAft>
+                <a:spcPts val="1200"/>
+              </a:spcAft>
+              <a:buNone/>
+            </a:pPr>
+            <a:endParaRPr sz="2400" dirty="0"/>
+          </a:p>
+        </p:txBody>
+      </p:sp>
+      <p:pic>
+        <p:nvPicPr>
+          <p:cNvPr id="4" name="Online Media 2" title="Right Triangles &amp; the unit circle">
+            <a:hlinkClick r:id="" action="ppaction://media"/>
+            <a:extLst>
+              <a:ext uri="{FF2B5EF4-FFF2-40B4-BE49-F238E27FC236}">
+                <a16:creationId xmlns:a16="http://schemas.microsoft.com/office/drawing/2014/main" id="{2FC49C72-F1AB-4CC4-8FA6-73619B326ED2}"/>
+              </a:ext>
+            </a:extLst>
+          </p:cNvPr>
+          <p:cNvPicPr>
+            <a:picLocks noRot="1" noChangeAspect="1"/>
+          </p:cNvPicPr>
+          <p:nvPr>
+            <a:videoFile r:link="rId1"/>
+          </p:nvPr>
+        </p:nvPicPr>
+        <p:blipFill>
+          <a:blip r:embed="rId4"/>
+          <a:stretch>
+            <a:fillRect/>
+          </a:stretch>
+        </p:blipFill>
+        <p:spPr>
+          <a:xfrm>
+            <a:off x="4665134" y="1355725"/>
+            <a:ext cx="4013200" cy="3009900"/>
+          </a:xfrm>
+          <a:prstGeom prst="rect">
+            <a:avLst/>
+          </a:prstGeom>
+        </p:spPr>
+      </p:pic>
+      <p:pic>
+        <p:nvPicPr>
+          <p:cNvPr id="3" name="Picture 2">
+            <a:extLst>
+              <a:ext uri="{FF2B5EF4-FFF2-40B4-BE49-F238E27FC236}">
+                <a16:creationId xmlns:a16="http://schemas.microsoft.com/office/drawing/2014/main" id="{0C7757AB-ECE4-441C-BD1A-6235E32F7ABA}"/>
+              </a:ext>
+            </a:extLst>
+          </p:cNvPr>
+          <p:cNvPicPr>
+            <a:picLocks noChangeAspect="1"/>
+          </p:cNvPicPr>
+          <p:nvPr/>
+        </p:nvPicPr>
+        <p:blipFill>
+          <a:blip r:embed="rId5"/>
+          <a:stretch>
+            <a:fillRect/>
+          </a:stretch>
+        </p:blipFill>
+        <p:spPr>
+          <a:xfrm>
+            <a:off x="311700" y="1355725"/>
+            <a:ext cx="3867794" cy="3009900"/>
+          </a:xfrm>
+          <a:prstGeom prst="rect">
+            <a:avLst/>
+          </a:prstGeom>
+        </p:spPr>
+      </p:pic>
+    </p:spTree>
+    <p:extLst>
+      <p:ext uri="{BB962C8B-B14F-4D97-AF65-F5344CB8AC3E}">
+        <p14:creationId xmlns:p14="http://schemas.microsoft.com/office/powerpoint/2010/main" val="3501705938"/>
+      </p:ext>
+    </p:extLst>
+  </p:cSld>
+  <p:clrMapOvr>
+    <a:masterClrMapping/>
+  </p:clrMapOvr>
+  <p:timing>
+    <p:tnLst>
+      <p:par>
+        <p:cTn id="1" dur="indefinite" restart="never" nodeType="tmRoot">
+          <p:childTnLst>
+            <p:seq concurrent="1" nextAc="seek">
+              <p:cTn id="2" dur="indefinite" nodeType="mainSeq">
+                <p:childTnLst>
+                  <p:par>
+                    <p:cTn id="3" fill="hold">
+                      <p:stCondLst>
+                        <p:cond delay="indefinite"/>
+                      </p:stCondLst>
+                      <p:childTnLst>
+                        <p:par>
+                          <p:cTn id="4" fill="hold">
+                            <p:stCondLst>
+                              <p:cond delay="0"/>
+                            </p:stCondLst>
+                            <p:childTnLst>
+                              <p:par>
+                                <p:cTn id="5" presetID="1" presetClass="mediacall" presetSubtype="0" fill="hold" nodeType="clickEffect">
+                                  <p:stCondLst>
+                                    <p:cond delay="0"/>
+                                  </p:stCondLst>
+                                  <p:childTnLst>
+                                    <p:cmd type="call" cmd="playFrom(0.0)">
+                                      <p:cBhvr>
+                                        <p:cTn id="6" dur="1" fill="hold"/>
+                                        <p:tgtEl>
+                                          <p:spTgt spid="4"/>
+                                        </p:tgtEl>
+                                      </p:cBhvr>
+                                    </p:cmd>
+                                  </p:childTnLst>
+                                </p:cTn>
+                              </p:par>
+                            </p:childTnLst>
+                          </p:cTn>
+                        </p:par>
+                      </p:childTnLst>
+                    </p:cTn>
+                  </p:par>
+                </p:childTnLst>
+              </p:cTn>
+              <p:prevCondLst>
+                <p:cond evt="onPrev" delay="0">
+                  <p:tgtEl>
+                    <p:sldTgt/>
+                  </p:tgtEl>
+                </p:cond>
+              </p:prevCondLst>
+              <p:nextCondLst>
+                <p:cond evt="onNext" delay="0">
+                  <p:tgtEl>
+                    <p:sldTgt/>
+                  </p:tgtEl>
+                </p:cond>
+              </p:nextCondLst>
+            </p:seq>
+            <p:seq concurrent="1" nextAc="seek">
+              <p:cTn id="7" restart="whenNotActive" fill="hold" evtFilter="cancelBubble" nodeType="interactiveSeq">
+                <p:stCondLst>
+                  <p:cond evt="onClick" delay="0">
+                    <p:tgtEl>
+                      <p:spTgt spid="4"/>
+                    </p:tgtEl>
+                  </p:cond>
+                </p:stCondLst>
+                <p:endSync evt="end" delay="0">
+                  <p:rtn val="all"/>
+                </p:endSync>
+                <p:childTnLst>
+                  <p:par>
+                    <p:cTn id="8" fill="hold">
+                      <p:stCondLst>
+                        <p:cond delay="0"/>
+                      </p:stCondLst>
+                      <p:childTnLst>
+                        <p:par>
+                          <p:cTn id="9" fill="hold">
+                            <p:stCondLst>
+                              <p:cond delay="0"/>
+                            </p:stCondLst>
+                            <p:childTnLst>
+                              <p:par>
+                                <p:cTn id="10" presetID="2" presetClass="mediacall" presetSubtype="0" fill="hold" nodeType="clickEffect">
+                                  <p:stCondLst>
+                                    <p:cond delay="0"/>
+                                  </p:stCondLst>
+                                  <p:childTnLst>
+                                    <p:cmd type="call" cmd="togglePause">
+                                      <p:cBhvr>
+                                        <p:cTn id="11" dur="1" fill="hold"/>
+                                        <p:tgtEl>
+                                          <p:spTgt spid="4"/>
+                                        </p:tgtEl>
+                                      </p:cBhvr>
+                                    </p:cmd>
+                                  </p:childTnLst>
+                                </p:cTn>
+                              </p:par>
+                            </p:childTnLst>
+                          </p:cTn>
+                        </p:par>
+                      </p:childTnLst>
+                    </p:cTn>
+                  </p:par>
+                </p:childTnLst>
+              </p:cTn>
+              <p:nextCondLst>
+                <p:cond evt="onClick" delay="0">
+                  <p:tgtEl>
+                    <p:spTgt spid="4"/>
+                  </p:tgtEl>
+                </p:cond>
+              </p:nextCondLst>
+            </p:seq>
+            <p:video>
+              <p:cMediaNode vol="80000">
+                <p:cTn id="12" fill="hold" display="0">
+                  <p:stCondLst>
+                    <p:cond delay="indefinite"/>
+                  </p:stCondLst>
+                </p:cTn>
+                <p:tgtEl>
+                  <p:spTgt spid="4"/>
+                </p:tgtEl>
+              </p:cMediaNode>
+            </p:video>
+          </p:childTnLst>
+        </p:cTn>
+      </p:par>
+    </p:tnLst>
+  </p:timing>
+</p:sld>
+</file>
+
+<file path=ppt/slides/slide2.xml><?xml version="1.0" encoding="utf-8"?>
+<p:sld xmlns:a="http://schemas.openxmlformats.org/drawingml/2006/main" xmlns:r="http://schemas.openxmlformats.org/officeDocument/2006/relationships" xmlns:p="http://schemas.openxmlformats.org/presentationml/2006/main">
+  <p:cSld>
+    <p:spTree>
+      <p:nvGrpSpPr>
+        <p:cNvPr id="1" name="Shape 59"/>
+        <p:cNvGrpSpPr/>
+        <p:nvPr/>
+      </p:nvGrpSpPr>
+      <p:grpSpPr>
+        <a:xfrm>
+          <a:off x="0" y="0"/>
+          <a:ext cx="0" cy="0"/>
+          <a:chOff x="0" y="0"/>
+          <a:chExt cx="0" cy="0"/>
+        </a:xfrm>
+      </p:grpSpPr>
+      <p:sp>
+        <p:nvSpPr>
+          <p:cNvPr id="60" name="Google Shape;60;p14"/>
+          <p:cNvSpPr txBox="1">
+            <a:spLocks noGrp="1"/>
+          </p:cNvSpPr>
+          <p:nvPr>
+            <p:ph type="title"/>
+          </p:nvPr>
+        </p:nvSpPr>
+        <p:spPr>
+          <a:xfrm>
+            <a:off x="311700" y="445025"/>
+            <a:ext cx="8520600" cy="572700"/>
+          </a:xfrm>
+          <a:prstGeom prst="rect">
+            <a:avLst/>
+          </a:prstGeom>
+        </p:spPr>
+        <p:txBody>
+          <a:bodyPr spcFirstLastPara="1" wrap="square" lIns="91425" tIns="91425" rIns="91425" bIns="91425" anchor="t" anchorCtr="0">
+            <a:noAutofit/>
+          </a:bodyPr>
+          <a:lstStyle/>
+          <a:p>
+            <a:pPr marL="0" lvl="0" indent="0" algn="l" rtl="0">
+              <a:spcBef>
+                <a:spcPts val="0"/>
+              </a:spcBef>
+              <a:spcAft>
+                <a:spcPts val="0"/>
+              </a:spcAft>
+              <a:buNone/>
+            </a:pPr>
+            <a:r>
+              <a:rPr lang="en" sz="3600" dirty="0">
+                <a:latin typeface="Verdana"/>
+                <a:ea typeface="Verdana"/>
+                <a:cs typeface="Verdana"/>
+                <a:sym typeface="Verdana"/>
+              </a:rPr>
+              <a:t>Contents</a:t>
+            </a:r>
+            <a:endParaRPr sz="3600" dirty="0"/>
+          </a:p>
+        </p:txBody>
+      </p:sp>
+      <p:sp>
+        <p:nvSpPr>
+          <p:cNvPr id="61" name="Google Shape;61;p14"/>
+          <p:cNvSpPr txBox="1">
+            <a:spLocks noGrp="1"/>
+          </p:cNvSpPr>
+          <p:nvPr>
+            <p:ph type="body" idx="1"/>
+          </p:nvPr>
+        </p:nvSpPr>
+        <p:spPr>
+          <a:xfrm>
+            <a:off x="311700" y="1152475"/>
+            <a:ext cx="8520600" cy="3416400"/>
+          </a:xfrm>
+          <a:prstGeom prst="rect">
+            <a:avLst/>
+          </a:prstGeom>
+        </p:spPr>
+        <p:txBody>
+          <a:bodyPr spcFirstLastPara="1" wrap="square" lIns="91425" tIns="91425" rIns="91425" bIns="91425" anchor="t" anchorCtr="0">
+            <a:normAutofit/>
+          </a:bodyPr>
+          <a:lstStyle/>
+          <a:p>
+            <a:pPr marL="457200" lvl="0" indent="-381000" algn="l" rtl="0">
+              <a:spcBef>
+                <a:spcPts val="1200"/>
+              </a:spcBef>
+              <a:spcAft>
+                <a:spcPts val="0"/>
+              </a:spcAft>
+              <a:buClr>
+                <a:schemeClr val="dk1"/>
+              </a:buClr>
+              <a:buSzPts val="2400"/>
+              <a:buChar char="●"/>
+            </a:pPr>
+            <a:r>
+              <a:rPr lang="en-GB" sz="2400" dirty="0">
+                <a:solidFill>
+                  <a:schemeClr val="dk1"/>
+                </a:solidFill>
+                <a:latin typeface="Verdana"/>
+                <a:ea typeface="Verdana"/>
+                <a:cs typeface="Verdana"/>
+                <a:sym typeface="Verdana"/>
+              </a:rPr>
+              <a:t>Pythagoras Theorem</a:t>
+            </a:r>
+            <a:endParaRPr sz="2400" dirty="0">
+              <a:solidFill>
+                <a:schemeClr val="dk1"/>
+              </a:solidFill>
+              <a:latin typeface="Verdana"/>
+              <a:ea typeface="Verdana"/>
+              <a:cs typeface="Verdana"/>
+              <a:sym typeface="Verdana"/>
+            </a:endParaRPr>
+          </a:p>
+          <a:p>
+            <a:pPr marL="457200" lvl="0" indent="-381000" algn="l" rtl="0">
+              <a:spcBef>
+                <a:spcPts val="0"/>
+              </a:spcBef>
+              <a:spcAft>
+                <a:spcPts val="0"/>
+              </a:spcAft>
+              <a:buClr>
+                <a:schemeClr val="dk1"/>
+              </a:buClr>
+              <a:buSzPts val="2400"/>
+              <a:buChar char="●"/>
+            </a:pPr>
+            <a:r>
+              <a:rPr lang="en-GB" sz="2400" dirty="0">
+                <a:solidFill>
+                  <a:schemeClr val="dk1"/>
+                </a:solidFill>
+                <a:latin typeface="Verdana"/>
+                <a:ea typeface="Verdana"/>
+                <a:cs typeface="Verdana"/>
+                <a:sym typeface="Verdana"/>
+              </a:rPr>
+              <a:t>Trigonometric Ratios</a:t>
+            </a:r>
+          </a:p>
+          <a:p>
+            <a:pPr marL="457200" lvl="0" indent="-381000" algn="l" rtl="0">
+              <a:spcBef>
+                <a:spcPts val="0"/>
+              </a:spcBef>
+              <a:spcAft>
+                <a:spcPts val="0"/>
+              </a:spcAft>
+              <a:buClr>
+                <a:schemeClr val="dk1"/>
+              </a:buClr>
+              <a:buSzPts val="2400"/>
+              <a:buChar char="●"/>
+            </a:pPr>
+            <a:r>
+              <a:rPr lang="en-GB" sz="2400" dirty="0">
+                <a:solidFill>
+                  <a:schemeClr val="dk1"/>
+                </a:solidFill>
+                <a:latin typeface="Verdana"/>
+                <a:ea typeface="Verdana"/>
+                <a:cs typeface="Verdana"/>
+                <a:sym typeface="Verdana"/>
+              </a:rPr>
+              <a:t>Radian measurement</a:t>
+            </a:r>
+            <a:endParaRPr sz="2400" dirty="0">
+              <a:solidFill>
+                <a:schemeClr val="dk1"/>
+              </a:solidFill>
+              <a:latin typeface="Verdana"/>
+              <a:ea typeface="Verdana"/>
+              <a:cs typeface="Verdana"/>
+              <a:sym typeface="Verdana"/>
+            </a:endParaRPr>
+          </a:p>
+          <a:p>
+            <a:pPr marL="457200" lvl="0" indent="0" algn="l" rtl="0">
+              <a:spcBef>
+                <a:spcPts val="1200"/>
+              </a:spcBef>
+              <a:spcAft>
+                <a:spcPts val="0"/>
+              </a:spcAft>
+              <a:buNone/>
+            </a:pPr>
+            <a:endParaRPr sz="2400" dirty="0">
+              <a:solidFill>
+                <a:schemeClr val="dk1"/>
+              </a:solidFill>
+              <a:latin typeface="Verdana"/>
+              <a:ea typeface="Verdana"/>
+              <a:cs typeface="Verdana"/>
+              <a:sym typeface="Verdana"/>
+            </a:endParaRPr>
+          </a:p>
+          <a:p>
+            <a:pPr marL="0" lvl="0" indent="0" algn="l" rtl="0">
+              <a:spcBef>
+                <a:spcPts val="1200"/>
+              </a:spcBef>
+              <a:spcAft>
+                <a:spcPts val="1200"/>
+              </a:spcAft>
+              <a:buNone/>
+            </a:pPr>
+            <a:endParaRPr sz="2400" dirty="0"/>
+          </a:p>
+        </p:txBody>
+      </p:sp>
+    </p:spTree>
+  </p:cSld>
+  <p:clrMapOvr>
+    <a:masterClrMapping/>
+  </p:clrMapOvr>
+</p:sld>
+</file>
+
+<file path=ppt/slides/slide20.xml><?xml version="1.0" encoding="utf-8"?>
+<p:sld xmlns:a="http://schemas.openxmlformats.org/drawingml/2006/main" xmlns:r="http://schemas.openxmlformats.org/officeDocument/2006/relationships" xmlns:p="http://schemas.openxmlformats.org/presentationml/2006/main">
+  <p:cSld>
+    <p:spTree>
+      <p:nvGrpSpPr>
+        <p:cNvPr id="1" name="Shape 59"/>
+        <p:cNvGrpSpPr/>
+        <p:nvPr/>
+      </p:nvGrpSpPr>
+      <p:grpSpPr>
+        <a:xfrm>
+          <a:off x="0" y="0"/>
+          <a:ext cx="0" cy="0"/>
+          <a:chOff x="0" y="0"/>
+          <a:chExt cx="0" cy="0"/>
+        </a:xfrm>
+      </p:grpSpPr>
+      <p:sp>
+        <p:nvSpPr>
+          <p:cNvPr id="60" name="Google Shape;60;p14"/>
+          <p:cNvSpPr txBox="1">
+            <a:spLocks noGrp="1"/>
+          </p:cNvSpPr>
+          <p:nvPr>
+            <p:ph type="title"/>
+          </p:nvPr>
+        </p:nvSpPr>
+        <p:spPr>
+          <a:xfrm>
+            <a:off x="311700" y="445025"/>
+            <a:ext cx="8520600" cy="572700"/>
+          </a:xfrm>
+          <a:prstGeom prst="rect">
+            <a:avLst/>
+          </a:prstGeom>
+        </p:spPr>
+        <p:txBody>
+          <a:bodyPr spcFirstLastPara="1" wrap="square" lIns="91425" tIns="91425" rIns="91425" bIns="91425" anchor="t" anchorCtr="0">
+            <a:noAutofit/>
+          </a:bodyPr>
+          <a:lstStyle/>
+          <a:p>
+            <a:pPr marL="0" lvl="0" indent="0" algn="l" rtl="0">
+              <a:spcBef>
+                <a:spcPts val="0"/>
+              </a:spcBef>
+              <a:spcAft>
+                <a:spcPts val="0"/>
+              </a:spcAft>
+              <a:buNone/>
+            </a:pPr>
+            <a:r>
+              <a:rPr lang="en" sz="3600" dirty="0">
+                <a:latin typeface="Verdana"/>
+                <a:ea typeface="Verdana"/>
+                <a:cs typeface="Verdana"/>
+                <a:sym typeface="Verdana"/>
+              </a:rPr>
+              <a:t>Area of a sector</a:t>
+            </a:r>
+            <a:endParaRPr sz="3600" dirty="0"/>
+          </a:p>
+        </p:txBody>
+      </p:sp>
+      <p:sp>
+        <p:nvSpPr>
+          <p:cNvPr id="61" name="Google Shape;61;p14"/>
+          <p:cNvSpPr txBox="1">
+            <a:spLocks noGrp="1"/>
+          </p:cNvSpPr>
+          <p:nvPr>
+            <p:ph type="body" idx="1"/>
+          </p:nvPr>
+        </p:nvSpPr>
+        <p:spPr>
+          <a:xfrm>
+            <a:off x="311700" y="1152475"/>
+            <a:ext cx="8520600" cy="3416400"/>
+          </a:xfrm>
+          <a:prstGeom prst="rect">
+            <a:avLst/>
+          </a:prstGeom>
+        </p:spPr>
+        <p:txBody>
+          <a:bodyPr spcFirstLastPara="1" wrap="square" lIns="91425" tIns="91425" rIns="91425" bIns="91425" anchor="t" anchorCtr="0">
+            <a:normAutofit/>
+          </a:bodyPr>
+          <a:lstStyle/>
+          <a:p>
+            <a:pPr marL="457200" lvl="0" indent="0" algn="l" rtl="0">
+              <a:spcBef>
+                <a:spcPts val="1200"/>
+              </a:spcBef>
+              <a:spcAft>
+                <a:spcPts val="0"/>
+              </a:spcAft>
+              <a:buNone/>
+            </a:pPr>
+            <a:endParaRPr sz="2400" dirty="0">
+              <a:solidFill>
+                <a:schemeClr val="dk1"/>
+              </a:solidFill>
+              <a:latin typeface="Verdana"/>
+              <a:ea typeface="Verdana"/>
+              <a:cs typeface="Verdana"/>
+              <a:sym typeface="Verdana"/>
+            </a:endParaRPr>
+          </a:p>
+          <a:p>
+            <a:pPr marL="0" lvl="0" indent="0" algn="l" rtl="0">
+              <a:spcBef>
+                <a:spcPts val="1200"/>
+              </a:spcBef>
+              <a:spcAft>
+                <a:spcPts val="1200"/>
+              </a:spcAft>
+              <a:buNone/>
+            </a:pPr>
+            <a:endParaRPr sz="2400" dirty="0"/>
+          </a:p>
+        </p:txBody>
+      </p:sp>
+    </p:spTree>
+    <p:extLst>
+      <p:ext uri="{BB962C8B-B14F-4D97-AF65-F5344CB8AC3E}">
+        <p14:creationId xmlns:p14="http://schemas.microsoft.com/office/powerpoint/2010/main" val="3894927293"/>
+      </p:ext>
+    </p:extLst>
+  </p:cSld>
+  <p:clrMapOvr>
+    <a:masterClrMapping/>
+  </p:clrMapOvr>
+</p:sld>
+</file>
+
+<file path=ppt/slides/slide21.xml><?xml version="1.0" encoding="utf-8"?>
+<p:sld xmlns:a="http://schemas.openxmlformats.org/drawingml/2006/main" xmlns:r="http://schemas.openxmlformats.org/officeDocument/2006/relationships" xmlns:p="http://schemas.openxmlformats.org/presentationml/2006/main">
+  <p:cSld>
+    <p:spTree>
+      <p:nvGrpSpPr>
+        <p:cNvPr id="1" name="Shape 98"/>
+        <p:cNvGrpSpPr/>
+        <p:nvPr/>
+      </p:nvGrpSpPr>
+      <p:grpSpPr>
+        <a:xfrm>
+          <a:off x="0" y="0"/>
+          <a:ext cx="0" cy="0"/>
+          <a:chOff x="0" y="0"/>
+          <a:chExt cx="0" cy="0"/>
+        </a:xfrm>
+      </p:grpSpPr>
+      <p:sp>
+        <p:nvSpPr>
+          <p:cNvPr id="99" name="Google Shape;99;p20"/>
+          <p:cNvSpPr txBox="1">
+            <a:spLocks noGrp="1"/>
+          </p:cNvSpPr>
+          <p:nvPr>
+            <p:ph type="ctrTitle"/>
+          </p:nvPr>
+        </p:nvSpPr>
+        <p:spPr>
+          <a:xfrm>
+            <a:off x="311708" y="744575"/>
+            <a:ext cx="8520600" cy="2052600"/>
+          </a:xfrm>
+          <a:prstGeom prst="rect">
+            <a:avLst/>
+          </a:prstGeom>
+        </p:spPr>
+        <p:txBody>
+          <a:bodyPr spcFirstLastPara="1" wrap="square" lIns="91425" tIns="91425" rIns="91425" bIns="91425" anchor="b" anchorCtr="0">
+            <a:normAutofit/>
+          </a:bodyPr>
+          <a:lstStyle/>
+          <a:p>
+            <a:pPr marL="0" lvl="0" indent="0" algn="ctr" rtl="0">
+              <a:spcBef>
+                <a:spcPts val="0"/>
+              </a:spcBef>
+              <a:spcAft>
+                <a:spcPts val="0"/>
+              </a:spcAft>
+              <a:buNone/>
+            </a:pPr>
+            <a:r>
+              <a:rPr lang="en"/>
+              <a:t>Any Questions?</a:t>
+            </a:r>
+            <a:endParaRPr/>
+          </a:p>
+        </p:txBody>
+      </p:sp>
+      <p:sp>
+        <p:nvSpPr>
+          <p:cNvPr id="100" name="Google Shape;100;p20"/>
+          <p:cNvSpPr txBox="1">
+            <a:spLocks noGrp="1"/>
+          </p:cNvSpPr>
+          <p:nvPr>
+            <p:ph type="subTitle" idx="1"/>
+          </p:nvPr>
+        </p:nvSpPr>
+        <p:spPr>
+          <a:xfrm>
+            <a:off x="311700" y="2834125"/>
+            <a:ext cx="8520600" cy="792600"/>
+          </a:xfrm>
+          <a:prstGeom prst="rect">
+            <a:avLst/>
+          </a:prstGeom>
+        </p:spPr>
+        <p:txBody>
+          <a:bodyPr spcFirstLastPara="1" wrap="square" lIns="91425" tIns="91425" rIns="91425" bIns="91425" anchor="t" anchorCtr="0">
+            <a:normAutofit/>
+          </a:bodyPr>
+          <a:lstStyle/>
+          <a:p>
+            <a:pPr marL="0" lvl="0" indent="0" algn="ctr" rtl="0">
+              <a:spcBef>
+                <a:spcPts val="0"/>
+              </a:spcBef>
+              <a:spcAft>
+                <a:spcPts val="0"/>
+              </a:spcAft>
+              <a:buNone/>
+            </a:pPr>
+            <a:r>
+              <a:rPr lang="en"/>
+              <a:t>Let’s do a mini-quiz..[4]</a:t>
+            </a:r>
+            <a:endParaRPr/>
+          </a:p>
+        </p:txBody>
+      </p:sp>
+      <p:cxnSp>
+        <p:nvCxnSpPr>
+          <p:cNvPr id="101" name="Google Shape;101;p20"/>
+          <p:cNvCxnSpPr/>
+          <p:nvPr/>
+        </p:nvCxnSpPr>
+        <p:spPr>
+          <a:xfrm>
+            <a:off x="339675" y="2782025"/>
+            <a:ext cx="8515800" cy="0"/>
+          </a:xfrm>
+          <a:prstGeom prst="straightConnector1">
+            <a:avLst/>
+          </a:prstGeom>
+          <a:noFill/>
+          <a:ln w="9525" cap="flat" cmpd="sng">
+            <a:solidFill>
+              <a:schemeClr val="dk2"/>
+            </a:solidFill>
+            <a:prstDash val="solid"/>
+            <a:round/>
+            <a:headEnd type="none" w="med" len="med"/>
+            <a:tailEnd type="none" w="med" len="med"/>
+          </a:ln>
+        </p:spPr>
+      </p:cxnSp>
+    </p:spTree>
+    <p:extLst>
+      <p:ext uri="{BB962C8B-B14F-4D97-AF65-F5344CB8AC3E}">
+        <p14:creationId xmlns:p14="http://schemas.microsoft.com/office/powerpoint/2010/main" val="3722961867"/>
+      </p:ext>
+    </p:extLst>
+  </p:cSld>
+  <p:clrMapOvr>
+    <a:masterClrMapping/>
+  </p:clrMapOvr>
+</p:sld>
+</file>
+
+<file path=ppt/slides/slide3.xml><?xml version="1.0" encoding="utf-8"?>
+<p:sld xmlns:a="http://schemas.openxmlformats.org/drawingml/2006/main" xmlns:r="http://schemas.openxmlformats.org/officeDocument/2006/relationships" xmlns:p="http://schemas.openxmlformats.org/presentationml/2006/main">
+  <p:cSld>
+    <p:spTree>
+      <p:nvGrpSpPr>
+        <p:cNvPr id="1" name="Shape 59"/>
+        <p:cNvGrpSpPr/>
+        <p:nvPr/>
+      </p:nvGrpSpPr>
+      <p:grpSpPr>
+        <a:xfrm>
+          <a:off x="0" y="0"/>
+          <a:ext cx="0" cy="0"/>
+          <a:chOff x="0" y="0"/>
+          <a:chExt cx="0" cy="0"/>
+        </a:xfrm>
+      </p:grpSpPr>
+      <p:sp>
+        <p:nvSpPr>
+          <p:cNvPr id="60" name="Google Shape;60;p14"/>
+          <p:cNvSpPr txBox="1">
+            <a:spLocks noGrp="1"/>
+          </p:cNvSpPr>
+          <p:nvPr>
+            <p:ph type="title"/>
+          </p:nvPr>
+        </p:nvSpPr>
+        <p:spPr>
+          <a:xfrm>
+            <a:off x="311700" y="445025"/>
+            <a:ext cx="8520600" cy="572700"/>
+          </a:xfrm>
+          <a:prstGeom prst="rect">
+            <a:avLst/>
+          </a:prstGeom>
+        </p:spPr>
+        <p:txBody>
+          <a:bodyPr spcFirstLastPara="1" wrap="square" lIns="91425" tIns="91425" rIns="91425" bIns="91425" anchor="t" anchorCtr="0">
+            <a:noAutofit/>
+          </a:bodyPr>
+          <a:lstStyle/>
+          <a:p>
+            <a:pPr marL="0" lvl="0" indent="0" algn="l" rtl="0">
+              <a:spcBef>
+                <a:spcPts val="0"/>
+              </a:spcBef>
+              <a:spcAft>
+                <a:spcPts val="0"/>
+              </a:spcAft>
+              <a:buNone/>
+            </a:pPr>
+            <a:r>
+              <a:rPr lang="en" sz="3600" dirty="0">
+                <a:latin typeface="Verdana"/>
+                <a:ea typeface="Verdana"/>
+                <a:cs typeface="Verdana"/>
+                <a:sym typeface="Verdana"/>
+              </a:rPr>
+              <a:t>Contents</a:t>
+            </a:r>
+            <a:endParaRPr sz="3600" dirty="0"/>
+          </a:p>
+        </p:txBody>
+      </p:sp>
+      <p:sp>
+        <p:nvSpPr>
+          <p:cNvPr id="61" name="Google Shape;61;p14"/>
+          <p:cNvSpPr txBox="1">
+            <a:spLocks noGrp="1"/>
+          </p:cNvSpPr>
+          <p:nvPr>
+            <p:ph type="body" idx="1"/>
+          </p:nvPr>
+        </p:nvSpPr>
+        <p:spPr>
+          <a:xfrm>
+            <a:off x="311700" y="1152475"/>
+            <a:ext cx="8520600" cy="3416400"/>
+          </a:xfrm>
+          <a:prstGeom prst="rect">
+            <a:avLst/>
+          </a:prstGeom>
+        </p:spPr>
+        <p:txBody>
+          <a:bodyPr spcFirstLastPara="1" wrap="square" lIns="91425" tIns="91425" rIns="91425" bIns="91425" anchor="t" anchorCtr="0">
+            <a:normAutofit/>
+          </a:bodyPr>
+          <a:lstStyle/>
+          <a:p>
+            <a:pPr marL="457200" lvl="0" indent="-381000" algn="l" rtl="0">
+              <a:spcBef>
+                <a:spcPts val="1200"/>
+              </a:spcBef>
+              <a:spcAft>
+                <a:spcPts val="0"/>
+              </a:spcAft>
+              <a:buClr>
+                <a:schemeClr val="dk1"/>
+              </a:buClr>
+              <a:buSzPts val="2400"/>
+              <a:buChar char="●"/>
+            </a:pPr>
+            <a:r>
+              <a:rPr lang="en-GB" sz="2400" dirty="0">
+                <a:solidFill>
+                  <a:srgbClr val="FF0000"/>
+                </a:solidFill>
+                <a:latin typeface="Verdana"/>
+                <a:ea typeface="Verdana"/>
+                <a:cs typeface="Verdana"/>
+                <a:sym typeface="Verdana"/>
+              </a:rPr>
+              <a:t>Pythagoras Theorem</a:t>
+            </a:r>
+            <a:endParaRPr sz="2400" dirty="0">
+              <a:solidFill>
+                <a:srgbClr val="FF0000"/>
+              </a:solidFill>
+              <a:latin typeface="Verdana"/>
+              <a:ea typeface="Verdana"/>
+              <a:cs typeface="Verdana"/>
+              <a:sym typeface="Verdana"/>
+            </a:endParaRPr>
+          </a:p>
+          <a:p>
+            <a:pPr marL="457200" lvl="0" indent="-381000" algn="l" rtl="0">
+              <a:spcBef>
+                <a:spcPts val="0"/>
+              </a:spcBef>
+              <a:spcAft>
+                <a:spcPts val="0"/>
+              </a:spcAft>
+              <a:buClr>
+                <a:schemeClr val="dk1"/>
+              </a:buClr>
+              <a:buSzPts val="2400"/>
+              <a:buChar char="●"/>
+            </a:pPr>
+            <a:r>
+              <a:rPr lang="en-GB" sz="2400" dirty="0">
+                <a:solidFill>
+                  <a:schemeClr val="dk1"/>
+                </a:solidFill>
+                <a:latin typeface="Verdana"/>
+                <a:ea typeface="Verdana"/>
+                <a:cs typeface="Verdana"/>
+                <a:sym typeface="Verdana"/>
+              </a:rPr>
+              <a:t>Trigonometric ratios</a:t>
+            </a:r>
+          </a:p>
+          <a:p>
+            <a:pPr marL="457200" lvl="0" indent="-381000" algn="l" rtl="0">
+              <a:spcBef>
+                <a:spcPts val="0"/>
+              </a:spcBef>
+              <a:spcAft>
+                <a:spcPts val="0"/>
+              </a:spcAft>
+              <a:buClr>
+                <a:schemeClr val="dk1"/>
+              </a:buClr>
+              <a:buSzPts val="2400"/>
+              <a:buChar char="●"/>
+            </a:pPr>
+            <a:r>
+              <a:rPr lang="en-GB" sz="2400" dirty="0">
+                <a:solidFill>
+                  <a:schemeClr val="dk1"/>
+                </a:solidFill>
+                <a:latin typeface="Verdana"/>
+                <a:ea typeface="Verdana"/>
+                <a:cs typeface="Verdana"/>
+                <a:sym typeface="Verdana"/>
+              </a:rPr>
+              <a:t>Measurement of Radians</a:t>
+            </a:r>
+            <a:endParaRPr sz="2400" dirty="0">
+              <a:solidFill>
+                <a:schemeClr val="dk1"/>
+              </a:solidFill>
+              <a:latin typeface="Verdana"/>
+              <a:ea typeface="Verdana"/>
+              <a:cs typeface="Verdana"/>
+              <a:sym typeface="Verdana"/>
+            </a:endParaRPr>
+          </a:p>
+          <a:p>
+            <a:pPr marL="457200" lvl="0" indent="0" algn="l" rtl="0">
+              <a:spcBef>
+                <a:spcPts val="1200"/>
+              </a:spcBef>
+              <a:spcAft>
+                <a:spcPts val="0"/>
+              </a:spcAft>
+              <a:buNone/>
+            </a:pPr>
+            <a:endParaRPr sz="2400" dirty="0">
+              <a:solidFill>
+                <a:schemeClr val="dk1"/>
+              </a:solidFill>
+              <a:latin typeface="Verdana"/>
+              <a:ea typeface="Verdana"/>
+              <a:cs typeface="Verdana"/>
+              <a:sym typeface="Verdana"/>
+            </a:endParaRPr>
+          </a:p>
+          <a:p>
+            <a:pPr marL="0" lvl="0" indent="0" algn="l" rtl="0">
+              <a:spcBef>
+                <a:spcPts val="1200"/>
+              </a:spcBef>
+              <a:spcAft>
+                <a:spcPts val="1200"/>
+              </a:spcAft>
+              <a:buNone/>
+            </a:pPr>
+            <a:endParaRPr sz="2400" dirty="0"/>
+          </a:p>
+        </p:txBody>
+      </p:sp>
+    </p:spTree>
+    <p:extLst>
+      <p:ext uri="{BB962C8B-B14F-4D97-AF65-F5344CB8AC3E}">
+        <p14:creationId xmlns:p14="http://schemas.microsoft.com/office/powerpoint/2010/main" val="2493889536"/>
+      </p:ext>
+    </p:extLst>
+  </p:cSld>
+  <p:clrMapOvr>
+    <a:masterClrMapping/>
+  </p:clrMapOvr>
+</p:sld>
+</file>
+
+<file path=ppt/slides/slide4.xml><?xml version="1.0" encoding="utf-8"?>
+<p:sld xmlns:a="http://schemas.openxmlformats.org/drawingml/2006/main" xmlns:r="http://schemas.openxmlformats.org/officeDocument/2006/relationships" xmlns:p="http://schemas.openxmlformats.org/presentationml/2006/main">
+  <p:cSld>
+    <p:spTree>
+      <p:nvGrpSpPr>
+        <p:cNvPr id="1" name="Shape 71"/>
+        <p:cNvGrpSpPr/>
+        <p:nvPr/>
+      </p:nvGrpSpPr>
+      <p:grpSpPr>
+        <a:xfrm>
+          <a:off x="0" y="0"/>
+          <a:ext cx="0" cy="0"/>
+          <a:chOff x="0" y="0"/>
+          <a:chExt cx="0" cy="0"/>
+        </a:xfrm>
+      </p:grpSpPr>
+      <p:sp>
+        <p:nvSpPr>
+          <p:cNvPr id="72" name="Google Shape;72;p16"/>
+          <p:cNvSpPr txBox="1">
+            <a:spLocks noGrp="1"/>
+          </p:cNvSpPr>
+          <p:nvPr>
+            <p:ph type="title"/>
+          </p:nvPr>
+        </p:nvSpPr>
+        <p:spPr>
+          <a:xfrm>
+            <a:off x="311700" y="445025"/>
+            <a:ext cx="8520600" cy="572700"/>
+          </a:xfrm>
+          <a:prstGeom prst="rect">
+            <a:avLst/>
+          </a:prstGeom>
+        </p:spPr>
+        <p:txBody>
+          <a:bodyPr spcFirstLastPara="1" wrap="square" lIns="91425" tIns="91425" rIns="91425" bIns="91425" anchor="t" anchorCtr="0">
+            <a:noAutofit/>
+          </a:bodyPr>
+          <a:lstStyle/>
+          <a:p>
+            <a:pPr marL="0" lvl="0" indent="0" algn="l" rtl="0">
+              <a:spcBef>
+                <a:spcPts val="0"/>
+              </a:spcBef>
+              <a:spcAft>
+                <a:spcPts val="0"/>
+              </a:spcAft>
+              <a:buNone/>
+            </a:pPr>
+            <a:r>
+              <a:rPr lang="en" sz="3600" dirty="0">
+                <a:latin typeface="Verdana"/>
+                <a:ea typeface="Verdana"/>
+                <a:cs typeface="Verdana"/>
+                <a:sym typeface="Verdana"/>
+              </a:rPr>
+              <a:t>Right-angled triangle</a:t>
+            </a:r>
+            <a:endParaRPr sz="3600" dirty="0"/>
+          </a:p>
+        </p:txBody>
+      </p:sp>
+      <p:sp>
+        <p:nvSpPr>
+          <p:cNvPr id="3" name="Text Placeholder 2">
+            <a:extLst>
+              <a:ext uri="{FF2B5EF4-FFF2-40B4-BE49-F238E27FC236}">
+                <a16:creationId xmlns:a16="http://schemas.microsoft.com/office/drawing/2014/main" id="{935A5838-61F1-44A2-9405-B07C81475B74}"/>
+              </a:ext>
+            </a:extLst>
+          </p:cNvPr>
+          <p:cNvSpPr>
+            <a:spLocks noGrp="1"/>
+          </p:cNvSpPr>
+          <p:nvPr>
+            <p:ph type="body" idx="1"/>
+          </p:nvPr>
+        </p:nvSpPr>
+        <p:spPr>
+          <a:xfrm>
+            <a:off x="311700" y="1152475"/>
+            <a:ext cx="8520600" cy="572700"/>
+          </a:xfrm>
+        </p:spPr>
+        <p:txBody>
+          <a:bodyPr/>
+          <a:lstStyle/>
+          <a:p>
+            <a:r>
+              <a:rPr lang="en-GB" dirty="0"/>
+              <a:t>A Triangle having a two sides joining at 90 degrees is a right angled triangle</a:t>
+            </a:r>
+          </a:p>
+        </p:txBody>
+      </p:sp>
+      <p:sp>
+        <p:nvSpPr>
+          <p:cNvPr id="6" name="Right Triangle 5">
+            <a:extLst>
+              <a:ext uri="{FF2B5EF4-FFF2-40B4-BE49-F238E27FC236}">
+                <a16:creationId xmlns:a16="http://schemas.microsoft.com/office/drawing/2014/main" id="{C175122B-D2CA-467C-9BBF-1323847BDA4F}"/>
+              </a:ext>
+            </a:extLst>
+          </p:cNvPr>
+          <p:cNvSpPr/>
+          <p:nvPr/>
+        </p:nvSpPr>
+        <p:spPr>
+          <a:xfrm>
+            <a:off x="3132082" y="2060027"/>
+            <a:ext cx="3279228" cy="1849821"/>
+          </a:xfrm>
+          <a:prstGeom prst="rtTriangle">
+            <a:avLst/>
+          </a:prstGeom>
+        </p:spPr>
+        <p:style>
+          <a:lnRef idx="2">
+            <a:schemeClr val="accent1">
+              <a:shade val="50000"/>
+            </a:schemeClr>
+          </a:lnRef>
+          <a:fillRef idx="1">
+            <a:schemeClr val="accent1"/>
+          </a:fillRef>
+          <a:effectRef idx="0">
+            <a:schemeClr val="accent1"/>
+          </a:effectRef>
+          <a:fontRef idx="minor">
+            <a:schemeClr val="lt1"/>
+          </a:fontRef>
+        </p:style>
+        <p:txBody>
+          <a:bodyPr rtlCol="0" anchor="ctr"/>
+          <a:lstStyle/>
+          <a:p>
+            <a:pPr algn="ctr"/>
+            <a:endParaRPr lang="en-GB"/>
+          </a:p>
+        </p:txBody>
+      </p:sp>
+      <p:sp>
+        <p:nvSpPr>
+          <p:cNvPr id="7" name="TextBox 6">
+            <a:extLst>
+              <a:ext uri="{FF2B5EF4-FFF2-40B4-BE49-F238E27FC236}">
+                <a16:creationId xmlns:a16="http://schemas.microsoft.com/office/drawing/2014/main" id="{8B9531F8-4441-472F-937D-ADDC076E8CC5}"/>
+              </a:ext>
+            </a:extLst>
+          </p:cNvPr>
+          <p:cNvSpPr txBox="1"/>
+          <p:nvPr/>
+        </p:nvSpPr>
+        <p:spPr>
+          <a:xfrm>
+            <a:off x="2123089" y="2984937"/>
+            <a:ext cx="901209" cy="307777"/>
+          </a:xfrm>
+          <a:prstGeom prst="rect">
+            <a:avLst/>
+          </a:prstGeom>
+          <a:noFill/>
+        </p:spPr>
+        <p:txBody>
+          <a:bodyPr wrap="none" rtlCol="0">
+            <a:spAutoFit/>
+          </a:bodyPr>
+          <a:lstStyle/>
+          <a:p>
+            <a:r>
+              <a:rPr lang="en-GB" dirty="0"/>
+              <a:t>Opposite</a:t>
+            </a:r>
+          </a:p>
+        </p:txBody>
+      </p:sp>
+      <p:sp>
+        <p:nvSpPr>
+          <p:cNvPr id="10" name="TextBox 9">
+            <a:extLst>
+              <a:ext uri="{FF2B5EF4-FFF2-40B4-BE49-F238E27FC236}">
+                <a16:creationId xmlns:a16="http://schemas.microsoft.com/office/drawing/2014/main" id="{2189379D-34D7-4E16-9D89-8876FAB86985}"/>
+              </a:ext>
+            </a:extLst>
+          </p:cNvPr>
+          <p:cNvSpPr txBox="1"/>
+          <p:nvPr/>
+        </p:nvSpPr>
+        <p:spPr>
+          <a:xfrm>
+            <a:off x="4121395" y="4090811"/>
+            <a:ext cx="881973" cy="307777"/>
+          </a:xfrm>
+          <a:prstGeom prst="rect">
+            <a:avLst/>
+          </a:prstGeom>
+          <a:noFill/>
+        </p:spPr>
+        <p:txBody>
+          <a:bodyPr wrap="none" rtlCol="0">
+            <a:spAutoFit/>
+          </a:bodyPr>
+          <a:lstStyle/>
+          <a:p>
+            <a:r>
+              <a:rPr lang="en-GB" dirty="0"/>
+              <a:t>Adjacent</a:t>
+            </a:r>
+          </a:p>
+        </p:txBody>
+      </p:sp>
+      <p:sp>
+        <p:nvSpPr>
+          <p:cNvPr id="11" name="TextBox 10">
+            <a:extLst>
+              <a:ext uri="{FF2B5EF4-FFF2-40B4-BE49-F238E27FC236}">
+                <a16:creationId xmlns:a16="http://schemas.microsoft.com/office/drawing/2014/main" id="{2AC0D8C0-AD90-4525-9A4F-330367A209E5}"/>
+              </a:ext>
+            </a:extLst>
+          </p:cNvPr>
+          <p:cNvSpPr txBox="1"/>
+          <p:nvPr/>
+        </p:nvSpPr>
+        <p:spPr>
+          <a:xfrm>
+            <a:off x="4771696" y="2687669"/>
+            <a:ext cx="1140056" cy="307777"/>
+          </a:xfrm>
+          <a:prstGeom prst="rect">
+            <a:avLst/>
+          </a:prstGeom>
+          <a:noFill/>
+        </p:spPr>
+        <p:txBody>
+          <a:bodyPr wrap="none" rtlCol="0">
+            <a:spAutoFit/>
+          </a:bodyPr>
+          <a:lstStyle/>
+          <a:p>
+            <a:r>
+              <a:rPr lang="en-GB" dirty="0"/>
+              <a:t>Hypotenuse</a:t>
+            </a:r>
+          </a:p>
+        </p:txBody>
+      </p:sp>
+      <p:sp>
+        <p:nvSpPr>
+          <p:cNvPr id="4" name="Rectangle 3">
+            <a:extLst>
+              <a:ext uri="{FF2B5EF4-FFF2-40B4-BE49-F238E27FC236}">
+                <a16:creationId xmlns:a16="http://schemas.microsoft.com/office/drawing/2014/main" id="{E8EFA55A-977E-4448-8049-49FCCF43E546}"/>
+              </a:ext>
+            </a:extLst>
+          </p:cNvPr>
+          <p:cNvSpPr/>
+          <p:nvPr/>
+        </p:nvSpPr>
+        <p:spPr>
+          <a:xfrm>
+            <a:off x="3132082" y="3626069"/>
+            <a:ext cx="283780" cy="283780"/>
+          </a:xfrm>
+          <a:prstGeom prst="rect">
+            <a:avLst/>
+          </a:prstGeom>
+        </p:spPr>
+        <p:style>
+          <a:lnRef idx="2">
+            <a:schemeClr val="accent1">
+              <a:shade val="50000"/>
+            </a:schemeClr>
+          </a:lnRef>
+          <a:fillRef idx="1">
+            <a:schemeClr val="accent1"/>
+          </a:fillRef>
+          <a:effectRef idx="0">
+            <a:schemeClr val="accent1"/>
+          </a:effectRef>
+          <a:fontRef idx="minor">
+            <a:schemeClr val="lt1"/>
+          </a:fontRef>
+        </p:style>
+        <p:txBody>
+          <a:bodyPr rtlCol="0" anchor="ctr"/>
+          <a:lstStyle/>
+          <a:p>
+            <a:pPr algn="ctr"/>
+            <a:endParaRPr lang="en-GB"/>
+          </a:p>
+        </p:txBody>
+      </p:sp>
+      <p:sp>
+        <p:nvSpPr>
+          <p:cNvPr id="5" name="Oval 4">
+            <a:extLst>
+              <a:ext uri="{FF2B5EF4-FFF2-40B4-BE49-F238E27FC236}">
+                <a16:creationId xmlns:a16="http://schemas.microsoft.com/office/drawing/2014/main" id="{0DB8A8F5-CF2F-462C-9A4F-993B57855942}"/>
+              </a:ext>
+            </a:extLst>
+          </p:cNvPr>
+          <p:cNvSpPr/>
+          <p:nvPr/>
+        </p:nvSpPr>
+        <p:spPr>
+          <a:xfrm>
+            <a:off x="2951120" y="3455617"/>
+            <a:ext cx="635194" cy="635194"/>
+          </a:xfrm>
+          <a:prstGeom prst="ellipse">
+            <a:avLst/>
+          </a:prstGeom>
+          <a:noFill/>
+          <a:ln>
+            <a:solidFill>
+              <a:srgbClr val="FF0000"/>
+            </a:solidFill>
+          </a:ln>
+        </p:spPr>
+        <p:style>
+          <a:lnRef idx="2">
+            <a:schemeClr val="accent1">
+              <a:shade val="50000"/>
+            </a:schemeClr>
+          </a:lnRef>
+          <a:fillRef idx="1">
+            <a:schemeClr val="accent1"/>
+          </a:fillRef>
+          <a:effectRef idx="0">
+            <a:schemeClr val="accent1"/>
+          </a:effectRef>
+          <a:fontRef idx="minor">
+            <a:schemeClr val="lt1"/>
+          </a:fontRef>
+        </p:style>
+        <p:txBody>
+          <a:bodyPr rtlCol="0" anchor="ctr"/>
+          <a:lstStyle/>
+          <a:p>
+            <a:pPr algn="ctr"/>
+            <a:endParaRPr lang="en-GB"/>
+          </a:p>
+        </p:txBody>
+      </p:sp>
+    </p:spTree>
+  </p:cSld>
+  <p:clrMapOvr>
+    <a:masterClrMapping/>
+  </p:clrMapOvr>
+</p:sld>
+</file>
+
+<file path=ppt/slides/slide5.xml><?xml version="1.0" encoding="utf-8"?>
+<p:sld xmlns:a="http://schemas.openxmlformats.org/drawingml/2006/main" xmlns:r="http://schemas.openxmlformats.org/officeDocument/2006/relationships" xmlns:p="http://schemas.openxmlformats.org/presentationml/2006/main">
+  <p:cSld>
+    <p:spTree>
+      <p:nvGrpSpPr>
+        <p:cNvPr id="1" name="Shape 71"/>
+        <p:cNvGrpSpPr/>
+        <p:nvPr/>
+      </p:nvGrpSpPr>
+      <p:grpSpPr>
+        <a:xfrm>
+          <a:off x="0" y="0"/>
+          <a:ext cx="0" cy="0"/>
+          <a:chOff x="0" y="0"/>
+          <a:chExt cx="0" cy="0"/>
+        </a:xfrm>
+      </p:grpSpPr>
+      <p:sp>
+        <p:nvSpPr>
+          <p:cNvPr id="72" name="Google Shape;72;p16"/>
+          <p:cNvSpPr txBox="1">
+            <a:spLocks noGrp="1"/>
+          </p:cNvSpPr>
+          <p:nvPr>
+            <p:ph type="title"/>
+          </p:nvPr>
+        </p:nvSpPr>
+        <p:spPr>
+          <a:xfrm>
+            <a:off x="311700" y="445025"/>
+            <a:ext cx="8520600" cy="572700"/>
+          </a:xfrm>
+          <a:prstGeom prst="rect">
+            <a:avLst/>
+          </a:prstGeom>
+        </p:spPr>
+        <p:txBody>
+          <a:bodyPr spcFirstLastPara="1" wrap="square" lIns="91425" tIns="91425" rIns="91425" bIns="91425" anchor="t" anchorCtr="0">
+            <a:noAutofit/>
+          </a:bodyPr>
+          <a:lstStyle/>
+          <a:p>
+            <a:pPr marL="0" lvl="0" indent="0" algn="l" rtl="0">
+              <a:spcBef>
+                <a:spcPts val="0"/>
+              </a:spcBef>
+              <a:spcAft>
+                <a:spcPts val="0"/>
+              </a:spcAft>
+              <a:buNone/>
+            </a:pPr>
+            <a:r>
+              <a:rPr lang="en" sz="3600" dirty="0">
+                <a:latin typeface="Verdana"/>
+                <a:ea typeface="Verdana"/>
+                <a:cs typeface="Verdana"/>
+                <a:sym typeface="Verdana"/>
+              </a:rPr>
+              <a:t>Pythagoras theorem</a:t>
+            </a:r>
+            <a:endParaRPr sz="3600" dirty="0"/>
+          </a:p>
+        </p:txBody>
+      </p:sp>
+      <p:pic>
+        <p:nvPicPr>
+          <p:cNvPr id="5" name="Picture 4">
+            <a:extLst>
+              <a:ext uri="{FF2B5EF4-FFF2-40B4-BE49-F238E27FC236}">
+                <a16:creationId xmlns:a16="http://schemas.microsoft.com/office/drawing/2014/main" id="{359AFAB9-01C0-4622-8DB8-C78EF4FE47EA}"/>
+              </a:ext>
+            </a:extLst>
+          </p:cNvPr>
+          <p:cNvPicPr>
+            <a:picLocks noChangeAspect="1"/>
+          </p:cNvPicPr>
+          <p:nvPr/>
+        </p:nvPicPr>
+        <p:blipFill>
+          <a:blip r:embed="rId3"/>
+          <a:stretch>
+            <a:fillRect/>
+          </a:stretch>
+        </p:blipFill>
+        <p:spPr>
+          <a:xfrm>
+            <a:off x="2144110" y="1017725"/>
+            <a:ext cx="5192235" cy="4047081"/>
+          </a:xfrm>
+          <a:prstGeom prst="rect">
+            <a:avLst/>
+          </a:prstGeom>
+        </p:spPr>
+      </p:pic>
+    </p:spTree>
+    <p:extLst>
+      <p:ext uri="{BB962C8B-B14F-4D97-AF65-F5344CB8AC3E}">
+        <p14:creationId xmlns:p14="http://schemas.microsoft.com/office/powerpoint/2010/main" val="4067192052"/>
+      </p:ext>
+    </p:extLst>
+  </p:cSld>
+  <p:clrMapOvr>
+    <a:masterClrMapping/>
+  </p:clrMapOvr>
+</p:sld>
+</file>
+
+<file path=ppt/slides/slide6.xml><?xml version="1.0" encoding="utf-8"?>
+<p:sld xmlns:a="http://schemas.openxmlformats.org/drawingml/2006/main" xmlns:r="http://schemas.openxmlformats.org/officeDocument/2006/relationships" xmlns:p="http://schemas.openxmlformats.org/presentationml/2006/main">
+  <p:cSld>
+    <p:spTree>
+      <p:nvGrpSpPr>
+        <p:cNvPr id="1" name="Shape 71"/>
+        <p:cNvGrpSpPr/>
+        <p:nvPr/>
+      </p:nvGrpSpPr>
+      <p:grpSpPr>
+        <a:xfrm>
+          <a:off x="0" y="0"/>
+          <a:ext cx="0" cy="0"/>
+          <a:chOff x="0" y="0"/>
+          <a:chExt cx="0" cy="0"/>
+        </a:xfrm>
+      </p:grpSpPr>
+      <p:sp>
+        <p:nvSpPr>
+          <p:cNvPr id="72" name="Google Shape;72;p16"/>
+          <p:cNvSpPr txBox="1">
+            <a:spLocks noGrp="1"/>
+          </p:cNvSpPr>
+          <p:nvPr>
+            <p:ph type="title"/>
+          </p:nvPr>
+        </p:nvSpPr>
+        <p:spPr>
+          <a:xfrm>
+            <a:off x="311700" y="445025"/>
+            <a:ext cx="8520600" cy="572700"/>
+          </a:xfrm>
+          <a:prstGeom prst="rect">
+            <a:avLst/>
+          </a:prstGeom>
+        </p:spPr>
+        <p:txBody>
+          <a:bodyPr spcFirstLastPara="1" wrap="square" lIns="91425" tIns="91425" rIns="91425" bIns="91425" anchor="t" anchorCtr="0">
+            <a:noAutofit/>
+          </a:bodyPr>
+          <a:lstStyle/>
+          <a:p>
+            <a:pPr marL="0" lvl="0" indent="0" algn="l" rtl="0">
+              <a:spcBef>
+                <a:spcPts val="0"/>
+              </a:spcBef>
+              <a:spcAft>
+                <a:spcPts val="0"/>
+              </a:spcAft>
+              <a:buNone/>
+            </a:pPr>
+            <a:r>
+              <a:rPr lang="en" sz="3600" dirty="0">
+                <a:latin typeface="Verdana"/>
+                <a:ea typeface="Verdana"/>
+                <a:cs typeface="Verdana"/>
+                <a:sym typeface="Verdana"/>
+              </a:rPr>
+              <a:t>Pythagoras theorem</a:t>
+            </a:r>
+            <a:endParaRPr sz="3600" dirty="0"/>
+          </a:p>
+        </p:txBody>
+      </p:sp>
+      <mc:AlternateContent xmlns:mc="http://schemas.openxmlformats.org/markup-compatibility/2006" xmlns:a14="http://schemas.microsoft.com/office/drawing/2010/main">
+        <mc:Choice Requires="a14">
+          <p:sp>
+            <p:nvSpPr>
+              <p:cNvPr id="3" name="Text Placeholder 2">
+                <a:extLst>
+                  <a:ext uri="{FF2B5EF4-FFF2-40B4-BE49-F238E27FC236}">
+                    <a16:creationId xmlns:a16="http://schemas.microsoft.com/office/drawing/2014/main" id="{935A5838-61F1-44A2-9405-B07C81475B74}"/>
+                  </a:ext>
+                </a:extLst>
+              </p:cNvPr>
+              <p:cNvSpPr>
+                <a:spLocks noGrp="1"/>
+              </p:cNvSpPr>
+              <p:nvPr>
+                <p:ph type="body" idx="1"/>
+              </p:nvPr>
+            </p:nvSpPr>
+            <p:spPr/>
+            <p:txBody>
+              <a:bodyPr/>
+              <a:lstStyle/>
+              <a:p>
+                <a14:m>
+                  <m:oMath xmlns:m="http://schemas.openxmlformats.org/officeDocument/2006/math">
+                    <m:sSup>
+                      <m:sSupPr>
+                        <m:ctrlPr>
+                          <a:rPr lang="en-GB" b="0" i="1" smtClean="0">
+                            <a:latin typeface="Cambria Math" panose="02040503050406030204" pitchFamily="18" charset="0"/>
+                          </a:rPr>
+                        </m:ctrlPr>
+                      </m:sSupPr>
+                      <m:e>
+                        <m:r>
+                          <a:rPr lang="en-GB" b="0" i="1" smtClean="0">
+                            <a:latin typeface="Cambria Math" panose="02040503050406030204" pitchFamily="18" charset="0"/>
+                          </a:rPr>
+                          <m:t>𝑎</m:t>
+                        </m:r>
+                      </m:e>
+                      <m:sup>
+                        <m:r>
+                          <a:rPr lang="en-GB" b="0" i="1" smtClean="0">
+                            <a:latin typeface="Cambria Math" panose="02040503050406030204" pitchFamily="18" charset="0"/>
+                          </a:rPr>
+                          <m:t>2</m:t>
+                        </m:r>
+                      </m:sup>
+                    </m:sSup>
+                    <m:r>
+                      <a:rPr lang="en-GB" b="0" i="1" smtClean="0">
+                        <a:latin typeface="Cambria Math" panose="02040503050406030204" pitchFamily="18" charset="0"/>
+                      </a:rPr>
+                      <m:t>+</m:t>
+                    </m:r>
+                    <m:sSup>
+                      <m:sSupPr>
+                        <m:ctrlPr>
+                          <a:rPr lang="en-GB" b="0" i="1" smtClean="0">
+                            <a:latin typeface="Cambria Math" panose="02040503050406030204" pitchFamily="18" charset="0"/>
+                          </a:rPr>
+                        </m:ctrlPr>
+                      </m:sSupPr>
+                      <m:e>
+                        <m:r>
+                          <a:rPr lang="en-GB" b="0" i="1" smtClean="0">
+                            <a:latin typeface="Cambria Math" panose="02040503050406030204" pitchFamily="18" charset="0"/>
+                          </a:rPr>
+                          <m:t>𝑏</m:t>
+                        </m:r>
+                      </m:e>
+                      <m:sup>
+                        <m:r>
+                          <a:rPr lang="en-GB" b="0" i="1" smtClean="0">
+                            <a:latin typeface="Cambria Math" panose="02040503050406030204" pitchFamily="18" charset="0"/>
+                          </a:rPr>
+                          <m:t>2</m:t>
+                        </m:r>
+                      </m:sup>
+                    </m:sSup>
+                    <m:r>
+                      <a:rPr lang="en-GB" b="0" i="1" smtClean="0">
+                        <a:latin typeface="Cambria Math" panose="02040503050406030204" pitchFamily="18" charset="0"/>
+                      </a:rPr>
+                      <m:t>=</m:t>
+                    </m:r>
+                    <m:sSup>
+                      <m:sSupPr>
+                        <m:ctrlPr>
+                          <a:rPr lang="en-GB" b="0" i="1" smtClean="0">
+                            <a:latin typeface="Cambria Math" panose="02040503050406030204" pitchFamily="18" charset="0"/>
+                          </a:rPr>
+                        </m:ctrlPr>
+                      </m:sSupPr>
+                      <m:e>
+                        <m:r>
+                          <a:rPr lang="en-GB" b="0" i="1" smtClean="0">
+                            <a:latin typeface="Cambria Math" panose="02040503050406030204" pitchFamily="18" charset="0"/>
+                          </a:rPr>
+                          <m:t>𝑐</m:t>
+                        </m:r>
+                      </m:e>
+                      <m:sup>
+                        <m:r>
+                          <a:rPr lang="en-GB" b="0" i="1" smtClean="0">
+                            <a:latin typeface="Cambria Math" panose="02040503050406030204" pitchFamily="18" charset="0"/>
+                          </a:rPr>
+                          <m:t>2</m:t>
+                        </m:r>
+                      </m:sup>
+                    </m:sSup>
+                    <m:r>
+                      <a:rPr lang="en-GB" b="0" i="1" smtClean="0">
+                        <a:latin typeface="Cambria Math" panose="02040503050406030204" pitchFamily="18" charset="0"/>
+                      </a:rPr>
+                      <m:t> </m:t>
+                    </m:r>
+                  </m:oMath>
+                </a14:m>
+                <a:r>
+                  <a:rPr lang="en-GB" dirty="0"/>
+                  <a:t>  (for right angled triangles)</a:t>
+                </a:r>
+              </a:p>
+            </p:txBody>
+          </p:sp>
+        </mc:Choice>
+        <mc:Fallback xmlns="">
+          <p:sp>
+            <p:nvSpPr>
+              <p:cNvPr id="3" name="Text Placeholder 2">
+                <a:extLst>
+                  <a:ext uri="{FF2B5EF4-FFF2-40B4-BE49-F238E27FC236}">
+                    <a16:creationId xmlns:a16="http://schemas.microsoft.com/office/drawing/2014/main" id="{935A5838-61F1-44A2-9405-B07C81475B74}"/>
+                  </a:ext>
+                </a:extLst>
+              </p:cNvPr>
+              <p:cNvSpPr>
+                <a:spLocks noGrp="1" noRot="1" noChangeAspect="1" noMove="1" noResize="1" noEditPoints="1" noAdjustHandles="1" noChangeArrowheads="1" noChangeShapeType="1" noTextEdit="1"/>
+              </p:cNvSpPr>
+              <p:nvPr>
+                <p:ph type="body" idx="1"/>
+              </p:nvPr>
+            </p:nvSpPr>
+            <p:spPr>
+              <a:blipFill>
+                <a:blip r:embed="rId3"/>
+                <a:stretch>
+                  <a:fillRect/>
+                </a:stretch>
+              </a:blipFill>
+            </p:spPr>
+            <p:txBody>
+              <a:bodyPr/>
+              <a:lstStyle/>
+              <a:p>
+                <a:r>
+                  <a:rPr lang="en-GB">
+                    <a:noFill/>
+                  </a:rPr>
+                  <a:t> </a:t>
+                </a:r>
+              </a:p>
+            </p:txBody>
+          </p:sp>
+        </mc:Fallback>
+      </mc:AlternateContent>
+      <p:pic>
+        <p:nvPicPr>
+          <p:cNvPr id="5" name="Picture 4">
+            <a:extLst>
+              <a:ext uri="{FF2B5EF4-FFF2-40B4-BE49-F238E27FC236}">
+                <a16:creationId xmlns:a16="http://schemas.microsoft.com/office/drawing/2014/main" id="{359AFAB9-01C0-4622-8DB8-C78EF4FE47EA}"/>
+              </a:ext>
+            </a:extLst>
+          </p:cNvPr>
+          <p:cNvPicPr>
+            <a:picLocks noChangeAspect="1"/>
+          </p:cNvPicPr>
+          <p:nvPr/>
+        </p:nvPicPr>
+        <p:blipFill>
+          <a:blip r:embed="rId4"/>
+          <a:stretch>
+            <a:fillRect/>
+          </a:stretch>
+        </p:blipFill>
+        <p:spPr>
+          <a:xfrm>
+            <a:off x="2671762" y="1691253"/>
+            <a:ext cx="3800475" cy="2962275"/>
+          </a:xfrm>
+          <a:prstGeom prst="rect">
+            <a:avLst/>
+          </a:prstGeom>
+        </p:spPr>
+      </p:pic>
+    </p:spTree>
+    <p:extLst>
+      <p:ext uri="{BB962C8B-B14F-4D97-AF65-F5344CB8AC3E}">
+        <p14:creationId xmlns:p14="http://schemas.microsoft.com/office/powerpoint/2010/main" val="2206059451"/>
+      </p:ext>
+    </p:extLst>
+  </p:cSld>
+  <p:clrMapOvr>
+    <a:masterClrMapping/>
+  </p:clrMapOvr>
+</p:sld>
+</file>
+
+<file path=ppt/slides/slide7.xml><?xml version="1.0" encoding="utf-8"?>
+<p:sld xmlns:a="http://schemas.openxmlformats.org/drawingml/2006/main" xmlns:r="http://schemas.openxmlformats.org/officeDocument/2006/relationships" xmlns:p="http://schemas.openxmlformats.org/presentationml/2006/main">
+  <p:cSld>
+    <p:spTree>
+      <p:nvGrpSpPr>
+        <p:cNvPr id="1" name="Shape 71"/>
+        <p:cNvGrpSpPr/>
+        <p:nvPr/>
+      </p:nvGrpSpPr>
+      <p:grpSpPr>
+        <a:xfrm>
+          <a:off x="0" y="0"/>
+          <a:ext cx="0" cy="0"/>
+          <a:chOff x="0" y="0"/>
+          <a:chExt cx="0" cy="0"/>
+        </a:xfrm>
+      </p:grpSpPr>
+      <p:sp>
+        <p:nvSpPr>
+          <p:cNvPr id="72" name="Google Shape;72;p16"/>
+          <p:cNvSpPr txBox="1">
+            <a:spLocks noGrp="1"/>
+          </p:cNvSpPr>
+          <p:nvPr>
+            <p:ph type="title"/>
+          </p:nvPr>
+        </p:nvSpPr>
+        <p:spPr>
+          <a:xfrm>
+            <a:off x="311700" y="445025"/>
+            <a:ext cx="8520600" cy="572700"/>
+          </a:xfrm>
+          <a:prstGeom prst="rect">
+            <a:avLst/>
+          </a:prstGeom>
+        </p:spPr>
+        <p:txBody>
+          <a:bodyPr spcFirstLastPara="1" wrap="square" lIns="91425" tIns="91425" rIns="91425" bIns="91425" anchor="t" anchorCtr="0">
+            <a:noAutofit/>
+          </a:bodyPr>
+          <a:lstStyle/>
+          <a:p>
+            <a:pPr marL="0" lvl="0" indent="0" algn="l" rtl="0">
+              <a:spcBef>
+                <a:spcPts val="0"/>
+              </a:spcBef>
+              <a:spcAft>
+                <a:spcPts val="0"/>
+              </a:spcAft>
+              <a:buNone/>
+            </a:pPr>
+            <a:r>
+              <a:rPr lang="en" sz="3600" dirty="0">
+                <a:latin typeface="Verdana"/>
+                <a:ea typeface="Verdana"/>
+                <a:cs typeface="Verdana"/>
+                <a:sym typeface="Verdana"/>
+              </a:rPr>
+              <a:t>Pythagoras theorem - application</a:t>
+            </a:r>
+            <a:endParaRPr sz="3600" dirty="0"/>
+          </a:p>
+        </p:txBody>
+      </p:sp>
+      <p:sp>
+        <p:nvSpPr>
+          <p:cNvPr id="3" name="Text Placeholder 2">
+            <a:extLst>
+              <a:ext uri="{FF2B5EF4-FFF2-40B4-BE49-F238E27FC236}">
+                <a16:creationId xmlns:a16="http://schemas.microsoft.com/office/drawing/2014/main" id="{935A5838-61F1-44A2-9405-B07C81475B74}"/>
+              </a:ext>
+            </a:extLst>
+          </p:cNvPr>
+          <p:cNvSpPr>
+            <a:spLocks noGrp="1"/>
+          </p:cNvSpPr>
+          <p:nvPr>
+            <p:ph type="body" idx="1"/>
+          </p:nvPr>
+        </p:nvSpPr>
+        <p:spPr/>
+        <p:txBody>
+          <a:bodyPr/>
+          <a:lstStyle/>
+          <a:p>
+            <a:r>
+              <a:rPr lang="en-GB" dirty="0"/>
+              <a:t>For the cuboid below find the length of the diagonal from the bottom-back corner to the front-top corner.</a:t>
+            </a:r>
+          </a:p>
+        </p:txBody>
+      </p:sp>
+      <p:pic>
+        <p:nvPicPr>
+          <p:cNvPr id="4" name="Picture 3">
+            <a:extLst>
+              <a:ext uri="{FF2B5EF4-FFF2-40B4-BE49-F238E27FC236}">
+                <a16:creationId xmlns:a16="http://schemas.microsoft.com/office/drawing/2014/main" id="{D5F16036-82AF-4703-B738-A8032D61B99A}"/>
+              </a:ext>
+            </a:extLst>
+          </p:cNvPr>
+          <p:cNvPicPr>
+            <a:picLocks noChangeAspect="1"/>
+          </p:cNvPicPr>
+          <p:nvPr/>
+        </p:nvPicPr>
+        <p:blipFill>
+          <a:blip r:embed="rId3"/>
+          <a:stretch>
+            <a:fillRect/>
+          </a:stretch>
+        </p:blipFill>
+        <p:spPr>
+          <a:xfrm>
+            <a:off x="4089576" y="1918759"/>
+            <a:ext cx="3019425" cy="3067050"/>
+          </a:xfrm>
+          <a:prstGeom prst="rect">
+            <a:avLst/>
+          </a:prstGeom>
+        </p:spPr>
+      </p:pic>
+    </p:spTree>
+    <p:extLst>
+      <p:ext uri="{BB962C8B-B14F-4D97-AF65-F5344CB8AC3E}">
+        <p14:creationId xmlns:p14="http://schemas.microsoft.com/office/powerpoint/2010/main" val="1009536996"/>
+      </p:ext>
+    </p:extLst>
+  </p:cSld>
+  <p:clrMapOvr>
+    <a:masterClrMapping/>
+  </p:clrMapOvr>
+</p:sld>
+</file>
+
+<file path=ppt/slides/slide8.xml><?xml version="1.0" encoding="utf-8"?>
+<p:sld xmlns:a="http://schemas.openxmlformats.org/drawingml/2006/main" xmlns:r="http://schemas.openxmlformats.org/officeDocument/2006/relationships" xmlns:p="http://schemas.openxmlformats.org/presentationml/2006/main">
+  <p:cSld>
+    <p:spTree>
+      <p:nvGrpSpPr>
+        <p:cNvPr id="1" name="Shape 78"/>
+        <p:cNvGrpSpPr/>
+        <p:nvPr/>
+      </p:nvGrpSpPr>
+      <p:grpSpPr>
+        <a:xfrm>
+          <a:off x="0" y="0"/>
+          <a:ext cx="0" cy="0"/>
+          <a:chOff x="0" y="0"/>
+          <a:chExt cx="0" cy="0"/>
+        </a:xfrm>
+      </p:grpSpPr>
+      <p:sp>
+        <p:nvSpPr>
+          <p:cNvPr id="79" name="Google Shape;79;p17"/>
+          <p:cNvSpPr txBox="1">
+            <a:spLocks noGrp="1"/>
+          </p:cNvSpPr>
+          <p:nvPr>
+            <p:ph type="ctrTitle"/>
+          </p:nvPr>
+        </p:nvSpPr>
+        <p:spPr>
+          <a:xfrm>
+            <a:off x="311708" y="744575"/>
+            <a:ext cx="8520600" cy="2052600"/>
+          </a:xfrm>
+          <a:prstGeom prst="rect">
+            <a:avLst/>
+          </a:prstGeom>
+        </p:spPr>
+        <p:txBody>
+          <a:bodyPr spcFirstLastPara="1" wrap="square" lIns="91425" tIns="91425" rIns="91425" bIns="91425" anchor="b" anchorCtr="0">
+            <a:normAutofit/>
+          </a:bodyPr>
+          <a:lstStyle/>
+          <a:p>
+            <a:pPr marL="0" lvl="0" indent="0" algn="ctr" rtl="0">
+              <a:spcBef>
+                <a:spcPts val="0"/>
+              </a:spcBef>
+              <a:spcAft>
+                <a:spcPts val="0"/>
+              </a:spcAft>
+              <a:buNone/>
+            </a:pPr>
+            <a:r>
+              <a:rPr lang="en"/>
+              <a:t>Any Questions?</a:t>
+            </a:r>
+            <a:endParaRPr/>
+          </a:p>
+        </p:txBody>
+      </p:sp>
+      <p:sp>
+        <p:nvSpPr>
+          <p:cNvPr id="80" name="Google Shape;80;p17"/>
+          <p:cNvSpPr txBox="1">
+            <a:spLocks noGrp="1"/>
+          </p:cNvSpPr>
+          <p:nvPr>
+            <p:ph type="subTitle" idx="1"/>
+          </p:nvPr>
+        </p:nvSpPr>
+        <p:spPr>
+          <a:xfrm>
+            <a:off x="311700" y="2834125"/>
+            <a:ext cx="8520600" cy="792600"/>
+          </a:xfrm>
+          <a:prstGeom prst="rect">
+            <a:avLst/>
+          </a:prstGeom>
+        </p:spPr>
+        <p:txBody>
+          <a:bodyPr spcFirstLastPara="1" wrap="square" lIns="91425" tIns="91425" rIns="91425" bIns="91425" anchor="t" anchorCtr="0">
+            <a:normAutofit/>
+          </a:bodyPr>
+          <a:lstStyle/>
+          <a:p>
+            <a:pPr marL="0" lvl="0" indent="0" algn="ctr" rtl="0">
+              <a:spcBef>
+                <a:spcPts val="0"/>
+              </a:spcBef>
+              <a:spcAft>
+                <a:spcPts val="0"/>
+              </a:spcAft>
+              <a:buNone/>
+            </a:pPr>
+            <a:r>
+              <a:rPr lang="en"/>
+              <a:t>Let’s do a mini-quiz..[2]</a:t>
+            </a:r>
+            <a:endParaRPr/>
+          </a:p>
+        </p:txBody>
+      </p:sp>
+      <p:cxnSp>
+        <p:nvCxnSpPr>
+          <p:cNvPr id="81" name="Google Shape;81;p17"/>
+          <p:cNvCxnSpPr/>
+          <p:nvPr/>
+        </p:nvCxnSpPr>
+        <p:spPr>
+          <a:xfrm>
+            <a:off x="339675" y="2782025"/>
+            <a:ext cx="8515800" cy="0"/>
+          </a:xfrm>
+          <a:prstGeom prst="straightConnector1">
+            <a:avLst/>
+          </a:prstGeom>
+          <a:noFill/>
+          <a:ln w="9525" cap="flat" cmpd="sng">
+            <a:solidFill>
+              <a:schemeClr val="dk2"/>
+            </a:solidFill>
+            <a:prstDash val="solid"/>
+            <a:round/>
+            <a:headEnd type="none" w="med" len="med"/>
+            <a:tailEnd type="none" w="med" len="med"/>
+          </a:ln>
+        </p:spPr>
+      </p:cxnSp>
+    </p:spTree>
+  </p:cSld>
+  <p:clrMapOvr>
+    <a:masterClrMapping/>
+  </p:clrMapOvr>
+</p:sld>
+</file>
+
+<file path=ppt/slides/slide9.xml><?xml version="1.0" encoding="utf-8"?>
+<p:sld xmlns:a="http://schemas.openxmlformats.org/drawingml/2006/main" xmlns:r="http://schemas.openxmlformats.org/officeDocument/2006/relationships" xmlns:p="http://schemas.openxmlformats.org/presentationml/2006/main">
+  <p:cSld>
+    <p:spTree>
+      <p:nvGrpSpPr>
+        <p:cNvPr id="1" name="Shape 59"/>
+        <p:cNvGrpSpPr/>
+        <p:nvPr/>
+      </p:nvGrpSpPr>
+      <p:grpSpPr>
+        <a:xfrm>
+          <a:off x="0" y="0"/>
+          <a:ext cx="0" cy="0"/>
+          <a:chOff x="0" y="0"/>
+          <a:chExt cx="0" cy="0"/>
+        </a:xfrm>
+      </p:grpSpPr>
+      <p:sp>
+        <p:nvSpPr>
+          <p:cNvPr id="60" name="Google Shape;60;p14"/>
+          <p:cNvSpPr txBox="1">
+            <a:spLocks noGrp="1"/>
+          </p:cNvSpPr>
+          <p:nvPr>
+            <p:ph type="title"/>
+          </p:nvPr>
+        </p:nvSpPr>
+        <p:spPr>
+          <a:xfrm>
+            <a:off x="311700" y="445025"/>
+            <a:ext cx="8520600" cy="572700"/>
+          </a:xfrm>
+          <a:prstGeom prst="rect">
+            <a:avLst/>
+          </a:prstGeom>
+        </p:spPr>
+        <p:txBody>
+          <a:bodyPr spcFirstLastPara="1" wrap="square" lIns="91425" tIns="91425" rIns="91425" bIns="91425" anchor="t" anchorCtr="0">
+            <a:noAutofit/>
+          </a:bodyPr>
+          <a:lstStyle/>
+          <a:p>
+            <a:pPr marL="0" lvl="0" indent="0" algn="l" rtl="0">
+              <a:spcBef>
+                <a:spcPts val="0"/>
+              </a:spcBef>
+              <a:spcAft>
+                <a:spcPts val="0"/>
+              </a:spcAft>
+              <a:buNone/>
+            </a:pPr>
+            <a:r>
+              <a:rPr lang="en" sz="3600" dirty="0">
+                <a:latin typeface="Verdana"/>
+                <a:ea typeface="Verdana"/>
+                <a:cs typeface="Verdana"/>
+                <a:sym typeface="Verdana"/>
+              </a:rPr>
+              <a:t>Contents</a:t>
+            </a:r>
+            <a:endParaRPr sz="3600" dirty="0"/>
+          </a:p>
+        </p:txBody>
+      </p:sp>
+      <p:sp>
+        <p:nvSpPr>
+          <p:cNvPr id="61" name="Google Shape;61;p14"/>
+          <p:cNvSpPr txBox="1">
+            <a:spLocks noGrp="1"/>
+          </p:cNvSpPr>
+          <p:nvPr>
+            <p:ph type="body" idx="1"/>
+          </p:nvPr>
+        </p:nvSpPr>
+        <p:spPr>
+          <a:xfrm>
+            <a:off x="311700" y="1152475"/>
+            <a:ext cx="8520600" cy="3416400"/>
+          </a:xfrm>
+          <a:prstGeom prst="rect">
+            <a:avLst/>
+          </a:prstGeom>
+        </p:spPr>
+        <p:txBody>
+          <a:bodyPr spcFirstLastPara="1" wrap="square" lIns="91425" tIns="91425" rIns="91425" bIns="91425" anchor="t" anchorCtr="0">
+            <a:normAutofit/>
+          </a:bodyPr>
+          <a:lstStyle/>
+          <a:p>
+            <a:pPr marL="457200" lvl="0" indent="-381000" algn="l" rtl="0">
+              <a:spcBef>
+                <a:spcPts val="1200"/>
+              </a:spcBef>
+              <a:spcAft>
+                <a:spcPts val="0"/>
+              </a:spcAft>
+              <a:buClr>
+                <a:schemeClr val="dk1"/>
+              </a:buClr>
+              <a:buSzPts val="2400"/>
+              <a:buChar char="●"/>
+            </a:pPr>
+            <a:r>
+              <a:rPr lang="en-GB" sz="2400" dirty="0">
+                <a:solidFill>
+                  <a:schemeClr val="dk1"/>
+                </a:solidFill>
+                <a:latin typeface="Verdana"/>
+                <a:ea typeface="Verdana"/>
+                <a:cs typeface="Verdana"/>
+                <a:sym typeface="Verdana"/>
+              </a:rPr>
+              <a:t>Pythagoras Theorem</a:t>
+            </a:r>
+            <a:endParaRPr sz="2400" dirty="0">
+              <a:solidFill>
+                <a:schemeClr val="dk1"/>
+              </a:solidFill>
+              <a:latin typeface="Verdana"/>
+              <a:ea typeface="Verdana"/>
+              <a:cs typeface="Verdana"/>
+              <a:sym typeface="Verdana"/>
+            </a:endParaRPr>
+          </a:p>
+          <a:p>
+            <a:pPr marL="457200" lvl="0" indent="-381000" algn="l" rtl="0">
+              <a:spcBef>
+                <a:spcPts val="0"/>
+              </a:spcBef>
+              <a:spcAft>
+                <a:spcPts val="0"/>
+              </a:spcAft>
+              <a:buClr>
+                <a:schemeClr val="dk1"/>
+              </a:buClr>
+              <a:buSzPts val="2400"/>
+              <a:buChar char="●"/>
+            </a:pPr>
+            <a:r>
+              <a:rPr lang="en-GB" sz="2400" dirty="0">
+                <a:solidFill>
+                  <a:srgbClr val="FF0000"/>
+                </a:solidFill>
+                <a:latin typeface="Verdana"/>
+                <a:ea typeface="Verdana"/>
+                <a:cs typeface="Verdana"/>
+                <a:sym typeface="Verdana"/>
+              </a:rPr>
+              <a:t>Trigonometric Ratios</a:t>
+            </a:r>
+          </a:p>
+          <a:p>
+            <a:pPr marL="457200" lvl="0" indent="-381000" algn="l" rtl="0">
+              <a:spcBef>
+                <a:spcPts val="0"/>
+              </a:spcBef>
+              <a:spcAft>
+                <a:spcPts val="0"/>
+              </a:spcAft>
+              <a:buClr>
+                <a:schemeClr val="dk1"/>
+              </a:buClr>
+              <a:buSzPts val="2400"/>
+              <a:buChar char="●"/>
+            </a:pPr>
+            <a:r>
+              <a:rPr lang="en-GB" sz="2400" dirty="0">
+                <a:solidFill>
+                  <a:schemeClr val="dk1"/>
+                </a:solidFill>
+                <a:latin typeface="Verdana"/>
+                <a:ea typeface="Verdana"/>
+                <a:cs typeface="Verdana"/>
+                <a:sym typeface="Verdana"/>
+              </a:rPr>
+              <a:t>Radian measurement</a:t>
+            </a:r>
+            <a:endParaRPr sz="2400" dirty="0">
+              <a:solidFill>
+                <a:schemeClr val="dk1"/>
+              </a:solidFill>
+              <a:latin typeface="Verdana"/>
+              <a:ea typeface="Verdana"/>
+              <a:cs typeface="Verdana"/>
+              <a:sym typeface="Verdana"/>
+            </a:endParaRPr>
+          </a:p>
+          <a:p>
+            <a:pPr marL="457200" lvl="0" indent="0" algn="l" rtl="0">
+              <a:spcBef>
+                <a:spcPts val="1200"/>
+              </a:spcBef>
+              <a:spcAft>
+                <a:spcPts val="0"/>
+              </a:spcAft>
+              <a:buNone/>
+            </a:pPr>
+            <a:endParaRPr sz="2400" dirty="0">
+              <a:solidFill>
+                <a:schemeClr val="dk1"/>
+              </a:solidFill>
+              <a:latin typeface="Verdana"/>
+              <a:ea typeface="Verdana"/>
+              <a:cs typeface="Verdana"/>
+              <a:sym typeface="Verdana"/>
+            </a:endParaRPr>
+          </a:p>
+          <a:p>
+            <a:pPr marL="0" lvl="0" indent="0" algn="l" rtl="0">
+              <a:spcBef>
+                <a:spcPts val="1200"/>
+              </a:spcBef>
+              <a:spcAft>
+                <a:spcPts val="1200"/>
+              </a:spcAft>
+              <a:buNone/>
+            </a:pPr>
+            <a:endParaRPr sz="2400" dirty="0"/>
+          </a:p>
+        </p:txBody>
+      </p:sp>
+    </p:spTree>
+    <p:extLst>
+      <p:ext uri="{BB962C8B-B14F-4D97-AF65-F5344CB8AC3E}">
+        <p14:creationId xmlns:p14="http://schemas.microsoft.com/office/powerpoint/2010/main" val="3479393232"/>
+      </p:ext>
+    </p:extLst>
+  </p:cSld>
+  <p:clrMapOvr>
+    <a:masterClrMapping/>
+  </p:clrMapOvr>
 </p:sld>
 </file>
 
